--- a/NAME GENERATION USING RNN.pptx
+++ b/NAME GENERATION USING RNN.pptx
@@ -2,26 +2,26 @@
 <file path=ppt/presentation.xml><?xml version="1.0" encoding="utf-8"?>
 <p:presentation xmlns:a="http://schemas.openxmlformats.org/drawingml/2006/main" xmlns:r="http://schemas.openxmlformats.org/officeDocument/2006/relationships" xmlns:p="http://schemas.openxmlformats.org/presentationml/2006/main" removePersonalInfoOnSave="1" autoCompressPictures="0">
   <p:sldMasterIdLst>
-    <p:sldMasterId id="2147483767" r:id="rId4"/>
+    <p:sldMasterId id="2147483648" r:id="rId1"/>
   </p:sldMasterIdLst>
   <p:notesMasterIdLst>
-    <p:notesMasterId r:id="rId16"/>
+    <p:notesMasterId r:id="rId4"/>
   </p:notesMasterIdLst>
   <p:handoutMasterIdLst>
-    <p:handoutMasterId r:id="rId17"/>
+    <p:handoutMasterId r:id="rId15"/>
   </p:handoutMasterIdLst>
   <p:sldIdLst>
-    <p:sldId id="268" r:id="rId5"/>
-    <p:sldId id="270" r:id="rId6"/>
-    <p:sldId id="271" r:id="rId7"/>
-    <p:sldId id="272" r:id="rId8"/>
-    <p:sldId id="273" r:id="rId9"/>
-    <p:sldId id="274" r:id="rId10"/>
-    <p:sldId id="275" r:id="rId11"/>
-    <p:sldId id="276" r:id="rId12"/>
-    <p:sldId id="277" r:id="rId13"/>
-    <p:sldId id="278" r:id="rId14"/>
-    <p:sldId id="267" r:id="rId15"/>
+    <p:sldId id="268" r:id="rId3"/>
+    <p:sldId id="270" r:id="rId5"/>
+    <p:sldId id="271" r:id="rId6"/>
+    <p:sldId id="272" r:id="rId7"/>
+    <p:sldId id="273" r:id="rId8"/>
+    <p:sldId id="274" r:id="rId9"/>
+    <p:sldId id="275" r:id="rId10"/>
+    <p:sldId id="276" r:id="rId11"/>
+    <p:sldId id="277" r:id="rId12"/>
+    <p:sldId id="278" r:id="rId13"/>
+    <p:sldId id="267" r:id="rId14"/>
   </p:sldIdLst>
   <p:sldSz cx="12192000" cy="6858000"/>
   <p:notesSz cx="6858000" cy="9144000"/>
@@ -120,14 +120,6 @@
       </a:defRPr>
     </a:lvl9pPr>
   </p:defaultTextStyle>
-  <p:extLst>
-    <p:ext uri="{EFAFB233-063F-42B5-8137-9DF3F51BA10A}">
-      <p15:sldGuideLst xmlns:p15="http://schemas.microsoft.com/office/powerpoint/2012/main"/>
-    </p:ext>
-    <p:ext uri="{2D200454-40CA-4A62-9FC3-DE9A4176ACB9}">
-      <p15:notesGuideLst xmlns:p15="http://schemas.microsoft.com/office/powerpoint/2012/main"/>
-    </p:ext>
-  </p:extLst>
 </p:presentation>
 </file>
 
@@ -155,13 +147,7 @@
       </p:grpSpPr>
       <p:sp>
         <p:nvSpPr>
-          <p:cNvPr id="2" name="Header Placeholder 1">
-            <a:extLst>
-              <a:ext uri="{FF2B5EF4-FFF2-40B4-BE49-F238E27FC236}">
-                <a16:creationId xmlns:a16="http://schemas.microsoft.com/office/drawing/2014/main" xmlns="" id="{DC73E014-A6AA-472C-8E12-1D9B2DEC572D}"/>
-              </a:ext>
-            </a:extLst>
-          </p:cNvPr>
+          <p:cNvPr id="2" name="Header Placeholder 1"/>
           <p:cNvSpPr>
             <a:spLocks noGrp="1"/>
           </p:cNvSpPr>
@@ -192,13 +178,7 @@
       </p:sp>
       <p:sp>
         <p:nvSpPr>
-          <p:cNvPr id="3" name="Date Placeholder 2">
-            <a:extLst>
-              <a:ext uri="{FF2B5EF4-FFF2-40B4-BE49-F238E27FC236}">
-                <a16:creationId xmlns:a16="http://schemas.microsoft.com/office/drawing/2014/main" xmlns="" id="{2FAA60B8-51CB-4CEB-8F1F-B3D7B7F00CB7}"/>
-              </a:ext>
-            </a:extLst>
-          </p:cNvPr>
+          <p:cNvPr id="3" name="Date Placeholder 2"/>
           <p:cNvSpPr>
             <a:spLocks noGrp="1"/>
           </p:cNvSpPr>
@@ -225,7 +205,6 @@
           <a:p>
             <a:fld id="{F6C2B26F-7429-404A-9C5E-0E429E02A42E}" type="datetimeFigureOut">
               <a:rPr lang="en-US" smtClean="0"/>
-              <a:t>4/1/2024</a:t>
             </a:fld>
             <a:endParaRPr lang="en-US" dirty="0"/>
           </a:p>
@@ -233,13 +212,7 @@
       </p:sp>
       <p:sp>
         <p:nvSpPr>
-          <p:cNvPr id="4" name="Footer Placeholder 3">
-            <a:extLst>
-              <a:ext uri="{FF2B5EF4-FFF2-40B4-BE49-F238E27FC236}">
-                <a16:creationId xmlns:a16="http://schemas.microsoft.com/office/drawing/2014/main" xmlns="" id="{4E884C44-A5E4-4BDA-B29B-03462F06884F}"/>
-              </a:ext>
-            </a:extLst>
-          </p:cNvPr>
+          <p:cNvPr id="4" name="Footer Placeholder 3"/>
           <p:cNvSpPr>
             <a:spLocks noGrp="1"/>
           </p:cNvSpPr>
@@ -270,13 +243,7 @@
       </p:sp>
       <p:sp>
         <p:nvSpPr>
-          <p:cNvPr id="5" name="Slide Number Placeholder 4">
-            <a:extLst>
-              <a:ext uri="{FF2B5EF4-FFF2-40B4-BE49-F238E27FC236}">
-                <a16:creationId xmlns:a16="http://schemas.microsoft.com/office/drawing/2014/main" xmlns="" id="{080CB09A-41E4-4E88-82E6-007D82625163}"/>
-              </a:ext>
-            </a:extLst>
-          </p:cNvPr>
+          <p:cNvPr id="5" name="Slide Number Placeholder 4"/>
           <p:cNvSpPr>
             <a:spLocks noGrp="1"/>
           </p:cNvSpPr>
@@ -303,18 +270,12 @@
           <a:p>
             <a:fld id="{7B7AED79-B44F-46F7-9A9D-EC94587FA365}" type="slidenum">
               <a:rPr lang="en-US" smtClean="0"/>
-              <a:t>‹#›</a:t>
             </a:fld>
             <a:endParaRPr lang="en-US" dirty="0"/>
           </a:p>
         </p:txBody>
       </p:sp>
     </p:spTree>
-    <p:extLst>
-      <p:ext uri="{BB962C8B-B14F-4D97-AF65-F5344CB8AC3E}">
-        <p14:creationId xmlns:p14="http://schemas.microsoft.com/office/powerpoint/2010/main" val="3464231259"/>
-      </p:ext>
-    </p:extLst>
   </p:cSld>
   <p:clrMap bg1="lt1" tx1="dk1" bg2="lt2" tx2="dk2" accent1="accent1" accent2="accent2" accent3="accent3" accent4="accent4" accent5="accent5" accent6="accent6" hlink="hlink" folHlink="folHlink"/>
 </p:handoutMaster>
@@ -402,7 +363,6 @@
           <a:p>
             <a:fld id="{615A0E3A-0C98-4EA0-AAC9-F2996360A904}" type="datetimeFigureOut">
               <a:rPr lang="en-US" smtClean="0"/>
-              <a:t>4/1/2024</a:t>
             </a:fld>
             <a:endParaRPr lang="en-US" dirty="0"/>
           </a:p>
@@ -469,6 +429,7 @@
               <a:rPr lang="en-US"/>
               <a:t>Click to edit Master text styles</a:t>
             </a:r>
+            <a:endParaRPr lang="en-US"/>
           </a:p>
           <a:p>
             <a:pPr lvl="1"/>
@@ -476,6 +437,7 @@
               <a:rPr lang="en-US"/>
               <a:t>Second level</a:t>
             </a:r>
+            <a:endParaRPr lang="en-US"/>
           </a:p>
           <a:p>
             <a:pPr lvl="2"/>
@@ -483,6 +445,7 @@
               <a:rPr lang="en-US"/>
               <a:t>Third level</a:t>
             </a:r>
+            <a:endParaRPr lang="en-US"/>
           </a:p>
           <a:p>
             <a:pPr lvl="3"/>
@@ -490,6 +453,7 @@
               <a:rPr lang="en-US"/>
               <a:t>Fourth level</a:t>
             </a:r>
+            <a:endParaRPr lang="en-US"/>
           </a:p>
           <a:p>
             <a:pPr lvl="4"/>
@@ -497,6 +461,7 @@
               <a:rPr lang="en-US"/>
               <a:t>Fifth level</a:t>
             </a:r>
+            <a:endParaRPr lang="en-US"/>
           </a:p>
         </p:txBody>
       </p:sp>
@@ -560,18 +525,12 @@
           <a:p>
             <a:fld id="{CDAAE1FE-786B-4B83-86A4-F53D629261B4}" type="slidenum">
               <a:rPr lang="en-US" smtClean="0"/>
-              <a:t>‹#›</a:t>
             </a:fld>
             <a:endParaRPr lang="en-US" dirty="0"/>
           </a:p>
         </p:txBody>
       </p:sp>
     </p:spTree>
-    <p:extLst>
-      <p:ext uri="{BB962C8B-B14F-4D97-AF65-F5344CB8AC3E}">
-        <p14:creationId xmlns:p14="http://schemas.microsoft.com/office/powerpoint/2010/main" val="1015498841"/>
-      </p:ext>
-    </p:extLst>
   </p:cSld>
   <p:clrMap bg1="lt1" tx1="dk1" bg2="lt2" tx2="dk2" accent1="accent1" accent2="accent2" accent3="accent3" accent4="accent4" accent5="accent5" accent6="accent6" hlink="hlink" folHlink="folHlink"/>
   <p:notesStyle>
@@ -734,18 +693,12 @@
           <a:p>
             <a:fld id="{CDAAE1FE-786B-4B83-86A4-F53D629261B4}" type="slidenum">
               <a:rPr lang="en-US" smtClean="0"/>
-              <a:t>1</a:t>
             </a:fld>
             <a:endParaRPr lang="en-US" dirty="0"/>
           </a:p>
         </p:txBody>
       </p:sp>
     </p:spTree>
-    <p:extLst>
-      <p:ext uri="{BB962C8B-B14F-4D97-AF65-F5344CB8AC3E}">
-        <p14:creationId xmlns:p14="http://schemas.microsoft.com/office/powerpoint/2010/main" val="1976850705"/>
-      </p:ext>
-    </p:extLst>
   </p:cSld>
   <p:clrMapOvr>
     <a:masterClrMapping/>
@@ -818,18 +771,12 @@
           <a:p>
             <a:fld id="{CDAAE1FE-786B-4B83-86A4-F53D629261B4}" type="slidenum">
               <a:rPr lang="en-US" smtClean="0"/>
-              <a:t>11</a:t>
             </a:fld>
             <a:endParaRPr lang="en-US" dirty="0"/>
           </a:p>
         </p:txBody>
       </p:sp>
     </p:spTree>
-    <p:extLst>
-      <p:ext uri="{BB962C8B-B14F-4D97-AF65-F5344CB8AC3E}">
-        <p14:creationId xmlns:p14="http://schemas.microsoft.com/office/powerpoint/2010/main" val="1514508911"/>
-      </p:ext>
-    </p:extLst>
   </p:cSld>
   <p:clrMapOvr>
     <a:masterClrMapping/>
@@ -1025,8 +972,6 @@
           <a:p>
             <a:fld id="{B61BEF0D-F0BB-DE4B-95CE-6DB70DBA9567}" type="datetimeFigureOut">
               <a:rPr lang="en-US" smtClean="0"/>
-              <a:pPr/>
-              <a:t>4/1/2024</a:t>
             </a:fld>
             <a:endParaRPr lang="en-US" dirty="0"/>
           </a:p>
@@ -1155,19 +1100,12 @@
           <a:p>
             <a:fld id="{D57F1E4F-1CFF-5643-939E-217C01CDF565}" type="slidenum">
               <a:rPr lang="en-US" smtClean="0"/>
-              <a:pPr/>
-              <a:t>‹#›</a:t>
             </a:fld>
             <a:endParaRPr lang="en-US" dirty="0"/>
           </a:p>
         </p:txBody>
       </p:sp>
     </p:spTree>
-    <p:extLst>
-      <p:ext uri="{BB962C8B-B14F-4D97-AF65-F5344CB8AC3E}">
-        <p14:creationId xmlns:p14="http://schemas.microsoft.com/office/powerpoint/2010/main" val="163275892"/>
-      </p:ext>
-    </p:extLst>
   </p:cSld>
   <p:clrMapOvr>
     <a:masterClrMapping/>
@@ -1345,6 +1283,7 @@
               <a:rPr lang="en-US" smtClean="0"/>
               <a:t>Click to edit Master text styles</a:t>
             </a:r>
+            <a:endParaRPr lang="en-US" smtClean="0"/>
           </a:p>
         </p:txBody>
       </p:sp>
@@ -1365,8 +1304,6 @@
           <a:p>
             <a:fld id="{B61BEF0D-F0BB-DE4B-95CE-6DB70DBA9567}" type="datetimeFigureOut">
               <a:rPr lang="en-US" smtClean="0"/>
-              <a:pPr/>
-              <a:t>4/1/2024</a:t>
             </a:fld>
             <a:endParaRPr lang="en-US" dirty="0"/>
           </a:p>
@@ -1495,19 +1432,12 @@
           <a:p>
             <a:fld id="{D57F1E4F-1CFF-5643-939E-217C01CDF565}" type="slidenum">
               <a:rPr lang="en-US" smtClean="0"/>
-              <a:pPr/>
-              <a:t>‹#›</a:t>
             </a:fld>
             <a:endParaRPr lang="en-US" dirty="0"/>
           </a:p>
         </p:txBody>
       </p:sp>
     </p:spTree>
-    <p:extLst>
-      <p:ext uri="{BB962C8B-B14F-4D97-AF65-F5344CB8AC3E}">
-        <p14:creationId xmlns:p14="http://schemas.microsoft.com/office/powerpoint/2010/main" val="3128892805"/>
-      </p:ext>
-    </p:extLst>
   </p:cSld>
   <p:clrMapOvr>
     <a:masterClrMapping/>
@@ -1626,6 +1556,7 @@
               <a:rPr lang="en-US" smtClean="0"/>
               <a:t>Click to edit Master text styles</a:t>
             </a:r>
+            <a:endParaRPr lang="en-US" smtClean="0"/>
           </a:p>
         </p:txBody>
       </p:sp>
@@ -1748,6 +1679,7 @@
               <a:rPr lang="en-US" smtClean="0"/>
               <a:t>Click to edit Master text styles</a:t>
             </a:r>
+            <a:endParaRPr lang="en-US" smtClean="0"/>
           </a:p>
         </p:txBody>
       </p:sp>
@@ -1768,8 +1700,6 @@
           <a:p>
             <a:fld id="{B61BEF0D-F0BB-DE4B-95CE-6DB70DBA9567}" type="datetimeFigureOut">
               <a:rPr lang="en-US" smtClean="0"/>
-              <a:pPr/>
-              <a:t>4/1/2024</a:t>
             </a:fld>
             <a:endParaRPr lang="en-US" dirty="0"/>
           </a:p>
@@ -1898,8 +1828,6 @@
           <a:p>
             <a:fld id="{D57F1E4F-1CFF-5643-939E-217C01CDF565}" type="slidenum">
               <a:rPr lang="en-US" smtClean="0"/>
-              <a:pPr/>
-              <a:t>‹#›</a:t>
             </a:fld>
             <a:endParaRPr lang="en-US" dirty="0"/>
           </a:p>
@@ -1936,10 +1864,20 @@
                   <a:schemeClr val="accent1"/>
                 </a:solidFill>
                 <a:effectLst/>
-                <a:latin typeface="Arial"/>
+                <a:latin typeface="Arial" panose="020B0604020202020204"/>
               </a:rPr>
               <a:t>“</a:t>
             </a:r>
+            <a:endParaRPr lang="en-US" sz="8000" baseline="0" dirty="0">
+              <a:ln w="3175" cmpd="sng">
+                <a:noFill/>
+              </a:ln>
+              <a:solidFill>
+                <a:schemeClr val="accent1"/>
+              </a:solidFill>
+              <a:effectLst/>
+              <a:latin typeface="Arial" panose="020B0604020202020204"/>
+            </a:endParaRPr>
           </a:p>
         </p:txBody>
       </p:sp>
@@ -1974,19 +1912,24 @@
                   <a:schemeClr val="accent1"/>
                 </a:solidFill>
                 <a:effectLst/>
-                <a:latin typeface="Arial"/>
+                <a:latin typeface="Arial" panose="020B0604020202020204"/>
               </a:rPr>
               <a:t>”</a:t>
             </a:r>
+            <a:endParaRPr lang="en-US" sz="8000" baseline="0" dirty="0">
+              <a:ln w="3175" cmpd="sng">
+                <a:noFill/>
+              </a:ln>
+              <a:solidFill>
+                <a:schemeClr val="accent1"/>
+              </a:solidFill>
+              <a:effectLst/>
+              <a:latin typeface="Arial" panose="020B0604020202020204"/>
+            </a:endParaRPr>
           </a:p>
         </p:txBody>
       </p:sp>
     </p:spTree>
-    <p:extLst>
-      <p:ext uri="{BB962C8B-B14F-4D97-AF65-F5344CB8AC3E}">
-        <p14:creationId xmlns:p14="http://schemas.microsoft.com/office/powerpoint/2010/main" val="4195960954"/>
-      </p:ext>
-    </p:extLst>
   </p:cSld>
   <p:clrMapOvr>
     <a:masterClrMapping/>
@@ -2086,6 +2029,7 @@
               <a:rPr lang="en-US" smtClean="0"/>
               <a:t>Click to edit Master text styles</a:t>
             </a:r>
+            <a:endParaRPr lang="en-US" smtClean="0"/>
           </a:p>
         </p:txBody>
       </p:sp>
@@ -2106,8 +2050,6 @@
           <a:p>
             <a:fld id="{B61BEF0D-F0BB-DE4B-95CE-6DB70DBA9567}" type="datetimeFigureOut">
               <a:rPr lang="en-US" smtClean="0"/>
-              <a:pPr/>
-              <a:t>4/1/2024</a:t>
             </a:fld>
             <a:endParaRPr lang="en-US" dirty="0"/>
           </a:p>
@@ -2236,19 +2178,12 @@
           <a:p>
             <a:fld id="{D57F1E4F-1CFF-5643-939E-217C01CDF565}" type="slidenum">
               <a:rPr lang="en-US" smtClean="0"/>
-              <a:pPr/>
-              <a:t>‹#›</a:t>
             </a:fld>
             <a:endParaRPr lang="en-US" dirty="0"/>
           </a:p>
         </p:txBody>
       </p:sp>
     </p:spTree>
-    <p:extLst>
-      <p:ext uri="{BB962C8B-B14F-4D97-AF65-F5344CB8AC3E}">
-        <p14:creationId xmlns:p14="http://schemas.microsoft.com/office/powerpoint/2010/main" val="4191375750"/>
-      </p:ext>
-    </p:extLst>
   </p:cSld>
   <p:clrMapOvr>
     <a:masterClrMapping/>
@@ -2364,6 +2299,7 @@
               <a:rPr lang="en-US" smtClean="0"/>
               <a:t>Click to edit Master text styles</a:t>
             </a:r>
+            <a:endParaRPr lang="en-US" smtClean="0"/>
           </a:p>
         </p:txBody>
       </p:sp>
@@ -2408,6 +2344,7 @@
               <a:rPr lang="en-US" smtClean="0"/>
               <a:t>Click to edit Master text styles</a:t>
             </a:r>
+            <a:endParaRPr lang="en-US" smtClean="0"/>
           </a:p>
         </p:txBody>
       </p:sp>
@@ -2428,8 +2365,6 @@
           <a:p>
             <a:fld id="{B61BEF0D-F0BB-DE4B-95CE-6DB70DBA9567}" type="datetimeFigureOut">
               <a:rPr lang="en-US" smtClean="0"/>
-              <a:pPr/>
-              <a:t>4/1/2024</a:t>
             </a:fld>
             <a:endParaRPr lang="en-US" dirty="0"/>
           </a:p>
@@ -2558,8 +2493,6 @@
           <a:p>
             <a:fld id="{D57F1E4F-1CFF-5643-939E-217C01CDF565}" type="slidenum">
               <a:rPr lang="en-US" smtClean="0"/>
-              <a:pPr/>
-              <a:t>‹#›</a:t>
             </a:fld>
             <a:endParaRPr lang="en-US" dirty="0"/>
           </a:p>
@@ -2596,10 +2529,20 @@
                   <a:schemeClr val="accent1"/>
                 </a:solidFill>
                 <a:effectLst/>
-                <a:latin typeface="Arial"/>
+                <a:latin typeface="Arial" panose="020B0604020202020204"/>
               </a:rPr>
               <a:t>“</a:t>
             </a:r>
+            <a:endParaRPr lang="en-US" sz="8000" baseline="0" dirty="0">
+              <a:ln w="3175" cmpd="sng">
+                <a:noFill/>
+              </a:ln>
+              <a:solidFill>
+                <a:schemeClr val="accent1"/>
+              </a:solidFill>
+              <a:effectLst/>
+              <a:latin typeface="Arial" panose="020B0604020202020204"/>
+            </a:endParaRPr>
           </a:p>
         </p:txBody>
       </p:sp>
@@ -2634,19 +2577,24 @@
                   <a:schemeClr val="accent1"/>
                 </a:solidFill>
                 <a:effectLst/>
-                <a:latin typeface="Arial"/>
+                <a:latin typeface="Arial" panose="020B0604020202020204"/>
               </a:rPr>
               <a:t>”</a:t>
             </a:r>
+            <a:endParaRPr lang="en-US" sz="8000" baseline="0" dirty="0">
+              <a:ln w="3175" cmpd="sng">
+                <a:noFill/>
+              </a:ln>
+              <a:solidFill>
+                <a:schemeClr val="accent1"/>
+              </a:solidFill>
+              <a:effectLst/>
+              <a:latin typeface="Arial" panose="020B0604020202020204"/>
+            </a:endParaRPr>
           </a:p>
         </p:txBody>
       </p:sp>
     </p:spTree>
-    <p:extLst>
-      <p:ext uri="{BB962C8B-B14F-4D97-AF65-F5344CB8AC3E}">
-        <p14:creationId xmlns:p14="http://schemas.microsoft.com/office/powerpoint/2010/main" val="3140453078"/>
-      </p:ext>
-    </p:extLst>
   </p:cSld>
   <p:clrMapOvr>
     <a:masterClrMapping/>
@@ -2762,6 +2710,7 @@
               <a:rPr lang="en-US" smtClean="0"/>
               <a:t>Click to edit Master text styles</a:t>
             </a:r>
+            <a:endParaRPr lang="en-US" smtClean="0"/>
           </a:p>
         </p:txBody>
       </p:sp>
@@ -2806,6 +2755,7 @@
               <a:rPr lang="en-US" smtClean="0"/>
               <a:t>Click to edit Master text styles</a:t>
             </a:r>
+            <a:endParaRPr lang="en-US" smtClean="0"/>
           </a:p>
         </p:txBody>
       </p:sp>
@@ -2826,8 +2776,6 @@
           <a:p>
             <a:fld id="{B61BEF0D-F0BB-DE4B-95CE-6DB70DBA9567}" type="datetimeFigureOut">
               <a:rPr lang="en-US" smtClean="0"/>
-              <a:pPr/>
-              <a:t>4/1/2024</a:t>
             </a:fld>
             <a:endParaRPr lang="en-US" dirty="0"/>
           </a:p>
@@ -2956,19 +2904,12 @@
           <a:p>
             <a:fld id="{D57F1E4F-1CFF-5643-939E-217C01CDF565}" type="slidenum">
               <a:rPr lang="en-US" smtClean="0"/>
-              <a:pPr/>
-              <a:t>‹#›</a:t>
             </a:fld>
             <a:endParaRPr lang="en-US" dirty="0"/>
           </a:p>
         </p:txBody>
       </p:sp>
     </p:spTree>
-    <p:extLst>
-      <p:ext uri="{BB962C8B-B14F-4D97-AF65-F5344CB8AC3E}">
-        <p14:creationId xmlns:p14="http://schemas.microsoft.com/office/powerpoint/2010/main" val="2063380341"/>
-      </p:ext>
-    </p:extLst>
   </p:cSld>
   <p:clrMapOvr>
     <a:masterClrMapping/>
@@ -3036,6 +2977,7 @@
               <a:rPr lang="en-US" smtClean="0"/>
               <a:t>Click to edit Master text styles</a:t>
             </a:r>
+            <a:endParaRPr lang="en-US" smtClean="0"/>
           </a:p>
           <a:p>
             <a:pPr lvl="1"/>
@@ -3043,6 +2985,7 @@
               <a:rPr lang="en-US" smtClean="0"/>
               <a:t>Second level</a:t>
             </a:r>
+            <a:endParaRPr lang="en-US" smtClean="0"/>
           </a:p>
           <a:p>
             <a:pPr lvl="2"/>
@@ -3050,6 +2993,7 @@
               <a:rPr lang="en-US" smtClean="0"/>
               <a:t>Third level</a:t>
             </a:r>
+            <a:endParaRPr lang="en-US" smtClean="0"/>
           </a:p>
           <a:p>
             <a:pPr lvl="3"/>
@@ -3057,6 +3001,7 @@
               <a:rPr lang="en-US" smtClean="0"/>
               <a:t>Fourth level</a:t>
             </a:r>
+            <a:endParaRPr lang="en-US" smtClean="0"/>
           </a:p>
           <a:p>
             <a:pPr lvl="4"/>
@@ -3085,8 +3030,6 @@
           <a:p>
             <a:fld id="{B61BEF0D-F0BB-DE4B-95CE-6DB70DBA9567}" type="datetimeFigureOut">
               <a:rPr lang="en-US" smtClean="0"/>
-              <a:pPr/>
-              <a:t>4/1/2024</a:t>
             </a:fld>
             <a:endParaRPr lang="en-US" dirty="0"/>
           </a:p>
@@ -3210,19 +3153,12 @@
           <a:p>
             <a:fld id="{D57F1E4F-1CFF-5643-939E-217C01CDF565}" type="slidenum">
               <a:rPr lang="en-US" smtClean="0"/>
-              <a:pPr/>
-              <a:t>‹#›</a:t>
             </a:fld>
             <a:endParaRPr lang="en-US" dirty="0"/>
           </a:p>
         </p:txBody>
       </p:sp>
     </p:spTree>
-    <p:extLst>
-      <p:ext uri="{BB962C8B-B14F-4D97-AF65-F5344CB8AC3E}">
-        <p14:creationId xmlns:p14="http://schemas.microsoft.com/office/powerpoint/2010/main" val="2901321873"/>
-      </p:ext>
-    </p:extLst>
   </p:cSld>
   <p:clrMapOvr>
     <a:masterClrMapping/>
@@ -3300,6 +3236,7 @@
               <a:rPr lang="en-US" smtClean="0"/>
               <a:t>Click to edit Master text styles</a:t>
             </a:r>
+            <a:endParaRPr lang="en-US" smtClean="0"/>
           </a:p>
           <a:p>
             <a:pPr lvl="1"/>
@@ -3307,6 +3244,7 @@
               <a:rPr lang="en-US" smtClean="0"/>
               <a:t>Second level</a:t>
             </a:r>
+            <a:endParaRPr lang="en-US" smtClean="0"/>
           </a:p>
           <a:p>
             <a:pPr lvl="2"/>
@@ -3314,6 +3252,7 @@
               <a:rPr lang="en-US" smtClean="0"/>
               <a:t>Third level</a:t>
             </a:r>
+            <a:endParaRPr lang="en-US" smtClean="0"/>
           </a:p>
           <a:p>
             <a:pPr lvl="3"/>
@@ -3321,6 +3260,7 @@
               <a:rPr lang="en-US" smtClean="0"/>
               <a:t>Fourth level</a:t>
             </a:r>
+            <a:endParaRPr lang="en-US" smtClean="0"/>
           </a:p>
           <a:p>
             <a:pPr lvl="4"/>
@@ -3349,8 +3289,6 @@
           <a:p>
             <a:fld id="{B61BEF0D-F0BB-DE4B-95CE-6DB70DBA9567}" type="datetimeFigureOut">
               <a:rPr lang="en-US" smtClean="0"/>
-              <a:pPr/>
-              <a:t>4/1/2024</a:t>
             </a:fld>
             <a:endParaRPr lang="en-US" dirty="0"/>
           </a:p>
@@ -3474,19 +3412,12 @@
           <a:p>
             <a:fld id="{D57F1E4F-1CFF-5643-939E-217C01CDF565}" type="slidenum">
               <a:rPr lang="en-US" smtClean="0"/>
-              <a:pPr/>
-              <a:t>‹#›</a:t>
             </a:fld>
             <a:endParaRPr lang="en-US" dirty="0"/>
           </a:p>
         </p:txBody>
       </p:sp>
     </p:spTree>
-    <p:extLst>
-      <p:ext uri="{BB962C8B-B14F-4D97-AF65-F5344CB8AC3E}">
-        <p14:creationId xmlns:p14="http://schemas.microsoft.com/office/powerpoint/2010/main" val="2619130751"/>
-      </p:ext>
-    </p:extLst>
   </p:cSld>
   <p:clrMapOvr>
     <a:masterClrMapping/>
@@ -3564,6 +3495,7 @@
               <a:rPr lang="en-US" smtClean="0"/>
               <a:t>Click to edit Master text styles</a:t>
             </a:r>
+            <a:endParaRPr lang="en-US" smtClean="0"/>
           </a:p>
           <a:p>
             <a:pPr lvl="1"/>
@@ -3571,6 +3503,7 @@
               <a:rPr lang="en-US" smtClean="0"/>
               <a:t>Second level</a:t>
             </a:r>
+            <a:endParaRPr lang="en-US" smtClean="0"/>
           </a:p>
           <a:p>
             <a:pPr lvl="2"/>
@@ -3578,6 +3511,7 @@
               <a:rPr lang="en-US" smtClean="0"/>
               <a:t>Third level</a:t>
             </a:r>
+            <a:endParaRPr lang="en-US" smtClean="0"/>
           </a:p>
           <a:p>
             <a:pPr lvl="3"/>
@@ -3585,6 +3519,7 @@
               <a:rPr lang="en-US" smtClean="0"/>
               <a:t>Fourth level</a:t>
             </a:r>
+            <a:endParaRPr lang="en-US" smtClean="0"/>
           </a:p>
           <a:p>
             <a:pPr lvl="4"/>
@@ -3613,8 +3548,6 @@
           <a:p>
             <a:fld id="{B61BEF0D-F0BB-DE4B-95CE-6DB70DBA9567}" type="datetimeFigureOut">
               <a:rPr lang="en-US" smtClean="0"/>
-              <a:pPr/>
-              <a:t>4/1/2024</a:t>
             </a:fld>
             <a:endParaRPr lang="en-US" dirty="0"/>
           </a:p>
@@ -3738,19 +3671,12 @@
           <a:p>
             <a:fld id="{D57F1E4F-1CFF-5643-939E-217C01CDF565}" type="slidenum">
               <a:rPr lang="en-US" smtClean="0"/>
-              <a:pPr/>
-              <a:t>‹#›</a:t>
             </a:fld>
             <a:endParaRPr lang="en-US" dirty="0"/>
           </a:p>
         </p:txBody>
       </p:sp>
     </p:spTree>
-    <p:extLst>
-      <p:ext uri="{BB962C8B-B14F-4D97-AF65-F5344CB8AC3E}">
-        <p14:creationId xmlns:p14="http://schemas.microsoft.com/office/powerpoint/2010/main" val="1071431667"/>
-      </p:ext>
-    </p:extLst>
   </p:cSld>
   <p:clrMapOvr>
     <a:masterClrMapping/>
@@ -3924,6 +3850,7 @@
               <a:rPr lang="en-US" smtClean="0"/>
               <a:t>Click to edit Master text styles</a:t>
             </a:r>
+            <a:endParaRPr lang="en-US" smtClean="0"/>
           </a:p>
         </p:txBody>
       </p:sp>
@@ -3944,8 +3871,6 @@
           <a:p>
             <a:fld id="{B61BEF0D-F0BB-DE4B-95CE-6DB70DBA9567}" type="datetimeFigureOut">
               <a:rPr lang="en-US" smtClean="0"/>
-              <a:pPr/>
-              <a:t>4/1/2024</a:t>
             </a:fld>
             <a:endParaRPr lang="en-US" dirty="0"/>
           </a:p>
@@ -4074,19 +3999,12 @@
           <a:p>
             <a:fld id="{D57F1E4F-1CFF-5643-939E-217C01CDF565}" type="slidenum">
               <a:rPr lang="en-US" smtClean="0"/>
-              <a:pPr/>
-              <a:t>‹#›</a:t>
             </a:fld>
             <a:endParaRPr lang="en-US" dirty="0"/>
           </a:p>
         </p:txBody>
       </p:sp>
     </p:spTree>
-    <p:extLst>
-      <p:ext uri="{BB962C8B-B14F-4D97-AF65-F5344CB8AC3E}">
-        <p14:creationId xmlns:p14="http://schemas.microsoft.com/office/powerpoint/2010/main" val="2044390503"/>
-      </p:ext>
-    </p:extLst>
   </p:cSld>
   <p:clrMapOvr>
     <a:masterClrMapping/>
@@ -4161,6 +4079,7 @@
               <a:rPr lang="en-US" smtClean="0"/>
               <a:t>Click to edit Master text styles</a:t>
             </a:r>
+            <a:endParaRPr lang="en-US" smtClean="0"/>
           </a:p>
           <a:p>
             <a:pPr lvl="1"/>
@@ -4168,6 +4087,7 @@
               <a:rPr lang="en-US" smtClean="0"/>
               <a:t>Second level</a:t>
             </a:r>
+            <a:endParaRPr lang="en-US" smtClean="0"/>
           </a:p>
           <a:p>
             <a:pPr lvl="2"/>
@@ -4175,6 +4095,7 @@
               <a:rPr lang="en-US" smtClean="0"/>
               <a:t>Third level</a:t>
             </a:r>
+            <a:endParaRPr lang="en-US" smtClean="0"/>
           </a:p>
           <a:p>
             <a:pPr lvl="3"/>
@@ -4182,6 +4103,7 @@
               <a:rPr lang="en-US" smtClean="0"/>
               <a:t>Fourth level</a:t>
             </a:r>
+            <a:endParaRPr lang="en-US" smtClean="0"/>
           </a:p>
           <a:p>
             <a:pPr lvl="4"/>
@@ -4220,6 +4142,7 @@
               <a:rPr lang="en-US" smtClean="0"/>
               <a:t>Click to edit Master text styles</a:t>
             </a:r>
+            <a:endParaRPr lang="en-US" smtClean="0"/>
           </a:p>
           <a:p>
             <a:pPr lvl="1"/>
@@ -4227,6 +4150,7 @@
               <a:rPr lang="en-US" smtClean="0"/>
               <a:t>Second level</a:t>
             </a:r>
+            <a:endParaRPr lang="en-US" smtClean="0"/>
           </a:p>
           <a:p>
             <a:pPr lvl="2"/>
@@ -4234,6 +4158,7 @@
               <a:rPr lang="en-US" smtClean="0"/>
               <a:t>Third level</a:t>
             </a:r>
+            <a:endParaRPr lang="en-US" smtClean="0"/>
           </a:p>
           <a:p>
             <a:pPr lvl="3"/>
@@ -4241,6 +4166,7 @@
               <a:rPr lang="en-US" smtClean="0"/>
               <a:t>Fourth level</a:t>
             </a:r>
+            <a:endParaRPr lang="en-US" smtClean="0"/>
           </a:p>
           <a:p>
             <a:pPr lvl="4"/>
@@ -4269,8 +4195,6 @@
           <a:p>
             <a:fld id="{B61BEF0D-F0BB-DE4B-95CE-6DB70DBA9567}" type="datetimeFigureOut">
               <a:rPr lang="en-US" smtClean="0"/>
-              <a:pPr/>
-              <a:t>4/1/2024</a:t>
             </a:fld>
             <a:endParaRPr lang="en-US" dirty="0"/>
           </a:p>
@@ -4399,19 +4323,12 @@
           <a:p>
             <a:fld id="{D57F1E4F-1CFF-5643-939E-217C01CDF565}" type="slidenum">
               <a:rPr lang="en-US" smtClean="0"/>
-              <a:pPr/>
-              <a:t>‹#›</a:t>
             </a:fld>
             <a:endParaRPr lang="en-US" dirty="0"/>
           </a:p>
         </p:txBody>
       </p:sp>
     </p:spTree>
-    <p:extLst>
-      <p:ext uri="{BB962C8B-B14F-4D97-AF65-F5344CB8AC3E}">
-        <p14:creationId xmlns:p14="http://schemas.microsoft.com/office/powerpoint/2010/main" val="3545651386"/>
-      </p:ext>
-    </p:extLst>
   </p:cSld>
   <p:clrMapOvr>
     <a:masterClrMapping/>
@@ -4523,6 +4440,7 @@
               <a:rPr lang="en-US" smtClean="0"/>
               <a:t>Click to edit Master text styles</a:t>
             </a:r>
+            <a:endParaRPr lang="en-US" smtClean="0"/>
           </a:p>
         </p:txBody>
       </p:sp>
@@ -4553,6 +4471,7 @@
               <a:rPr lang="en-US" smtClean="0"/>
               <a:t>Click to edit Master text styles</a:t>
             </a:r>
+            <a:endParaRPr lang="en-US" smtClean="0"/>
           </a:p>
           <a:p>
             <a:pPr lvl="1"/>
@@ -4560,6 +4479,7 @@
               <a:rPr lang="en-US" smtClean="0"/>
               <a:t>Second level</a:t>
             </a:r>
+            <a:endParaRPr lang="en-US" smtClean="0"/>
           </a:p>
           <a:p>
             <a:pPr lvl="2"/>
@@ -4567,6 +4487,7 @@
               <a:rPr lang="en-US" smtClean="0"/>
               <a:t>Third level</a:t>
             </a:r>
+            <a:endParaRPr lang="en-US" smtClean="0"/>
           </a:p>
           <a:p>
             <a:pPr lvl="3"/>
@@ -4574,6 +4495,7 @@
               <a:rPr lang="en-US" smtClean="0"/>
               <a:t>Fourth level</a:t>
             </a:r>
+            <a:endParaRPr lang="en-US" smtClean="0"/>
           </a:p>
           <a:p>
             <a:pPr lvl="4"/>
@@ -4649,6 +4571,7 @@
               <a:rPr lang="en-US" smtClean="0"/>
               <a:t>Click to edit Master text styles</a:t>
             </a:r>
+            <a:endParaRPr lang="en-US" smtClean="0"/>
           </a:p>
         </p:txBody>
       </p:sp>
@@ -4679,6 +4602,7 @@
               <a:rPr lang="en-US" smtClean="0"/>
               <a:t>Click to edit Master text styles</a:t>
             </a:r>
+            <a:endParaRPr lang="en-US" smtClean="0"/>
           </a:p>
           <a:p>
             <a:pPr lvl="1"/>
@@ -4686,6 +4610,7 @@
               <a:rPr lang="en-US" smtClean="0"/>
               <a:t>Second level</a:t>
             </a:r>
+            <a:endParaRPr lang="en-US" smtClean="0"/>
           </a:p>
           <a:p>
             <a:pPr lvl="2"/>
@@ -4693,6 +4618,7 @@
               <a:rPr lang="en-US" smtClean="0"/>
               <a:t>Third level</a:t>
             </a:r>
+            <a:endParaRPr lang="en-US" smtClean="0"/>
           </a:p>
           <a:p>
             <a:pPr lvl="3"/>
@@ -4700,6 +4626,7 @@
               <a:rPr lang="en-US" smtClean="0"/>
               <a:t>Fourth level</a:t>
             </a:r>
+            <a:endParaRPr lang="en-US" smtClean="0"/>
           </a:p>
           <a:p>
             <a:pPr lvl="4"/>
@@ -4728,8 +4655,6 @@
           <a:p>
             <a:fld id="{B61BEF0D-F0BB-DE4B-95CE-6DB70DBA9567}" type="datetimeFigureOut">
               <a:rPr lang="en-US" smtClean="0"/>
-              <a:pPr/>
-              <a:t>4/1/2024</a:t>
             </a:fld>
             <a:endParaRPr lang="en-US" dirty="0"/>
           </a:p>
@@ -4858,19 +4783,12 @@
           <a:p>
             <a:fld id="{D57F1E4F-1CFF-5643-939E-217C01CDF565}" type="slidenum">
               <a:rPr lang="en-US" smtClean="0"/>
-              <a:pPr/>
-              <a:t>‹#›</a:t>
             </a:fld>
             <a:endParaRPr lang="en-US" dirty="0"/>
           </a:p>
         </p:txBody>
       </p:sp>
     </p:spTree>
-    <p:extLst>
-      <p:ext uri="{BB962C8B-B14F-4D97-AF65-F5344CB8AC3E}">
-        <p14:creationId xmlns:p14="http://schemas.microsoft.com/office/powerpoint/2010/main" val="1858928802"/>
-      </p:ext>
-    </p:extLst>
   </p:cSld>
   <p:clrMapOvr>
     <a:masterClrMapping/>
@@ -4935,8 +4853,6 @@
           <a:p>
             <a:fld id="{B61BEF0D-F0BB-DE4B-95CE-6DB70DBA9567}" type="datetimeFigureOut">
               <a:rPr lang="en-US" smtClean="0"/>
-              <a:pPr/>
-              <a:t>4/1/2024</a:t>
             </a:fld>
             <a:endParaRPr lang="en-US" dirty="0"/>
           </a:p>
@@ -5060,19 +4976,12 @@
           <a:p>
             <a:fld id="{D57F1E4F-1CFF-5643-939E-217C01CDF565}" type="slidenum">
               <a:rPr lang="en-US" smtClean="0"/>
-              <a:pPr/>
-              <a:t>‹#›</a:t>
             </a:fld>
             <a:endParaRPr lang="en-US" dirty="0"/>
           </a:p>
         </p:txBody>
       </p:sp>
     </p:spTree>
-    <p:extLst>
-      <p:ext uri="{BB962C8B-B14F-4D97-AF65-F5344CB8AC3E}">
-        <p14:creationId xmlns:p14="http://schemas.microsoft.com/office/powerpoint/2010/main" val="3312232934"/>
-      </p:ext>
-    </p:extLst>
   </p:cSld>
   <p:clrMapOvr>
     <a:masterClrMapping/>
@@ -5114,8 +5023,6 @@
           <a:p>
             <a:fld id="{B61BEF0D-F0BB-DE4B-95CE-6DB70DBA9567}" type="datetimeFigureOut">
               <a:rPr lang="en-US" smtClean="0"/>
-              <a:pPr/>
-              <a:t>4/1/2024</a:t>
             </a:fld>
             <a:endParaRPr lang="en-US" dirty="0"/>
           </a:p>
@@ -5239,19 +5146,12 @@
           <a:p>
             <a:fld id="{D57F1E4F-1CFF-5643-939E-217C01CDF565}" type="slidenum">
               <a:rPr lang="en-US" smtClean="0"/>
-              <a:pPr/>
-              <a:t>‹#›</a:t>
             </a:fld>
             <a:endParaRPr lang="en-US" dirty="0"/>
           </a:p>
         </p:txBody>
       </p:sp>
     </p:spTree>
-    <p:extLst>
-      <p:ext uri="{BB962C8B-B14F-4D97-AF65-F5344CB8AC3E}">
-        <p14:creationId xmlns:p14="http://schemas.microsoft.com/office/powerpoint/2010/main" val="3945293940"/>
-      </p:ext>
-    </p:extLst>
   </p:cSld>
   <p:clrMapOvr>
     <a:masterClrMapping/>
@@ -5335,6 +5235,7 @@
               <a:rPr lang="en-US" smtClean="0"/>
               <a:t>Click to edit Master text styles</a:t>
             </a:r>
+            <a:endParaRPr lang="en-US" smtClean="0"/>
           </a:p>
           <a:p>
             <a:pPr lvl="1"/>
@@ -5342,6 +5243,7 @@
               <a:rPr lang="en-US" smtClean="0"/>
               <a:t>Second level</a:t>
             </a:r>
+            <a:endParaRPr lang="en-US" smtClean="0"/>
           </a:p>
           <a:p>
             <a:pPr lvl="2"/>
@@ -5349,6 +5251,7 @@
               <a:rPr lang="en-US" smtClean="0"/>
               <a:t>Third level</a:t>
             </a:r>
+            <a:endParaRPr lang="en-US" smtClean="0"/>
           </a:p>
           <a:p>
             <a:pPr lvl="3"/>
@@ -5356,6 +5259,7 @@
               <a:rPr lang="en-US" smtClean="0"/>
               <a:t>Fourth level</a:t>
             </a:r>
+            <a:endParaRPr lang="en-US" smtClean="0"/>
           </a:p>
           <a:p>
             <a:pPr lvl="4"/>
@@ -5429,6 +5333,7 @@
               <a:rPr lang="en-US" smtClean="0"/>
               <a:t>Click to edit Master text styles</a:t>
             </a:r>
+            <a:endParaRPr lang="en-US" smtClean="0"/>
           </a:p>
         </p:txBody>
       </p:sp>
@@ -5449,8 +5354,6 @@
           <a:p>
             <a:fld id="{B61BEF0D-F0BB-DE4B-95CE-6DB70DBA9567}" type="datetimeFigureOut">
               <a:rPr lang="en-US" smtClean="0"/>
-              <a:pPr/>
-              <a:t>4/1/2024</a:t>
             </a:fld>
             <a:endParaRPr lang="en-US" dirty="0"/>
           </a:p>
@@ -5574,19 +5477,12 @@
           <a:p>
             <a:fld id="{D57F1E4F-1CFF-5643-939E-217C01CDF565}" type="slidenum">
               <a:rPr lang="en-US" smtClean="0"/>
-              <a:pPr/>
-              <a:t>‹#›</a:t>
             </a:fld>
             <a:endParaRPr lang="en-US" dirty="0"/>
           </a:p>
         </p:txBody>
       </p:sp>
     </p:spTree>
-    <p:extLst>
-      <p:ext uri="{BB962C8B-B14F-4D97-AF65-F5344CB8AC3E}">
-        <p14:creationId xmlns:p14="http://schemas.microsoft.com/office/powerpoint/2010/main" val="2764066006"/>
-      </p:ext>
-    </p:extLst>
   </p:cSld>
   <p:clrMapOvr>
     <a:masterClrMapping/>
@@ -5776,6 +5672,7 @@
               <a:rPr lang="en-US" smtClean="0"/>
               <a:t>Click to edit Master text styles</a:t>
             </a:r>
+            <a:endParaRPr lang="en-US" smtClean="0"/>
           </a:p>
         </p:txBody>
       </p:sp>
@@ -5796,8 +5693,6 @@
           <a:p>
             <a:fld id="{B61BEF0D-F0BB-DE4B-95CE-6DB70DBA9567}" type="datetimeFigureOut">
               <a:rPr lang="en-US" smtClean="0"/>
-              <a:pPr/>
-              <a:t>4/1/2024</a:t>
             </a:fld>
             <a:endParaRPr lang="en-US" dirty="0"/>
           </a:p>
@@ -5926,19 +5821,12 @@
           <a:p>
             <a:fld id="{D57F1E4F-1CFF-5643-939E-217C01CDF565}" type="slidenum">
               <a:rPr lang="en-US" smtClean="0"/>
-              <a:pPr/>
-              <a:t>‹#›</a:t>
             </a:fld>
             <a:endParaRPr lang="en-US" dirty="0"/>
           </a:p>
         </p:txBody>
       </p:sp>
     </p:spTree>
-    <p:extLst>
-      <p:ext uri="{BB962C8B-B14F-4D97-AF65-F5344CB8AC3E}">
-        <p14:creationId xmlns:p14="http://schemas.microsoft.com/office/powerpoint/2010/main" val="4245432329"/>
-      </p:ext>
-    </p:extLst>
   </p:cSld>
   <p:clrMapOvr>
     <a:masterClrMapping/>
@@ -7785,6 +7673,7 @@
               <a:rPr lang="en-US" smtClean="0"/>
               <a:t>Click to edit Master text styles</a:t>
             </a:r>
+            <a:endParaRPr lang="en-US" smtClean="0"/>
           </a:p>
           <a:p>
             <a:pPr lvl="1"/>
@@ -7792,6 +7681,7 @@
               <a:rPr lang="en-US" smtClean="0"/>
               <a:t>Second level</a:t>
             </a:r>
+            <a:endParaRPr lang="en-US" smtClean="0"/>
           </a:p>
           <a:p>
             <a:pPr lvl="2"/>
@@ -7799,6 +7689,7 @@
               <a:rPr lang="en-US" smtClean="0"/>
               <a:t>Third level</a:t>
             </a:r>
+            <a:endParaRPr lang="en-US" smtClean="0"/>
           </a:p>
           <a:p>
             <a:pPr lvl="3"/>
@@ -7806,6 +7697,7 @@
               <a:rPr lang="en-US" smtClean="0"/>
               <a:t>Fourth level</a:t>
             </a:r>
+            <a:endParaRPr lang="en-US" smtClean="0"/>
           </a:p>
           <a:p>
             <a:pPr lvl="4"/>
@@ -7852,8 +7744,6 @@
           <a:p>
             <a:fld id="{B61BEF0D-F0BB-DE4B-95CE-6DB70DBA9567}" type="datetimeFigureOut">
               <a:rPr lang="en-US" smtClean="0"/>
-              <a:pPr/>
-              <a:t>4/1/2024</a:t>
             </a:fld>
             <a:endParaRPr lang="en-US" dirty="0"/>
           </a:p>
@@ -7929,38 +7819,31 @@
           <a:p>
             <a:fld id="{D57F1E4F-1CFF-5643-939E-217C01CDF565}" type="slidenum">
               <a:rPr lang="en-US" smtClean="0"/>
-              <a:pPr/>
-              <a:t>‹#›</a:t>
             </a:fld>
             <a:endParaRPr lang="en-US" dirty="0"/>
           </a:p>
         </p:txBody>
       </p:sp>
     </p:spTree>
-    <p:extLst>
-      <p:ext uri="{BB962C8B-B14F-4D97-AF65-F5344CB8AC3E}">
-        <p14:creationId xmlns:p14="http://schemas.microsoft.com/office/powerpoint/2010/main" val="60952317"/>
-      </p:ext>
-    </p:extLst>
   </p:cSld>
   <p:clrMap bg1="dk1" tx1="lt1" bg2="dk2" tx2="lt2" accent1="accent1" accent2="accent2" accent3="accent3" accent4="accent4" accent5="accent5" accent6="accent6" hlink="hlink" folHlink="folHlink"/>
   <p:sldLayoutIdLst>
-    <p:sldLayoutId id="2147483768" r:id="rId1"/>
-    <p:sldLayoutId id="2147483769" r:id="rId2"/>
-    <p:sldLayoutId id="2147483770" r:id="rId3"/>
-    <p:sldLayoutId id="2147483771" r:id="rId4"/>
-    <p:sldLayoutId id="2147483772" r:id="rId5"/>
-    <p:sldLayoutId id="2147483773" r:id="rId6"/>
-    <p:sldLayoutId id="2147483774" r:id="rId7"/>
-    <p:sldLayoutId id="2147483775" r:id="rId8"/>
-    <p:sldLayoutId id="2147483776" r:id="rId9"/>
-    <p:sldLayoutId id="2147483777" r:id="rId10"/>
-    <p:sldLayoutId id="2147483778" r:id="rId11"/>
-    <p:sldLayoutId id="2147483779" r:id="rId12"/>
-    <p:sldLayoutId id="2147483780" r:id="rId13"/>
-    <p:sldLayoutId id="2147483781" r:id="rId14"/>
-    <p:sldLayoutId id="2147483782" r:id="rId15"/>
-    <p:sldLayoutId id="2147483783" r:id="rId16"/>
+    <p:sldLayoutId id="2147483649" r:id="rId1"/>
+    <p:sldLayoutId id="2147483650" r:id="rId2"/>
+    <p:sldLayoutId id="2147483651" r:id="rId3"/>
+    <p:sldLayoutId id="2147483652" r:id="rId4"/>
+    <p:sldLayoutId id="2147483653" r:id="rId5"/>
+    <p:sldLayoutId id="2147483654" r:id="rId6"/>
+    <p:sldLayoutId id="2147483655" r:id="rId7"/>
+    <p:sldLayoutId id="2147483656" r:id="rId8"/>
+    <p:sldLayoutId id="2147483657" r:id="rId9"/>
+    <p:sldLayoutId id="2147483658" r:id="rId10"/>
+    <p:sldLayoutId id="2147483659" r:id="rId11"/>
+    <p:sldLayoutId id="2147483660" r:id="rId12"/>
+    <p:sldLayoutId id="2147483661" r:id="rId13"/>
+    <p:sldLayoutId id="2147483662" r:id="rId14"/>
+    <p:sldLayoutId id="2147483663" r:id="rId15"/>
+    <p:sldLayoutId id="2147483664" r:id="rId16"/>
   </p:sldLayoutIdLst>
   <p:txStyles>
     <p:titleStyle>
@@ -8049,7 +7932,7 @@
         <a:buClr>
           <a:schemeClr val="accent1"/>
         </a:buClr>
-        <a:buFont typeface="Wingdings 3" charset="2"/>
+        <a:buFont typeface="Wingdings 3" panose="05040102010807070707" charset="2"/>
         <a:buChar char=""/>
         <a:defRPr sz="1800" kern="1200">
           <a:solidFill>
@@ -8073,7 +7956,7 @@
         <a:buClr>
           <a:schemeClr val="accent1"/>
         </a:buClr>
-        <a:buFont typeface="Wingdings 3" charset="2"/>
+        <a:buFont typeface="Wingdings 3" panose="05040102010807070707" charset="2"/>
         <a:buChar char=""/>
         <a:defRPr sz="1600" kern="1200">
           <a:solidFill>
@@ -8097,7 +7980,7 @@
         <a:buClr>
           <a:schemeClr val="accent1"/>
         </a:buClr>
-        <a:buFont typeface="Wingdings 3" charset="2"/>
+        <a:buFont typeface="Wingdings 3" panose="05040102010807070707" charset="2"/>
         <a:buChar char=""/>
         <a:defRPr sz="1400" kern="1200">
           <a:solidFill>
@@ -8121,7 +8004,7 @@
         <a:buClr>
           <a:schemeClr val="accent1"/>
         </a:buClr>
-        <a:buFont typeface="Wingdings 3" charset="2"/>
+        <a:buFont typeface="Wingdings 3" panose="05040102010807070707" charset="2"/>
         <a:buChar char=""/>
         <a:defRPr sz="1200" kern="1200">
           <a:solidFill>
@@ -8145,7 +8028,7 @@
         <a:buClr>
           <a:schemeClr val="accent1"/>
         </a:buClr>
-        <a:buFont typeface="Wingdings 3" charset="2"/>
+        <a:buFont typeface="Wingdings 3" panose="05040102010807070707" charset="2"/>
         <a:buChar char=""/>
         <a:defRPr sz="1200" kern="1200">
           <a:solidFill>
@@ -8169,7 +8052,7 @@
         <a:buClr>
           <a:schemeClr val="accent1"/>
         </a:buClr>
-        <a:buFont typeface="Wingdings 3" charset="2"/>
+        <a:buFont typeface="Wingdings 3" panose="05040102010807070707" charset="2"/>
         <a:buChar char=""/>
         <a:defRPr sz="1200" kern="1200">
           <a:solidFill>
@@ -8193,7 +8076,7 @@
         <a:buClr>
           <a:schemeClr val="accent1"/>
         </a:buClr>
-        <a:buFont typeface="Wingdings 3" charset="2"/>
+        <a:buFont typeface="Wingdings 3" panose="05040102010807070707" charset="2"/>
         <a:buChar char=""/>
         <a:defRPr sz="1200" kern="1200">
           <a:solidFill>
@@ -8217,7 +8100,7 @@
         <a:buClr>
           <a:schemeClr val="accent1"/>
         </a:buClr>
-        <a:buFont typeface="Wingdings 3" charset="2"/>
+        <a:buFont typeface="Wingdings 3" panose="05040102010807070707" charset="2"/>
         <a:buChar char=""/>
         <a:defRPr sz="1200" kern="1200">
           <a:solidFill>
@@ -8241,7 +8124,7 @@
         <a:buClr>
           <a:schemeClr val="accent1"/>
         </a:buClr>
-        <a:buFont typeface="Wingdings 3" charset="2"/>
+        <a:buFont typeface="Wingdings 3" panose="05040102010807070707" charset="2"/>
         <a:buChar char=""/>
         <a:defRPr sz="1200" kern="1200">
           <a:solidFill>
@@ -8390,26 +8273,11 @@
       </p:grpSpPr>
       <p:sp useBgFill="1">
         <p:nvSpPr>
-          <p:cNvPr id="18" name="Rectangle 17">
-            <a:extLst>
-              <a:ext uri="{FF2B5EF4-FFF2-40B4-BE49-F238E27FC236}">
-                <a16:creationId xmlns:a16="http://schemas.microsoft.com/office/drawing/2014/main" xmlns="" id="{93F2CC0B-D5F1-40B8-9CC6-4A36850B66FD}"/>
-              </a:ext>
-              <a:ext uri="{C183D7F6-B498-43B3-948B-1728B52AA6E4}">
-                <adec:decorative xmlns:adec="http://schemas.microsoft.com/office/drawing/2017/decorative" xmlns="" val="1"/>
-              </a:ext>
-            </a:extLst>
-          </p:cNvPr>
+          <p:cNvPr id="18" name="Rectangle 17"/>
           <p:cNvSpPr>
             <a:spLocks noGrp="1" noRot="1" noChangeAspect="1" noMove="1" noResize="1" noEditPoints="1" noAdjustHandles="1" noChangeArrowheads="1" noChangeShapeType="1" noTextEdit="1"/>
           </p:cNvSpPr>
-          <p:nvPr>
-            <p:extLst>
-              <p:ext uri="{386F3935-93C4-4BCD-93E2-E3B085C9AB24}">
-                <p16:designElem xmlns:p16="http://schemas.microsoft.com/office/powerpoint/2015/main" xmlns="" val="1"/>
-              </p:ext>
-            </p:extLst>
-          </p:nvPr>
+          <p:nvPr/>
         </p:nvSpPr>
         <p:spPr>
           <a:xfrm>
@@ -8450,20 +8318,15 @@
       </p:sp>
       <p:pic>
         <p:nvPicPr>
-          <p:cNvPr id="5" name="Picture 4" descr="light spots">
-            <a:extLst>
-              <a:ext uri="{FF2B5EF4-FFF2-40B4-BE49-F238E27FC236}">
-                <a16:creationId xmlns:a16="http://schemas.microsoft.com/office/drawing/2014/main" xmlns="" id="{1A23FE0C-9A67-334E-9B7F-83AA9CF636A8}"/>
-              </a:ext>
-            </a:extLst>
-          </p:cNvPr>
+          <p:cNvPr id="5" name="Picture 4" descr="light spots"/>
           <p:cNvPicPr>
             <a:picLocks noChangeAspect="1"/>
           </p:cNvPicPr>
           <p:nvPr/>
         </p:nvPicPr>
         <p:blipFill rotWithShape="1">
-          <a:blip r:embed="rId3" cstate="print">
+          <a:blip r:embed="rId1" cstate="print">
+            <a:alphaModFix amt="40000"/>
             <a:duotone>
               <a:schemeClr val="bg2">
                 <a:shade val="45000"/>
@@ -8471,15 +8334,11 @@
               </a:schemeClr>
               <a:prstClr val="white"/>
             </a:duotone>
-            <a:alphaModFix amt="40000"/>
-            <a:extLst>
-              <a:ext uri="{28A0092B-C50C-407E-A947-70E740481C1C}">
-                <a14:useLocalDpi xmlns:a14="http://schemas.microsoft.com/office/drawing/2010/main"/>
-              </a:ext>
-            </a:extLst>
           </a:blip>
           <a:srcRect/>
-          <a:stretch/>
+          <a:stretch>
+            <a:fillRect/>
+          </a:stretch>
         </p:blipFill>
         <p:spPr>
           <a:xfrm>
@@ -8493,13 +8352,7 @@
       </p:pic>
       <p:sp>
         <p:nvSpPr>
-          <p:cNvPr id="2" name="Title 1">
-            <a:extLst>
-              <a:ext uri="{FF2B5EF4-FFF2-40B4-BE49-F238E27FC236}">
-                <a16:creationId xmlns:a16="http://schemas.microsoft.com/office/drawing/2014/main" xmlns="" id="{F266081D-517B-5D43-A7B4-E67DDEDC0B31}"/>
-              </a:ext>
-            </a:extLst>
-          </p:cNvPr>
+          <p:cNvPr id="2" name="Title 1"/>
           <p:cNvSpPr>
             <a:spLocks noGrp="1"/>
           </p:cNvSpPr>
@@ -8525,10 +8378,6 @@
                 <a:cs typeface="Times New Roman" panose="02020603050405020304" pitchFamily="18" charset="0"/>
               </a:rPr>
               <a:t>PATHMA SHREE S R</a:t>
-            </a:r>
-            <a:r>
-              <a:rPr lang="en-US" dirty="0" smtClean="0"/>
-              <a:t/>
             </a:r>
             <a:br>
               <a:rPr lang="en-US" dirty="0" smtClean="0"/>
@@ -8547,13 +8396,7 @@
       </p:sp>
       <p:sp>
         <p:nvSpPr>
-          <p:cNvPr id="13" name="Subtitle 12">
-            <a:extLst>
-              <a:ext uri="{FF2B5EF4-FFF2-40B4-BE49-F238E27FC236}">
-                <a16:creationId xmlns:a16="http://schemas.microsoft.com/office/drawing/2014/main" xmlns="" id="{F05262DB-6398-4AF9-96A3-041CFB112303}"/>
-              </a:ext>
-            </a:extLst>
-          </p:cNvPr>
+          <p:cNvPr id="13" name="Subtitle 12"/>
           <p:cNvSpPr>
             <a:spLocks noGrp="1"/>
           </p:cNvSpPr>
@@ -8589,26 +8432,11 @@
       </p:sp>
       <p:grpSp>
         <p:nvGrpSpPr>
-          <p:cNvPr id="20" name="Group 19">
-            <a:extLst>
-              <a:ext uri="{FF2B5EF4-FFF2-40B4-BE49-F238E27FC236}">
-                <a16:creationId xmlns:a16="http://schemas.microsoft.com/office/drawing/2014/main" xmlns="" id="{631C6CE6-1810-44ED-A6D7-3FF53040AE20}"/>
-              </a:ext>
-              <a:ext uri="{C183D7F6-B498-43B3-948B-1728B52AA6E4}">
-                <adec:decorative xmlns:adec="http://schemas.microsoft.com/office/drawing/2017/decorative" xmlns="" val="1"/>
-              </a:ext>
-            </a:extLst>
-          </p:cNvPr>
+          <p:cNvPr id="20" name="Group 19"/>
           <p:cNvGrpSpPr>
-            <a:grpSpLocks noGrp="1" noUngrp="1" noRot="1" noChangeAspect="1" noMove="1" noResize="1"/>
+            <a:grpSpLocks noGrp="1" noRot="1" noChangeAspect="1" noMove="1" noResize="1" noUngrp="1"/>
           </p:cNvGrpSpPr>
-          <p:nvPr>
-            <p:extLst>
-              <p:ext uri="{386F3935-93C4-4BCD-93E2-E3B085C9AB24}">
-                <p16:designElem xmlns:p16="http://schemas.microsoft.com/office/powerpoint/2015/main" xmlns="" val="1"/>
-              </p:ext>
-            </p:extLst>
-          </p:nvPr>
+          <p:nvPr/>
         </p:nvGrpSpPr>
         <p:grpSpPr>
           <a:xfrm>
@@ -8626,24 +8454,9 @@
         </p:grpSpPr>
         <p:sp>
           <p:nvSpPr>
-            <p:cNvPr id="21" name="Freeform 11">
-              <a:extLst>
-                <a:ext uri="{FF2B5EF4-FFF2-40B4-BE49-F238E27FC236}">
-                  <a16:creationId xmlns:a16="http://schemas.microsoft.com/office/drawing/2014/main" xmlns="" id="{1F6D8BFE-D0D0-4BAE-9D5A-701DE7D3CEEF}"/>
-                </a:ext>
-                <a:ext uri="{C183D7F6-B498-43B3-948B-1728B52AA6E4}">
-                  <adec:decorative xmlns:adec="http://schemas.microsoft.com/office/drawing/2017/decorative" xmlns="" val="1"/>
-                </a:ext>
-              </a:extLst>
-            </p:cNvPr>
+            <p:cNvPr id="21" name="Freeform 11"/>
             <p:cNvSpPr/>
-            <p:nvPr>
-              <p:extLst>
-                <p:ext uri="{386F3935-93C4-4BCD-93E2-E3B085C9AB24}">
-                  <p16:designElem xmlns:p16="http://schemas.microsoft.com/office/powerpoint/2015/main" xmlns="" val="1"/>
-                </p:ext>
-              </p:extLst>
-            </p:nvPr>
+            <p:nvPr/>
           </p:nvSpPr>
           <p:spPr bwMode="auto">
             <a:xfrm>
@@ -8698,24 +8511,9 @@
         </p:sp>
         <p:sp>
           <p:nvSpPr>
-            <p:cNvPr id="22" name="Freeform 12">
-              <a:extLst>
-                <a:ext uri="{FF2B5EF4-FFF2-40B4-BE49-F238E27FC236}">
-                  <a16:creationId xmlns:a16="http://schemas.microsoft.com/office/drawing/2014/main" xmlns="" id="{53F86D30-CEDB-4D96-AF73-AA3CD5A437B8}"/>
-                </a:ext>
-                <a:ext uri="{C183D7F6-B498-43B3-948B-1728B52AA6E4}">
-                  <adec:decorative xmlns:adec="http://schemas.microsoft.com/office/drawing/2017/decorative" xmlns="" val="1"/>
-                </a:ext>
-              </a:extLst>
-            </p:cNvPr>
+            <p:cNvPr id="22" name="Freeform 12"/>
             <p:cNvSpPr/>
-            <p:nvPr>
-              <p:extLst>
-                <p:ext uri="{386F3935-93C4-4BCD-93E2-E3B085C9AB24}">
-                  <p16:designElem xmlns:p16="http://schemas.microsoft.com/office/powerpoint/2015/main" xmlns="" val="1"/>
-                </p:ext>
-              </p:extLst>
-            </p:nvPr>
+            <p:nvPr/>
           </p:nvSpPr>
           <p:spPr bwMode="auto">
             <a:xfrm>
@@ -8775,24 +8573,9 @@
         </p:sp>
         <p:sp>
           <p:nvSpPr>
-            <p:cNvPr id="23" name="Freeform 13">
-              <a:extLst>
-                <a:ext uri="{FF2B5EF4-FFF2-40B4-BE49-F238E27FC236}">
-                  <a16:creationId xmlns:a16="http://schemas.microsoft.com/office/drawing/2014/main" xmlns="" id="{F5187540-C4C8-410C-A395-69FCB1C86C26}"/>
-                </a:ext>
-                <a:ext uri="{C183D7F6-B498-43B3-948B-1728B52AA6E4}">
-                  <adec:decorative xmlns:adec="http://schemas.microsoft.com/office/drawing/2017/decorative" xmlns="" val="1"/>
-                </a:ext>
-              </a:extLst>
-            </p:cNvPr>
+            <p:cNvPr id="23" name="Freeform 13"/>
             <p:cNvSpPr/>
-            <p:nvPr>
-              <p:extLst>
-                <p:ext uri="{386F3935-93C4-4BCD-93E2-E3B085C9AB24}">
-                  <p16:designElem xmlns:p16="http://schemas.microsoft.com/office/powerpoint/2015/main" xmlns="" val="1"/>
-                </p:ext>
-              </p:extLst>
-            </p:nvPr>
+            <p:nvPr/>
           </p:nvSpPr>
           <p:spPr bwMode="auto">
             <a:xfrm>
@@ -8857,24 +8640,9 @@
         </p:sp>
         <p:sp>
           <p:nvSpPr>
-            <p:cNvPr id="24" name="Freeform 14">
-              <a:extLst>
-                <a:ext uri="{FF2B5EF4-FFF2-40B4-BE49-F238E27FC236}">
-                  <a16:creationId xmlns:a16="http://schemas.microsoft.com/office/drawing/2014/main" xmlns="" id="{75BD6E4A-797C-451B-B08F-D99C1A9D13F8}"/>
-                </a:ext>
-                <a:ext uri="{C183D7F6-B498-43B3-948B-1728B52AA6E4}">
-                  <adec:decorative xmlns:adec="http://schemas.microsoft.com/office/drawing/2017/decorative" xmlns="" val="1"/>
-                </a:ext>
-              </a:extLst>
-            </p:cNvPr>
+            <p:cNvPr id="24" name="Freeform 14"/>
             <p:cNvSpPr/>
-            <p:nvPr>
-              <p:extLst>
-                <p:ext uri="{386F3935-93C4-4BCD-93E2-E3B085C9AB24}">
-                  <p16:designElem xmlns:p16="http://schemas.microsoft.com/office/powerpoint/2015/main" xmlns="" val="1"/>
-                </p:ext>
-              </p:extLst>
-            </p:nvPr>
+            <p:nvPr/>
           </p:nvSpPr>
           <p:spPr bwMode="auto">
             <a:xfrm>
@@ -8919,24 +8687,9 @@
         </p:sp>
         <p:sp>
           <p:nvSpPr>
-            <p:cNvPr id="25" name="Freeform 15">
-              <a:extLst>
-                <a:ext uri="{FF2B5EF4-FFF2-40B4-BE49-F238E27FC236}">
-                  <a16:creationId xmlns:a16="http://schemas.microsoft.com/office/drawing/2014/main" xmlns="" id="{0D241082-BAFA-462E-827B-5814B020F5C2}"/>
-                </a:ext>
-                <a:ext uri="{C183D7F6-B498-43B3-948B-1728B52AA6E4}">
-                  <adec:decorative xmlns:adec="http://schemas.microsoft.com/office/drawing/2017/decorative" xmlns="" val="1"/>
-                </a:ext>
-              </a:extLst>
-            </p:cNvPr>
+            <p:cNvPr id="25" name="Freeform 15"/>
             <p:cNvSpPr/>
-            <p:nvPr>
-              <p:extLst>
-                <p:ext uri="{386F3935-93C4-4BCD-93E2-E3B085C9AB24}">
-                  <p16:designElem xmlns:p16="http://schemas.microsoft.com/office/powerpoint/2015/main" xmlns="" val="1"/>
-                </p:ext>
-              </p:extLst>
-            </p:nvPr>
+            <p:nvPr/>
           </p:nvSpPr>
           <p:spPr bwMode="auto">
             <a:xfrm>
@@ -9016,24 +8769,9 @@
         </p:sp>
         <p:sp>
           <p:nvSpPr>
-            <p:cNvPr id="26" name="Freeform 16">
-              <a:extLst>
-                <a:ext uri="{FF2B5EF4-FFF2-40B4-BE49-F238E27FC236}">
-                  <a16:creationId xmlns:a16="http://schemas.microsoft.com/office/drawing/2014/main" xmlns="" id="{2920CCBD-116D-450B-9608-99F05F7D78AE}"/>
-                </a:ext>
-                <a:ext uri="{C183D7F6-B498-43B3-948B-1728B52AA6E4}">
-                  <adec:decorative xmlns:adec="http://schemas.microsoft.com/office/drawing/2017/decorative" xmlns="" val="1"/>
-                </a:ext>
-              </a:extLst>
-            </p:cNvPr>
+            <p:cNvPr id="26" name="Freeform 16"/>
             <p:cNvSpPr/>
-            <p:nvPr>
-              <p:extLst>
-                <p:ext uri="{386F3935-93C4-4BCD-93E2-E3B085C9AB24}">
-                  <p16:designElem xmlns:p16="http://schemas.microsoft.com/office/powerpoint/2015/main" xmlns="" val="1"/>
-                </p:ext>
-              </p:extLst>
-            </p:nvPr>
+            <p:nvPr/>
           </p:nvSpPr>
           <p:spPr bwMode="auto">
             <a:xfrm>
@@ -9108,24 +8846,9 @@
         </p:sp>
         <p:sp>
           <p:nvSpPr>
-            <p:cNvPr id="27" name="Freeform 17">
-              <a:extLst>
-                <a:ext uri="{FF2B5EF4-FFF2-40B4-BE49-F238E27FC236}">
-                  <a16:creationId xmlns:a16="http://schemas.microsoft.com/office/drawing/2014/main" xmlns="" id="{A57CD3DE-CEAF-4BD4-A5EF-24B3E622BB59}"/>
-                </a:ext>
-                <a:ext uri="{C183D7F6-B498-43B3-948B-1728B52AA6E4}">
-                  <adec:decorative xmlns:adec="http://schemas.microsoft.com/office/drawing/2017/decorative" xmlns="" val="1"/>
-                </a:ext>
-              </a:extLst>
-            </p:cNvPr>
+            <p:cNvPr id="27" name="Freeform 17"/>
             <p:cNvSpPr/>
-            <p:nvPr>
-              <p:extLst>
-                <p:ext uri="{386F3935-93C4-4BCD-93E2-E3B085C9AB24}">
-                  <p16:designElem xmlns:p16="http://schemas.microsoft.com/office/powerpoint/2015/main" xmlns="" val="1"/>
-                </p:ext>
-              </p:extLst>
-            </p:nvPr>
+            <p:nvPr/>
           </p:nvSpPr>
           <p:spPr bwMode="auto">
             <a:xfrm>
@@ -9180,24 +8903,9 @@
         </p:sp>
         <p:sp>
           <p:nvSpPr>
-            <p:cNvPr id="28" name="Freeform 18">
-              <a:extLst>
-                <a:ext uri="{FF2B5EF4-FFF2-40B4-BE49-F238E27FC236}">
-                  <a16:creationId xmlns:a16="http://schemas.microsoft.com/office/drawing/2014/main" xmlns="" id="{4EC3258C-366B-4629-A7D3-5173D3637D84}"/>
-                </a:ext>
-                <a:ext uri="{C183D7F6-B498-43B3-948B-1728B52AA6E4}">
-                  <adec:decorative xmlns:adec="http://schemas.microsoft.com/office/drawing/2017/decorative" xmlns="" val="1"/>
-                </a:ext>
-              </a:extLst>
-            </p:cNvPr>
+            <p:cNvPr id="28" name="Freeform 18"/>
             <p:cNvSpPr/>
-            <p:nvPr>
-              <p:extLst>
-                <p:ext uri="{386F3935-93C4-4BCD-93E2-E3B085C9AB24}">
-                  <p16:designElem xmlns:p16="http://schemas.microsoft.com/office/powerpoint/2015/main" xmlns="" val="1"/>
-                </p:ext>
-              </p:extLst>
-            </p:nvPr>
+            <p:nvPr/>
           </p:nvSpPr>
           <p:spPr bwMode="auto">
             <a:xfrm>
@@ -9272,24 +8980,9 @@
         </p:sp>
         <p:sp>
           <p:nvSpPr>
-            <p:cNvPr id="29" name="Freeform 19">
-              <a:extLst>
-                <a:ext uri="{FF2B5EF4-FFF2-40B4-BE49-F238E27FC236}">
-                  <a16:creationId xmlns:a16="http://schemas.microsoft.com/office/drawing/2014/main" xmlns="" id="{D444D63A-CE2B-4ACD-BA0E-4ADECAD86F0A}"/>
-                </a:ext>
-                <a:ext uri="{C183D7F6-B498-43B3-948B-1728B52AA6E4}">
-                  <adec:decorative xmlns:adec="http://schemas.microsoft.com/office/drawing/2017/decorative" xmlns="" val="1"/>
-                </a:ext>
-              </a:extLst>
-            </p:cNvPr>
+            <p:cNvPr id="29" name="Freeform 19"/>
             <p:cNvSpPr/>
-            <p:nvPr>
-              <p:extLst>
-                <p:ext uri="{386F3935-93C4-4BCD-93E2-E3B085C9AB24}">
-                  <p16:designElem xmlns:p16="http://schemas.microsoft.com/office/powerpoint/2015/main" xmlns="" val="1"/>
-                </p:ext>
-              </p:extLst>
-            </p:nvPr>
+            <p:nvPr/>
           </p:nvSpPr>
           <p:spPr bwMode="auto">
             <a:xfrm>
@@ -9399,24 +9092,9 @@
         </p:sp>
         <p:sp>
           <p:nvSpPr>
-            <p:cNvPr id="30" name="Freeform 20">
-              <a:extLst>
-                <a:ext uri="{FF2B5EF4-FFF2-40B4-BE49-F238E27FC236}">
-                  <a16:creationId xmlns:a16="http://schemas.microsoft.com/office/drawing/2014/main" xmlns="" id="{7A504DF6-187A-4A54-96E8-3F3F28AAAA3B}"/>
-                </a:ext>
-                <a:ext uri="{C183D7F6-B498-43B3-948B-1728B52AA6E4}">
-                  <adec:decorative xmlns:adec="http://schemas.microsoft.com/office/drawing/2017/decorative" xmlns="" val="1"/>
-                </a:ext>
-              </a:extLst>
-            </p:cNvPr>
+            <p:cNvPr id="30" name="Freeform 20"/>
             <p:cNvSpPr/>
-            <p:nvPr>
-              <p:extLst>
-                <p:ext uri="{386F3935-93C4-4BCD-93E2-E3B085C9AB24}">
-                  <p16:designElem xmlns:p16="http://schemas.microsoft.com/office/powerpoint/2015/main" xmlns="" val="1"/>
-                </p:ext>
-              </p:extLst>
-            </p:nvPr>
+            <p:nvPr/>
           </p:nvSpPr>
           <p:spPr bwMode="auto">
             <a:xfrm>
@@ -9461,24 +9139,9 @@
         </p:sp>
         <p:sp>
           <p:nvSpPr>
-            <p:cNvPr id="31" name="Freeform 21">
-              <a:extLst>
-                <a:ext uri="{FF2B5EF4-FFF2-40B4-BE49-F238E27FC236}">
-                  <a16:creationId xmlns:a16="http://schemas.microsoft.com/office/drawing/2014/main" xmlns="" id="{FE04C6F5-6DC5-4C7E-9278-9BE624FC7829}"/>
-                </a:ext>
-                <a:ext uri="{C183D7F6-B498-43B3-948B-1728B52AA6E4}">
-                  <adec:decorative xmlns:adec="http://schemas.microsoft.com/office/drawing/2017/decorative" xmlns="" val="1"/>
-                </a:ext>
-              </a:extLst>
-            </p:cNvPr>
+            <p:cNvPr id="31" name="Freeform 21"/>
             <p:cNvSpPr/>
-            <p:nvPr>
-              <p:extLst>
-                <p:ext uri="{386F3935-93C4-4BCD-93E2-E3B085C9AB24}">
-                  <p16:designElem xmlns:p16="http://schemas.microsoft.com/office/powerpoint/2015/main" xmlns="" val="1"/>
-                </p:ext>
-              </p:extLst>
-            </p:nvPr>
+            <p:nvPr/>
           </p:nvSpPr>
           <p:spPr bwMode="auto">
             <a:xfrm>
@@ -9533,24 +9196,9 @@
         </p:sp>
         <p:sp>
           <p:nvSpPr>
-            <p:cNvPr id="32" name="Freeform 22">
-              <a:extLst>
-                <a:ext uri="{FF2B5EF4-FFF2-40B4-BE49-F238E27FC236}">
-                  <a16:creationId xmlns:a16="http://schemas.microsoft.com/office/drawing/2014/main" xmlns="" id="{94A02D9B-E6A9-4D6A-9D2A-D81C76802457}"/>
-                </a:ext>
-                <a:ext uri="{C183D7F6-B498-43B3-948B-1728B52AA6E4}">
-                  <adec:decorative xmlns:adec="http://schemas.microsoft.com/office/drawing/2017/decorative" xmlns="" val="1"/>
-                </a:ext>
-              </a:extLst>
-            </p:cNvPr>
+            <p:cNvPr id="32" name="Freeform 22"/>
             <p:cNvSpPr/>
-            <p:nvPr>
-              <p:extLst>
-                <p:ext uri="{386F3935-93C4-4BCD-93E2-E3B085C9AB24}">
-                  <p16:designElem xmlns:p16="http://schemas.microsoft.com/office/powerpoint/2015/main" xmlns="" val="1"/>
-                </p:ext>
-              </p:extLst>
-            </p:nvPr>
+            <p:nvPr/>
           </p:nvSpPr>
           <p:spPr bwMode="auto">
             <a:xfrm>
@@ -9616,26 +9264,11 @@
       </p:grpSp>
       <p:grpSp>
         <p:nvGrpSpPr>
-          <p:cNvPr id="34" name="Group 33">
-            <a:extLst>
-              <a:ext uri="{FF2B5EF4-FFF2-40B4-BE49-F238E27FC236}">
-                <a16:creationId xmlns:a16="http://schemas.microsoft.com/office/drawing/2014/main" xmlns="" id="{B78034A6-3565-46AA-9E73-1C954666ABB4}"/>
-              </a:ext>
-              <a:ext uri="{C183D7F6-B498-43B3-948B-1728B52AA6E4}">
-                <adec:decorative xmlns:adec="http://schemas.microsoft.com/office/drawing/2017/decorative" xmlns="" val="1"/>
-              </a:ext>
-            </a:extLst>
-          </p:cNvPr>
+          <p:cNvPr id="34" name="Group 33"/>
           <p:cNvGrpSpPr>
-            <a:grpSpLocks noGrp="1" noUngrp="1" noRot="1" noChangeAspect="1" noMove="1" noResize="1"/>
+            <a:grpSpLocks noGrp="1" noRot="1" noChangeAspect="1" noMove="1" noResize="1" noUngrp="1"/>
           </p:cNvGrpSpPr>
-          <p:nvPr>
-            <p:extLst>
-              <p:ext uri="{386F3935-93C4-4BCD-93E2-E3B085C9AB24}">
-                <p16:designElem xmlns:p16="http://schemas.microsoft.com/office/powerpoint/2015/main" xmlns="" val="1"/>
-              </p:ext>
-            </p:extLst>
-          </p:nvPr>
+          <p:nvPr/>
         </p:nvGrpSpPr>
         <p:grpSpPr>
           <a:xfrm>
@@ -9650,24 +9283,9 @@
         </p:grpSpPr>
         <p:sp>
           <p:nvSpPr>
-            <p:cNvPr id="35" name="Freeform 27">
-              <a:extLst>
-                <a:ext uri="{FF2B5EF4-FFF2-40B4-BE49-F238E27FC236}">
-                  <a16:creationId xmlns:a16="http://schemas.microsoft.com/office/drawing/2014/main" xmlns="" id="{04947AA2-A772-42CB-9CEC-065095D3DC79}"/>
-                </a:ext>
-                <a:ext uri="{C183D7F6-B498-43B3-948B-1728B52AA6E4}">
-                  <adec:decorative xmlns:adec="http://schemas.microsoft.com/office/drawing/2017/decorative" xmlns="" val="1"/>
-                </a:ext>
-              </a:extLst>
-            </p:cNvPr>
+            <p:cNvPr id="35" name="Freeform 27"/>
             <p:cNvSpPr/>
-            <p:nvPr>
-              <p:extLst>
-                <p:ext uri="{386F3935-93C4-4BCD-93E2-E3B085C9AB24}">
-                  <p16:designElem xmlns:p16="http://schemas.microsoft.com/office/powerpoint/2015/main" xmlns="" val="1"/>
-                </p:ext>
-              </p:extLst>
-            </p:nvPr>
+            <p:nvPr/>
           </p:nvSpPr>
           <p:spPr bwMode="auto">
             <a:xfrm>
@@ -9767,24 +9385,9 @@
         </p:sp>
         <p:sp>
           <p:nvSpPr>
-            <p:cNvPr id="36" name="Freeform 28">
-              <a:extLst>
-                <a:ext uri="{FF2B5EF4-FFF2-40B4-BE49-F238E27FC236}">
-                  <a16:creationId xmlns:a16="http://schemas.microsoft.com/office/drawing/2014/main" xmlns="" id="{83C52D84-DEC1-4E16-972E-8EEA5D52245F}"/>
-                </a:ext>
-                <a:ext uri="{C183D7F6-B498-43B3-948B-1728B52AA6E4}">
-                  <adec:decorative xmlns:adec="http://schemas.microsoft.com/office/drawing/2017/decorative" xmlns="" val="1"/>
-                </a:ext>
-              </a:extLst>
-            </p:cNvPr>
+            <p:cNvPr id="36" name="Freeform 28"/>
             <p:cNvSpPr/>
-            <p:nvPr>
-              <p:extLst>
-                <p:ext uri="{386F3935-93C4-4BCD-93E2-E3B085C9AB24}">
-                  <p16:designElem xmlns:p16="http://schemas.microsoft.com/office/powerpoint/2015/main" xmlns="" val="1"/>
-                </p:ext>
-              </p:extLst>
-            </p:nvPr>
+            <p:nvPr/>
           </p:nvSpPr>
           <p:spPr bwMode="auto">
             <a:xfrm>
@@ -9849,24 +9452,9 @@
         </p:sp>
         <p:sp>
           <p:nvSpPr>
-            <p:cNvPr id="37" name="Freeform 29">
-              <a:extLst>
-                <a:ext uri="{FF2B5EF4-FFF2-40B4-BE49-F238E27FC236}">
-                  <a16:creationId xmlns:a16="http://schemas.microsoft.com/office/drawing/2014/main" xmlns="" id="{2036A28D-EF09-41F7-906F-CF4053615AE0}"/>
-                </a:ext>
-                <a:ext uri="{C183D7F6-B498-43B3-948B-1728B52AA6E4}">
-                  <adec:decorative xmlns:adec="http://schemas.microsoft.com/office/drawing/2017/decorative" xmlns="" val="1"/>
-                </a:ext>
-              </a:extLst>
-            </p:cNvPr>
+            <p:cNvPr id="37" name="Freeform 29"/>
             <p:cNvSpPr/>
-            <p:nvPr>
-              <p:extLst>
-                <p:ext uri="{386F3935-93C4-4BCD-93E2-E3B085C9AB24}">
-                  <p16:designElem xmlns:p16="http://schemas.microsoft.com/office/powerpoint/2015/main" xmlns="" val="1"/>
-                </p:ext>
-              </p:extLst>
-            </p:nvPr>
+            <p:nvPr/>
           </p:nvSpPr>
           <p:spPr bwMode="auto">
             <a:xfrm>
@@ -9931,24 +9519,9 @@
         </p:sp>
         <p:sp>
           <p:nvSpPr>
-            <p:cNvPr id="38" name="Freeform 30">
-              <a:extLst>
-                <a:ext uri="{FF2B5EF4-FFF2-40B4-BE49-F238E27FC236}">
-                  <a16:creationId xmlns:a16="http://schemas.microsoft.com/office/drawing/2014/main" xmlns="" id="{EE8D92C7-C907-4120-95E3-80E3DC85BBA4}"/>
-                </a:ext>
-                <a:ext uri="{C183D7F6-B498-43B3-948B-1728B52AA6E4}">
-                  <adec:decorative xmlns:adec="http://schemas.microsoft.com/office/drawing/2017/decorative" xmlns="" val="1"/>
-                </a:ext>
-              </a:extLst>
-            </p:cNvPr>
+            <p:cNvPr id="38" name="Freeform 30"/>
             <p:cNvSpPr/>
-            <p:nvPr>
-              <p:extLst>
-                <p:ext uri="{386F3935-93C4-4BCD-93E2-E3B085C9AB24}">
-                  <p16:designElem xmlns:p16="http://schemas.microsoft.com/office/powerpoint/2015/main" xmlns="" val="1"/>
-                </p:ext>
-              </p:extLst>
-            </p:nvPr>
+            <p:nvPr/>
           </p:nvSpPr>
           <p:spPr bwMode="auto">
             <a:xfrm>
@@ -10028,24 +9601,9 @@
         </p:sp>
         <p:sp>
           <p:nvSpPr>
-            <p:cNvPr id="39" name="Freeform 31">
-              <a:extLst>
-                <a:ext uri="{FF2B5EF4-FFF2-40B4-BE49-F238E27FC236}">
-                  <a16:creationId xmlns:a16="http://schemas.microsoft.com/office/drawing/2014/main" xmlns="" id="{BBCEAAB8-CD22-41D7-B330-702682A27CEE}"/>
-                </a:ext>
-                <a:ext uri="{C183D7F6-B498-43B3-948B-1728B52AA6E4}">
-                  <adec:decorative xmlns:adec="http://schemas.microsoft.com/office/drawing/2017/decorative" xmlns="" val="1"/>
-                </a:ext>
-              </a:extLst>
-            </p:cNvPr>
+            <p:cNvPr id="39" name="Freeform 31"/>
             <p:cNvSpPr/>
-            <p:nvPr>
-              <p:extLst>
-                <p:ext uri="{386F3935-93C4-4BCD-93E2-E3B085C9AB24}">
-                  <p16:designElem xmlns:p16="http://schemas.microsoft.com/office/powerpoint/2015/main" xmlns="" val="1"/>
-                </p:ext>
-              </p:extLst>
-            </p:nvPr>
+            <p:nvPr/>
           </p:nvSpPr>
           <p:spPr bwMode="auto">
             <a:xfrm>
@@ -10135,24 +9693,9 @@
         </p:sp>
         <p:sp>
           <p:nvSpPr>
-            <p:cNvPr id="40" name="Freeform 32">
-              <a:extLst>
-                <a:ext uri="{FF2B5EF4-FFF2-40B4-BE49-F238E27FC236}">
-                  <a16:creationId xmlns:a16="http://schemas.microsoft.com/office/drawing/2014/main" xmlns="" id="{6BBC1FEE-3D72-492B-8D8A-BE1A55076F9D}"/>
-                </a:ext>
-                <a:ext uri="{C183D7F6-B498-43B3-948B-1728B52AA6E4}">
-                  <adec:decorative xmlns:adec="http://schemas.microsoft.com/office/drawing/2017/decorative" xmlns="" val="1"/>
-                </a:ext>
-              </a:extLst>
-            </p:cNvPr>
+            <p:cNvPr id="40" name="Freeform 32"/>
             <p:cNvSpPr/>
-            <p:nvPr>
-              <p:extLst>
-                <p:ext uri="{386F3935-93C4-4BCD-93E2-E3B085C9AB24}">
-                  <p16:designElem xmlns:p16="http://schemas.microsoft.com/office/powerpoint/2015/main" xmlns="" val="1"/>
-                </p:ext>
-              </p:extLst>
-            </p:nvPr>
+            <p:nvPr/>
           </p:nvSpPr>
           <p:spPr bwMode="auto">
             <a:xfrm>
@@ -10197,24 +9740,9 @@
         </p:sp>
         <p:sp>
           <p:nvSpPr>
-            <p:cNvPr id="41" name="Freeform 33">
-              <a:extLst>
-                <a:ext uri="{FF2B5EF4-FFF2-40B4-BE49-F238E27FC236}">
-                  <a16:creationId xmlns:a16="http://schemas.microsoft.com/office/drawing/2014/main" xmlns="" id="{C28C6E5C-C393-435C-96A1-AA2859BDCB82}"/>
-                </a:ext>
-                <a:ext uri="{C183D7F6-B498-43B3-948B-1728B52AA6E4}">
-                  <adec:decorative xmlns:adec="http://schemas.microsoft.com/office/drawing/2017/decorative" xmlns="" val="1"/>
-                </a:ext>
-              </a:extLst>
-            </p:cNvPr>
+            <p:cNvPr id="41" name="Freeform 33"/>
             <p:cNvSpPr/>
-            <p:nvPr>
-              <p:extLst>
-                <p:ext uri="{386F3935-93C4-4BCD-93E2-E3B085C9AB24}">
-                  <p16:designElem xmlns:p16="http://schemas.microsoft.com/office/powerpoint/2015/main" xmlns="" val="1"/>
-                </p:ext>
-              </p:extLst>
-            </p:nvPr>
+            <p:nvPr/>
           </p:nvSpPr>
           <p:spPr bwMode="auto">
             <a:xfrm>
@@ -10274,24 +9802,9 @@
         </p:sp>
         <p:sp>
           <p:nvSpPr>
-            <p:cNvPr id="42" name="Freeform 34">
-              <a:extLst>
-                <a:ext uri="{FF2B5EF4-FFF2-40B4-BE49-F238E27FC236}">
-                  <a16:creationId xmlns:a16="http://schemas.microsoft.com/office/drawing/2014/main" xmlns="" id="{2C2C991F-AC51-4DF5-B8DD-19B08C1CBF42}"/>
-                </a:ext>
-                <a:ext uri="{C183D7F6-B498-43B3-948B-1728B52AA6E4}">
-                  <adec:decorative xmlns:adec="http://schemas.microsoft.com/office/drawing/2017/decorative" xmlns="" val="1"/>
-                </a:ext>
-              </a:extLst>
-            </p:cNvPr>
+            <p:cNvPr id="42" name="Freeform 34"/>
             <p:cNvSpPr/>
-            <p:nvPr>
-              <p:extLst>
-                <p:ext uri="{386F3935-93C4-4BCD-93E2-E3B085C9AB24}">
-                  <p16:designElem xmlns:p16="http://schemas.microsoft.com/office/powerpoint/2015/main" xmlns="" val="1"/>
-                </p:ext>
-              </p:extLst>
-            </p:nvPr>
+            <p:nvPr/>
           </p:nvSpPr>
           <p:spPr bwMode="auto">
             <a:xfrm>
@@ -10396,24 +9909,9 @@
         </p:sp>
         <p:sp>
           <p:nvSpPr>
-            <p:cNvPr id="43" name="Freeform 35">
-              <a:extLst>
-                <a:ext uri="{FF2B5EF4-FFF2-40B4-BE49-F238E27FC236}">
-                  <a16:creationId xmlns:a16="http://schemas.microsoft.com/office/drawing/2014/main" xmlns="" id="{9C916B5F-285D-4F5A-9085-6781753AFB3E}"/>
-                </a:ext>
-                <a:ext uri="{C183D7F6-B498-43B3-948B-1728B52AA6E4}">
-                  <adec:decorative xmlns:adec="http://schemas.microsoft.com/office/drawing/2017/decorative" xmlns="" val="1"/>
-                </a:ext>
-              </a:extLst>
-            </p:cNvPr>
+            <p:cNvPr id="43" name="Freeform 35"/>
             <p:cNvSpPr/>
-            <p:nvPr>
-              <p:extLst>
-                <p:ext uri="{386F3935-93C4-4BCD-93E2-E3B085C9AB24}">
-                  <p16:designElem xmlns:p16="http://schemas.microsoft.com/office/powerpoint/2015/main" xmlns="" val="1"/>
-                </p:ext>
-              </p:extLst>
-            </p:nvPr>
+            <p:nvPr/>
           </p:nvSpPr>
           <p:spPr bwMode="auto">
             <a:xfrm>
@@ -10458,24 +9956,9 @@
         </p:sp>
         <p:sp>
           <p:nvSpPr>
-            <p:cNvPr id="44" name="Freeform 36">
-              <a:extLst>
-                <a:ext uri="{FF2B5EF4-FFF2-40B4-BE49-F238E27FC236}">
-                  <a16:creationId xmlns:a16="http://schemas.microsoft.com/office/drawing/2014/main" xmlns="" id="{0375DD5F-9D17-4873-B697-3D44A5EBEC75}"/>
-                </a:ext>
-                <a:ext uri="{C183D7F6-B498-43B3-948B-1728B52AA6E4}">
-                  <adec:decorative xmlns:adec="http://schemas.microsoft.com/office/drawing/2017/decorative" xmlns="" val="1"/>
-                </a:ext>
-              </a:extLst>
-            </p:cNvPr>
+            <p:cNvPr id="44" name="Freeform 36"/>
             <p:cNvSpPr/>
-            <p:nvPr>
-              <p:extLst>
-                <p:ext uri="{386F3935-93C4-4BCD-93E2-E3B085C9AB24}">
-                  <p16:designElem xmlns:p16="http://schemas.microsoft.com/office/powerpoint/2015/main" xmlns="" val="1"/>
-                </p:ext>
-              </p:extLst>
-            </p:nvPr>
+            <p:nvPr/>
           </p:nvSpPr>
           <p:spPr bwMode="auto">
             <a:xfrm>
@@ -10540,24 +10023,9 @@
         </p:sp>
         <p:sp>
           <p:nvSpPr>
-            <p:cNvPr id="45" name="Freeform 37">
-              <a:extLst>
-                <a:ext uri="{FF2B5EF4-FFF2-40B4-BE49-F238E27FC236}">
-                  <a16:creationId xmlns:a16="http://schemas.microsoft.com/office/drawing/2014/main" xmlns="" id="{A159BBC7-6A8B-4612-94A8-56323452C7B5}"/>
-                </a:ext>
-                <a:ext uri="{C183D7F6-B498-43B3-948B-1728B52AA6E4}">
-                  <adec:decorative xmlns:adec="http://schemas.microsoft.com/office/drawing/2017/decorative" xmlns="" val="1"/>
-                </a:ext>
-              </a:extLst>
-            </p:cNvPr>
+            <p:cNvPr id="45" name="Freeform 37"/>
             <p:cNvSpPr/>
-            <p:nvPr>
-              <p:extLst>
-                <p:ext uri="{386F3935-93C4-4BCD-93E2-E3B085C9AB24}">
-                  <p16:designElem xmlns:p16="http://schemas.microsoft.com/office/powerpoint/2015/main" xmlns="" val="1"/>
-                </p:ext>
-              </p:extLst>
-            </p:nvPr>
+            <p:nvPr/>
           </p:nvSpPr>
           <p:spPr bwMode="auto">
             <a:xfrm>
@@ -10617,24 +10085,9 @@
         </p:sp>
         <p:sp>
           <p:nvSpPr>
-            <p:cNvPr id="46" name="Freeform 38">
-              <a:extLst>
-                <a:ext uri="{FF2B5EF4-FFF2-40B4-BE49-F238E27FC236}">
-                  <a16:creationId xmlns:a16="http://schemas.microsoft.com/office/drawing/2014/main" xmlns="" id="{177C901C-F8DE-4C99-95C8-F8CA1B84F76F}"/>
-                </a:ext>
-                <a:ext uri="{C183D7F6-B498-43B3-948B-1728B52AA6E4}">
-                  <adec:decorative xmlns:adec="http://schemas.microsoft.com/office/drawing/2017/decorative" xmlns="" val="1"/>
-                </a:ext>
-              </a:extLst>
-            </p:cNvPr>
+            <p:cNvPr id="46" name="Freeform 38"/>
             <p:cNvSpPr/>
-            <p:nvPr>
-              <p:extLst>
-                <p:ext uri="{386F3935-93C4-4BCD-93E2-E3B085C9AB24}">
-                  <p16:designElem xmlns:p16="http://schemas.microsoft.com/office/powerpoint/2015/main" xmlns="" val="1"/>
-                </p:ext>
-              </p:extLst>
-            </p:nvPr>
+            <p:nvPr/>
           </p:nvSpPr>
           <p:spPr bwMode="auto">
             <a:xfrm>
@@ -10700,26 +10153,11 @@
       </p:grpSp>
       <p:sp>
         <p:nvSpPr>
-          <p:cNvPr id="48" name="Rectangle 47">
-            <a:extLst>
-              <a:ext uri="{FF2B5EF4-FFF2-40B4-BE49-F238E27FC236}">
-                <a16:creationId xmlns:a16="http://schemas.microsoft.com/office/drawing/2014/main" xmlns="" id="{D1D655F2-6D15-4265-ADEE-EF0075C13944}"/>
-              </a:ext>
-              <a:ext uri="{C183D7F6-B498-43B3-948B-1728B52AA6E4}">
-                <adec:decorative xmlns:adec="http://schemas.microsoft.com/office/drawing/2017/decorative" xmlns="" val="1"/>
-              </a:ext>
-            </a:extLst>
-          </p:cNvPr>
+          <p:cNvPr id="48" name="Rectangle 47"/>
           <p:cNvSpPr>
             <a:spLocks noGrp="1" noRot="1" noChangeAspect="1" noMove="1" noResize="1" noEditPoints="1" noAdjustHandles="1" noChangeArrowheads="1" noChangeShapeType="1" noTextEdit="1"/>
           </p:cNvSpPr>
-          <p:nvPr>
-            <p:extLst>
-              <p:ext uri="{386F3935-93C4-4BCD-93E2-E3B085C9AB24}">
-                <p16:designElem xmlns:p16="http://schemas.microsoft.com/office/powerpoint/2015/main" xmlns="" val="1"/>
-              </p:ext>
-            </p:extLst>
-          </p:nvPr>
+          <p:nvPr/>
         </p:nvSpPr>
         <p:spPr>
           <a:xfrm>
@@ -10754,26 +10192,11 @@
       </p:sp>
       <p:sp>
         <p:nvSpPr>
-          <p:cNvPr id="50" name="Freeform 69">
-            <a:extLst>
-              <a:ext uri="{FF2B5EF4-FFF2-40B4-BE49-F238E27FC236}">
-                <a16:creationId xmlns:a16="http://schemas.microsoft.com/office/drawing/2014/main" xmlns="" id="{3248A930-1A6E-4EFB-8213-D1AC735BE061}"/>
-              </a:ext>
-              <a:ext uri="{C183D7F6-B498-43B3-948B-1728B52AA6E4}">
-                <adec:decorative xmlns:adec="http://schemas.microsoft.com/office/drawing/2017/decorative" xmlns="" val="1"/>
-              </a:ext>
-            </a:extLst>
-          </p:cNvPr>
+          <p:cNvPr id="50" name="Freeform 69"/>
           <p:cNvSpPr>
             <a:spLocks noGrp="1" noRot="1" noChangeAspect="1" noMove="1" noResize="1" noEditPoints="1" noAdjustHandles="1" noChangeArrowheads="1" noChangeShapeType="1" noTextEdit="1"/>
           </p:cNvSpPr>
-          <p:nvPr>
-            <p:extLst>
-              <p:ext uri="{386F3935-93C4-4BCD-93E2-E3B085C9AB24}">
-                <p16:designElem xmlns:p16="http://schemas.microsoft.com/office/powerpoint/2015/main" xmlns="" val="1"/>
-              </p:ext>
-            </p:extLst>
-          </p:nvPr>
+          <p:nvPr/>
         </p:nvSpPr>
         <p:spPr bwMode="auto">
           <a:xfrm>
@@ -10852,11 +10275,6 @@
         </p:spPr>
       </p:sp>
     </p:spTree>
-    <p:extLst>
-      <p:ext uri="{BB962C8B-B14F-4D97-AF65-F5344CB8AC3E}">
-        <p14:creationId xmlns:p14="http://schemas.microsoft.com/office/powerpoint/2010/main" val="312941212"/>
-      </p:ext>
-    </p:extLst>
   </p:cSld>
   <p:clrMapOvr>
     <a:masterClrMapping/>
@@ -10940,12 +10358,68 @@
           </a:p>
         </p:txBody>
       </p:sp>
+      <p:sp>
+        <p:nvSpPr>
+          <p:cNvPr id="4" name="Text Box 3"/>
+          <p:cNvSpPr txBox="1"/>
+          <p:nvPr/>
+        </p:nvSpPr>
+        <p:spPr>
+          <a:xfrm>
+            <a:off x="817245" y="5335270"/>
+            <a:ext cx="4064000" cy="318135"/>
+          </a:xfrm>
+          <a:prstGeom prst="rect">
+            <a:avLst/>
+          </a:prstGeom>
+          <a:noFill/>
+        </p:spPr>
+        <p:txBody>
+          <a:bodyPr wrap="square" rtlCol="0">
+            <a:noAutofit/>
+          </a:bodyPr>
+          <a:p>
+            <a:r>
+              <a:rPr lang="en-IN" altLang="en-US"/>
+              <a:t>SOUCE CODE LINK</a:t>
+            </a:r>
+            <a:endParaRPr lang="en-IN" altLang="en-US"/>
+          </a:p>
+          <a:p>
+            <a:endParaRPr lang="en-IN" altLang="en-US"/>
+          </a:p>
+        </p:txBody>
+      </p:sp>
+      <p:sp>
+        <p:nvSpPr>
+          <p:cNvPr id="6" name="Text Box 5"/>
+          <p:cNvSpPr txBox="1"/>
+          <p:nvPr/>
+        </p:nvSpPr>
+        <p:spPr>
+          <a:xfrm>
+            <a:off x="1776095" y="5712460"/>
+            <a:ext cx="8300720" cy="368300"/>
+          </a:xfrm>
+          <a:prstGeom prst="rect">
+            <a:avLst/>
+          </a:prstGeom>
+          <a:noFill/>
+        </p:spPr>
+        <p:txBody>
+          <a:bodyPr wrap="square" rtlCol="0">
+            <a:spAutoFit/>
+          </a:bodyPr>
+          <a:p>
+            <a:r>
+              <a:rPr lang="en-US"/>
+              <a:t>https://github.com/PathmaShree/TNSDC-Generative-AI/tree/main</a:t>
+            </a:r>
+            <a:endParaRPr lang="en-US"/>
+          </a:p>
+        </p:txBody>
+      </p:sp>
     </p:spTree>
-    <p:extLst>
-      <p:ext uri="{BB962C8B-B14F-4D97-AF65-F5344CB8AC3E}">
-        <p14:creationId xmlns:p14="http://schemas.microsoft.com/office/powerpoint/2010/main" val="2998181821"/>
-      </p:ext>
-    </p:extLst>
   </p:cSld>
   <p:clrMapOvr>
     <a:masterClrMapping/>
@@ -10995,26 +10469,11 @@
       </p:grpSpPr>
       <p:sp useBgFill="1">
         <p:nvSpPr>
-          <p:cNvPr id="10" name="Rectangle 9">
-            <a:extLst>
-              <a:ext uri="{FF2B5EF4-FFF2-40B4-BE49-F238E27FC236}">
-                <a16:creationId xmlns:a16="http://schemas.microsoft.com/office/drawing/2014/main" xmlns="" id="{93F2CC0B-D5F1-40B8-9CC6-4A36850B66FD}"/>
-              </a:ext>
-              <a:ext uri="{C183D7F6-B498-43B3-948B-1728B52AA6E4}">
-                <adec:decorative xmlns:adec="http://schemas.microsoft.com/office/drawing/2017/decorative" xmlns="" val="1"/>
-              </a:ext>
-            </a:extLst>
-          </p:cNvPr>
+          <p:cNvPr id="10" name="Rectangle 9"/>
           <p:cNvSpPr>
             <a:spLocks noGrp="1" noRot="1" noChangeAspect="1" noMove="1" noResize="1" noEditPoints="1" noAdjustHandles="1" noChangeArrowheads="1" noChangeShapeType="1" noTextEdit="1"/>
           </p:cNvSpPr>
-          <p:nvPr>
-            <p:extLst>
-              <p:ext uri="{386F3935-93C4-4BCD-93E2-E3B085C9AB24}">
-                <p16:designElem xmlns:p16="http://schemas.microsoft.com/office/powerpoint/2015/main" xmlns="" val="1"/>
-              </p:ext>
-            </p:extLst>
-          </p:nvPr>
+          <p:nvPr/>
         </p:nvSpPr>
         <p:spPr>
           <a:xfrm>
@@ -11055,20 +10514,15 @@
       </p:sp>
       <p:pic>
         <p:nvPicPr>
-          <p:cNvPr id="5" name="Picture 4" descr="light spots">
-            <a:extLst>
-              <a:ext uri="{FF2B5EF4-FFF2-40B4-BE49-F238E27FC236}">
-                <a16:creationId xmlns:a16="http://schemas.microsoft.com/office/drawing/2014/main" xmlns="" id="{1A23FE0C-9A67-334E-9B7F-83AA9CF636A8}"/>
-              </a:ext>
-            </a:extLst>
-          </p:cNvPr>
+          <p:cNvPr id="5" name="Picture 4" descr="light spots"/>
           <p:cNvPicPr>
             <a:picLocks noChangeAspect="1"/>
           </p:cNvPicPr>
           <p:nvPr/>
         </p:nvPicPr>
         <p:blipFill rotWithShape="1">
-          <a:blip r:embed="rId3" cstate="print">
+          <a:blip r:embed="rId1" cstate="print">
+            <a:alphaModFix amt="40000"/>
             <a:duotone>
               <a:schemeClr val="bg2">
                 <a:shade val="45000"/>
@@ -11076,15 +10530,11 @@
               </a:schemeClr>
               <a:prstClr val="white"/>
             </a:duotone>
-            <a:alphaModFix amt="40000"/>
-            <a:extLst>
-              <a:ext uri="{28A0092B-C50C-407E-A947-70E740481C1C}">
-                <a14:useLocalDpi xmlns:a14="http://schemas.microsoft.com/office/drawing/2010/main"/>
-              </a:ext>
-            </a:extLst>
           </a:blip>
           <a:srcRect/>
-          <a:stretch/>
+          <a:stretch>
+            <a:fillRect/>
+          </a:stretch>
         </p:blipFill>
         <p:spPr>
           <a:xfrm>
@@ -11098,13 +10548,7 @@
       </p:pic>
       <p:sp>
         <p:nvSpPr>
-          <p:cNvPr id="2" name="Title 1">
-            <a:extLst>
-              <a:ext uri="{FF2B5EF4-FFF2-40B4-BE49-F238E27FC236}">
-                <a16:creationId xmlns:a16="http://schemas.microsoft.com/office/drawing/2014/main" xmlns="" id="{F266081D-517B-5D43-A7B4-E67DDEDC0B31}"/>
-              </a:ext>
-            </a:extLst>
-          </p:cNvPr>
+          <p:cNvPr id="2" name="Title 1"/>
           <p:cNvSpPr>
             <a:spLocks noGrp="1"/>
           </p:cNvSpPr>
@@ -11128,18 +10572,13 @@
               <a:rPr lang="en-US" dirty="0"/>
               <a:t>Thank you</a:t>
             </a:r>
+            <a:endParaRPr lang="en-US" dirty="0"/>
           </a:p>
         </p:txBody>
       </p:sp>
       <p:sp>
         <p:nvSpPr>
-          <p:cNvPr id="3" name="Subtitle 2">
-            <a:extLst>
-              <a:ext uri="{FF2B5EF4-FFF2-40B4-BE49-F238E27FC236}">
-                <a16:creationId xmlns:a16="http://schemas.microsoft.com/office/drawing/2014/main" xmlns="" id="{96D75439-C766-134A-A0D0-BE002D8B0AAD}"/>
-              </a:ext>
-            </a:extLst>
-          </p:cNvPr>
+          <p:cNvPr id="3" name="Subtitle 2"/>
           <p:cNvSpPr>
             <a:spLocks noGrp="1"/>
           </p:cNvSpPr>
@@ -11165,26 +10604,11 @@
       </p:sp>
       <p:grpSp>
         <p:nvGrpSpPr>
-          <p:cNvPr id="12" name="Group 11">
-            <a:extLst>
-              <a:ext uri="{FF2B5EF4-FFF2-40B4-BE49-F238E27FC236}">
-                <a16:creationId xmlns:a16="http://schemas.microsoft.com/office/drawing/2014/main" xmlns="" id="{631C6CE6-1810-44ED-A6D7-3FF53040AE20}"/>
-              </a:ext>
-              <a:ext uri="{C183D7F6-B498-43B3-948B-1728B52AA6E4}">
-                <adec:decorative xmlns:adec="http://schemas.microsoft.com/office/drawing/2017/decorative" xmlns="" val="1"/>
-              </a:ext>
-            </a:extLst>
-          </p:cNvPr>
+          <p:cNvPr id="12" name="Group 11"/>
           <p:cNvGrpSpPr>
-            <a:grpSpLocks noGrp="1" noUngrp="1" noRot="1" noChangeAspect="1" noMove="1" noResize="1"/>
+            <a:grpSpLocks noGrp="1" noRot="1" noChangeAspect="1" noMove="1" noResize="1" noUngrp="1"/>
           </p:cNvGrpSpPr>
-          <p:nvPr>
-            <p:extLst>
-              <p:ext uri="{386F3935-93C4-4BCD-93E2-E3B085C9AB24}">
-                <p16:designElem xmlns:p16="http://schemas.microsoft.com/office/powerpoint/2015/main" xmlns="" val="1"/>
-              </p:ext>
-            </p:extLst>
-          </p:nvPr>
+          <p:nvPr/>
         </p:nvGrpSpPr>
         <p:grpSpPr>
           <a:xfrm>
@@ -11202,24 +10626,9 @@
         </p:grpSpPr>
         <p:sp>
           <p:nvSpPr>
-            <p:cNvPr id="13" name="Freeform 11">
-              <a:extLst>
-                <a:ext uri="{FF2B5EF4-FFF2-40B4-BE49-F238E27FC236}">
-                  <a16:creationId xmlns:a16="http://schemas.microsoft.com/office/drawing/2014/main" xmlns="" id="{1F6D8BFE-D0D0-4BAE-9D5A-701DE7D3CEEF}"/>
-                </a:ext>
-                <a:ext uri="{C183D7F6-B498-43B3-948B-1728B52AA6E4}">
-                  <adec:decorative xmlns:adec="http://schemas.microsoft.com/office/drawing/2017/decorative" xmlns="" val="1"/>
-                </a:ext>
-              </a:extLst>
-            </p:cNvPr>
+            <p:cNvPr id="13" name="Freeform 11"/>
             <p:cNvSpPr/>
-            <p:nvPr>
-              <p:extLst>
-                <p:ext uri="{386F3935-93C4-4BCD-93E2-E3B085C9AB24}">
-                  <p16:designElem xmlns:p16="http://schemas.microsoft.com/office/powerpoint/2015/main" xmlns="" val="1"/>
-                </p:ext>
-              </p:extLst>
-            </p:nvPr>
+            <p:nvPr/>
           </p:nvSpPr>
           <p:spPr bwMode="auto">
             <a:xfrm>
@@ -11274,24 +10683,9 @@
         </p:sp>
         <p:sp>
           <p:nvSpPr>
-            <p:cNvPr id="14" name="Freeform 12">
-              <a:extLst>
-                <a:ext uri="{FF2B5EF4-FFF2-40B4-BE49-F238E27FC236}">
-                  <a16:creationId xmlns:a16="http://schemas.microsoft.com/office/drawing/2014/main" xmlns="" id="{53F86D30-CEDB-4D96-AF73-AA3CD5A437B8}"/>
-                </a:ext>
-                <a:ext uri="{C183D7F6-B498-43B3-948B-1728B52AA6E4}">
-                  <adec:decorative xmlns:adec="http://schemas.microsoft.com/office/drawing/2017/decorative" xmlns="" val="1"/>
-                </a:ext>
-              </a:extLst>
-            </p:cNvPr>
+            <p:cNvPr id="14" name="Freeform 12"/>
             <p:cNvSpPr/>
-            <p:nvPr>
-              <p:extLst>
-                <p:ext uri="{386F3935-93C4-4BCD-93E2-E3B085C9AB24}">
-                  <p16:designElem xmlns:p16="http://schemas.microsoft.com/office/powerpoint/2015/main" xmlns="" val="1"/>
-                </p:ext>
-              </p:extLst>
-            </p:nvPr>
+            <p:nvPr/>
           </p:nvSpPr>
           <p:spPr bwMode="auto">
             <a:xfrm>
@@ -11351,24 +10745,9 @@
         </p:sp>
         <p:sp>
           <p:nvSpPr>
-            <p:cNvPr id="15" name="Freeform 13">
-              <a:extLst>
-                <a:ext uri="{FF2B5EF4-FFF2-40B4-BE49-F238E27FC236}">
-                  <a16:creationId xmlns:a16="http://schemas.microsoft.com/office/drawing/2014/main" xmlns="" id="{F5187540-C4C8-410C-A395-69FCB1C86C26}"/>
-                </a:ext>
-                <a:ext uri="{C183D7F6-B498-43B3-948B-1728B52AA6E4}">
-                  <adec:decorative xmlns:adec="http://schemas.microsoft.com/office/drawing/2017/decorative" xmlns="" val="1"/>
-                </a:ext>
-              </a:extLst>
-            </p:cNvPr>
+            <p:cNvPr id="15" name="Freeform 13"/>
             <p:cNvSpPr/>
-            <p:nvPr>
-              <p:extLst>
-                <p:ext uri="{386F3935-93C4-4BCD-93E2-E3B085C9AB24}">
-                  <p16:designElem xmlns:p16="http://schemas.microsoft.com/office/powerpoint/2015/main" xmlns="" val="1"/>
-                </p:ext>
-              </p:extLst>
-            </p:nvPr>
+            <p:nvPr/>
           </p:nvSpPr>
           <p:spPr bwMode="auto">
             <a:xfrm>
@@ -11433,24 +10812,9 @@
         </p:sp>
         <p:sp>
           <p:nvSpPr>
-            <p:cNvPr id="16" name="Freeform 14">
-              <a:extLst>
-                <a:ext uri="{FF2B5EF4-FFF2-40B4-BE49-F238E27FC236}">
-                  <a16:creationId xmlns:a16="http://schemas.microsoft.com/office/drawing/2014/main" xmlns="" id="{75BD6E4A-797C-451B-B08F-D99C1A9D13F8}"/>
-                </a:ext>
-                <a:ext uri="{C183D7F6-B498-43B3-948B-1728B52AA6E4}">
-                  <adec:decorative xmlns:adec="http://schemas.microsoft.com/office/drawing/2017/decorative" xmlns="" val="1"/>
-                </a:ext>
-              </a:extLst>
-            </p:cNvPr>
+            <p:cNvPr id="16" name="Freeform 14"/>
             <p:cNvSpPr/>
-            <p:nvPr>
-              <p:extLst>
-                <p:ext uri="{386F3935-93C4-4BCD-93E2-E3B085C9AB24}">
-                  <p16:designElem xmlns:p16="http://schemas.microsoft.com/office/powerpoint/2015/main" xmlns="" val="1"/>
-                </p:ext>
-              </p:extLst>
-            </p:nvPr>
+            <p:nvPr/>
           </p:nvSpPr>
           <p:spPr bwMode="auto">
             <a:xfrm>
@@ -11495,24 +10859,9 @@
         </p:sp>
         <p:sp>
           <p:nvSpPr>
-            <p:cNvPr id="17" name="Freeform 15">
-              <a:extLst>
-                <a:ext uri="{FF2B5EF4-FFF2-40B4-BE49-F238E27FC236}">
-                  <a16:creationId xmlns:a16="http://schemas.microsoft.com/office/drawing/2014/main" xmlns="" id="{0D241082-BAFA-462E-827B-5814B020F5C2}"/>
-                </a:ext>
-                <a:ext uri="{C183D7F6-B498-43B3-948B-1728B52AA6E4}">
-                  <adec:decorative xmlns:adec="http://schemas.microsoft.com/office/drawing/2017/decorative" xmlns="" val="1"/>
-                </a:ext>
-              </a:extLst>
-            </p:cNvPr>
+            <p:cNvPr id="17" name="Freeform 15"/>
             <p:cNvSpPr/>
-            <p:nvPr>
-              <p:extLst>
-                <p:ext uri="{386F3935-93C4-4BCD-93E2-E3B085C9AB24}">
-                  <p16:designElem xmlns:p16="http://schemas.microsoft.com/office/powerpoint/2015/main" xmlns="" val="1"/>
-                </p:ext>
-              </p:extLst>
-            </p:nvPr>
+            <p:nvPr/>
           </p:nvSpPr>
           <p:spPr bwMode="auto">
             <a:xfrm>
@@ -11592,24 +10941,9 @@
         </p:sp>
         <p:sp>
           <p:nvSpPr>
-            <p:cNvPr id="18" name="Freeform 16">
-              <a:extLst>
-                <a:ext uri="{FF2B5EF4-FFF2-40B4-BE49-F238E27FC236}">
-                  <a16:creationId xmlns:a16="http://schemas.microsoft.com/office/drawing/2014/main" xmlns="" id="{2920CCBD-116D-450B-9608-99F05F7D78AE}"/>
-                </a:ext>
-                <a:ext uri="{C183D7F6-B498-43B3-948B-1728B52AA6E4}">
-                  <adec:decorative xmlns:adec="http://schemas.microsoft.com/office/drawing/2017/decorative" xmlns="" val="1"/>
-                </a:ext>
-              </a:extLst>
-            </p:cNvPr>
+            <p:cNvPr id="18" name="Freeform 16"/>
             <p:cNvSpPr/>
-            <p:nvPr>
-              <p:extLst>
-                <p:ext uri="{386F3935-93C4-4BCD-93E2-E3B085C9AB24}">
-                  <p16:designElem xmlns:p16="http://schemas.microsoft.com/office/powerpoint/2015/main" xmlns="" val="1"/>
-                </p:ext>
-              </p:extLst>
-            </p:nvPr>
+            <p:nvPr/>
           </p:nvSpPr>
           <p:spPr bwMode="auto">
             <a:xfrm>
@@ -11684,24 +11018,9 @@
         </p:sp>
         <p:sp>
           <p:nvSpPr>
-            <p:cNvPr id="19" name="Freeform 17">
-              <a:extLst>
-                <a:ext uri="{FF2B5EF4-FFF2-40B4-BE49-F238E27FC236}">
-                  <a16:creationId xmlns:a16="http://schemas.microsoft.com/office/drawing/2014/main" xmlns="" id="{A57CD3DE-CEAF-4BD4-A5EF-24B3E622BB59}"/>
-                </a:ext>
-                <a:ext uri="{C183D7F6-B498-43B3-948B-1728B52AA6E4}">
-                  <adec:decorative xmlns:adec="http://schemas.microsoft.com/office/drawing/2017/decorative" xmlns="" val="1"/>
-                </a:ext>
-              </a:extLst>
-            </p:cNvPr>
+            <p:cNvPr id="19" name="Freeform 17"/>
             <p:cNvSpPr/>
-            <p:nvPr>
-              <p:extLst>
-                <p:ext uri="{386F3935-93C4-4BCD-93E2-E3B085C9AB24}">
-                  <p16:designElem xmlns:p16="http://schemas.microsoft.com/office/powerpoint/2015/main" xmlns="" val="1"/>
-                </p:ext>
-              </p:extLst>
-            </p:nvPr>
+            <p:nvPr/>
           </p:nvSpPr>
           <p:spPr bwMode="auto">
             <a:xfrm>
@@ -11756,24 +11075,9 @@
         </p:sp>
         <p:sp>
           <p:nvSpPr>
-            <p:cNvPr id="20" name="Freeform 18">
-              <a:extLst>
-                <a:ext uri="{FF2B5EF4-FFF2-40B4-BE49-F238E27FC236}">
-                  <a16:creationId xmlns:a16="http://schemas.microsoft.com/office/drawing/2014/main" xmlns="" id="{4EC3258C-366B-4629-A7D3-5173D3637D84}"/>
-                </a:ext>
-                <a:ext uri="{C183D7F6-B498-43B3-948B-1728B52AA6E4}">
-                  <adec:decorative xmlns:adec="http://schemas.microsoft.com/office/drawing/2017/decorative" xmlns="" val="1"/>
-                </a:ext>
-              </a:extLst>
-            </p:cNvPr>
+            <p:cNvPr id="20" name="Freeform 18"/>
             <p:cNvSpPr/>
-            <p:nvPr>
-              <p:extLst>
-                <p:ext uri="{386F3935-93C4-4BCD-93E2-E3B085C9AB24}">
-                  <p16:designElem xmlns:p16="http://schemas.microsoft.com/office/powerpoint/2015/main" xmlns="" val="1"/>
-                </p:ext>
-              </p:extLst>
-            </p:nvPr>
+            <p:nvPr/>
           </p:nvSpPr>
           <p:spPr bwMode="auto">
             <a:xfrm>
@@ -11848,24 +11152,9 @@
         </p:sp>
         <p:sp>
           <p:nvSpPr>
-            <p:cNvPr id="21" name="Freeform 19">
-              <a:extLst>
-                <a:ext uri="{FF2B5EF4-FFF2-40B4-BE49-F238E27FC236}">
-                  <a16:creationId xmlns:a16="http://schemas.microsoft.com/office/drawing/2014/main" xmlns="" id="{D444D63A-CE2B-4ACD-BA0E-4ADECAD86F0A}"/>
-                </a:ext>
-                <a:ext uri="{C183D7F6-B498-43B3-948B-1728B52AA6E4}">
-                  <adec:decorative xmlns:adec="http://schemas.microsoft.com/office/drawing/2017/decorative" xmlns="" val="1"/>
-                </a:ext>
-              </a:extLst>
-            </p:cNvPr>
+            <p:cNvPr id="21" name="Freeform 19"/>
             <p:cNvSpPr/>
-            <p:nvPr>
-              <p:extLst>
-                <p:ext uri="{386F3935-93C4-4BCD-93E2-E3B085C9AB24}">
-                  <p16:designElem xmlns:p16="http://schemas.microsoft.com/office/powerpoint/2015/main" xmlns="" val="1"/>
-                </p:ext>
-              </p:extLst>
-            </p:nvPr>
+            <p:nvPr/>
           </p:nvSpPr>
           <p:spPr bwMode="auto">
             <a:xfrm>
@@ -11975,24 +11264,9 @@
         </p:sp>
         <p:sp>
           <p:nvSpPr>
-            <p:cNvPr id="22" name="Freeform 20">
-              <a:extLst>
-                <a:ext uri="{FF2B5EF4-FFF2-40B4-BE49-F238E27FC236}">
-                  <a16:creationId xmlns:a16="http://schemas.microsoft.com/office/drawing/2014/main" xmlns="" id="{7A504DF6-187A-4A54-96E8-3F3F28AAAA3B}"/>
-                </a:ext>
-                <a:ext uri="{C183D7F6-B498-43B3-948B-1728B52AA6E4}">
-                  <adec:decorative xmlns:adec="http://schemas.microsoft.com/office/drawing/2017/decorative" xmlns="" val="1"/>
-                </a:ext>
-              </a:extLst>
-            </p:cNvPr>
+            <p:cNvPr id="22" name="Freeform 20"/>
             <p:cNvSpPr/>
-            <p:nvPr>
-              <p:extLst>
-                <p:ext uri="{386F3935-93C4-4BCD-93E2-E3B085C9AB24}">
-                  <p16:designElem xmlns:p16="http://schemas.microsoft.com/office/powerpoint/2015/main" xmlns="" val="1"/>
-                </p:ext>
-              </p:extLst>
-            </p:nvPr>
+            <p:nvPr/>
           </p:nvSpPr>
           <p:spPr bwMode="auto">
             <a:xfrm>
@@ -12037,24 +11311,9 @@
         </p:sp>
         <p:sp>
           <p:nvSpPr>
-            <p:cNvPr id="23" name="Freeform 21">
-              <a:extLst>
-                <a:ext uri="{FF2B5EF4-FFF2-40B4-BE49-F238E27FC236}">
-                  <a16:creationId xmlns:a16="http://schemas.microsoft.com/office/drawing/2014/main" xmlns="" id="{FE04C6F5-6DC5-4C7E-9278-9BE624FC7829}"/>
-                </a:ext>
-                <a:ext uri="{C183D7F6-B498-43B3-948B-1728B52AA6E4}">
-                  <adec:decorative xmlns:adec="http://schemas.microsoft.com/office/drawing/2017/decorative" xmlns="" val="1"/>
-                </a:ext>
-              </a:extLst>
-            </p:cNvPr>
+            <p:cNvPr id="23" name="Freeform 21"/>
             <p:cNvSpPr/>
-            <p:nvPr>
-              <p:extLst>
-                <p:ext uri="{386F3935-93C4-4BCD-93E2-E3B085C9AB24}">
-                  <p16:designElem xmlns:p16="http://schemas.microsoft.com/office/powerpoint/2015/main" xmlns="" val="1"/>
-                </p:ext>
-              </p:extLst>
-            </p:nvPr>
+            <p:nvPr/>
           </p:nvSpPr>
           <p:spPr bwMode="auto">
             <a:xfrm>
@@ -12109,24 +11368,9 @@
         </p:sp>
         <p:sp>
           <p:nvSpPr>
-            <p:cNvPr id="24" name="Freeform 22">
-              <a:extLst>
-                <a:ext uri="{FF2B5EF4-FFF2-40B4-BE49-F238E27FC236}">
-                  <a16:creationId xmlns:a16="http://schemas.microsoft.com/office/drawing/2014/main" xmlns="" id="{94A02D9B-E6A9-4D6A-9D2A-D81C76802457}"/>
-                </a:ext>
-                <a:ext uri="{C183D7F6-B498-43B3-948B-1728B52AA6E4}">
-                  <adec:decorative xmlns:adec="http://schemas.microsoft.com/office/drawing/2017/decorative" xmlns="" val="1"/>
-                </a:ext>
-              </a:extLst>
-            </p:cNvPr>
+            <p:cNvPr id="24" name="Freeform 22"/>
             <p:cNvSpPr/>
-            <p:nvPr>
-              <p:extLst>
-                <p:ext uri="{386F3935-93C4-4BCD-93E2-E3B085C9AB24}">
-                  <p16:designElem xmlns:p16="http://schemas.microsoft.com/office/powerpoint/2015/main" xmlns="" val="1"/>
-                </p:ext>
-              </p:extLst>
-            </p:nvPr>
+            <p:nvPr/>
           </p:nvSpPr>
           <p:spPr bwMode="auto">
             <a:xfrm>
@@ -12192,26 +11436,11 @@
       </p:grpSp>
       <p:grpSp>
         <p:nvGrpSpPr>
-          <p:cNvPr id="26" name="Group 25">
-            <a:extLst>
-              <a:ext uri="{FF2B5EF4-FFF2-40B4-BE49-F238E27FC236}">
-                <a16:creationId xmlns:a16="http://schemas.microsoft.com/office/drawing/2014/main" xmlns="" id="{B78034A6-3565-46AA-9E73-1C954666ABB4}"/>
-              </a:ext>
-              <a:ext uri="{C183D7F6-B498-43B3-948B-1728B52AA6E4}">
-                <adec:decorative xmlns:adec="http://schemas.microsoft.com/office/drawing/2017/decorative" xmlns="" val="1"/>
-              </a:ext>
-            </a:extLst>
-          </p:cNvPr>
+          <p:cNvPr id="26" name="Group 25"/>
           <p:cNvGrpSpPr>
-            <a:grpSpLocks noGrp="1" noUngrp="1" noRot="1" noChangeAspect="1" noMove="1" noResize="1"/>
+            <a:grpSpLocks noGrp="1" noRot="1" noChangeAspect="1" noMove="1" noResize="1" noUngrp="1"/>
           </p:cNvGrpSpPr>
-          <p:nvPr>
-            <p:extLst>
-              <p:ext uri="{386F3935-93C4-4BCD-93E2-E3B085C9AB24}">
-                <p16:designElem xmlns:p16="http://schemas.microsoft.com/office/powerpoint/2015/main" xmlns="" val="1"/>
-              </p:ext>
-            </p:extLst>
-          </p:nvPr>
+          <p:nvPr/>
         </p:nvGrpSpPr>
         <p:grpSpPr>
           <a:xfrm>
@@ -12226,24 +11455,9 @@
         </p:grpSpPr>
         <p:sp>
           <p:nvSpPr>
-            <p:cNvPr id="27" name="Freeform 27">
-              <a:extLst>
-                <a:ext uri="{FF2B5EF4-FFF2-40B4-BE49-F238E27FC236}">
-                  <a16:creationId xmlns:a16="http://schemas.microsoft.com/office/drawing/2014/main" xmlns="" id="{04947AA2-A772-42CB-9CEC-065095D3DC79}"/>
-                </a:ext>
-                <a:ext uri="{C183D7F6-B498-43B3-948B-1728B52AA6E4}">
-                  <adec:decorative xmlns:adec="http://schemas.microsoft.com/office/drawing/2017/decorative" xmlns="" val="1"/>
-                </a:ext>
-              </a:extLst>
-            </p:cNvPr>
+            <p:cNvPr id="27" name="Freeform 27"/>
             <p:cNvSpPr/>
-            <p:nvPr>
-              <p:extLst>
-                <p:ext uri="{386F3935-93C4-4BCD-93E2-E3B085C9AB24}">
-                  <p16:designElem xmlns:p16="http://schemas.microsoft.com/office/powerpoint/2015/main" xmlns="" val="1"/>
-                </p:ext>
-              </p:extLst>
-            </p:nvPr>
+            <p:nvPr/>
           </p:nvSpPr>
           <p:spPr bwMode="auto">
             <a:xfrm>
@@ -12343,24 +11557,9 @@
         </p:sp>
         <p:sp>
           <p:nvSpPr>
-            <p:cNvPr id="28" name="Freeform 28">
-              <a:extLst>
-                <a:ext uri="{FF2B5EF4-FFF2-40B4-BE49-F238E27FC236}">
-                  <a16:creationId xmlns:a16="http://schemas.microsoft.com/office/drawing/2014/main" xmlns="" id="{83C52D84-DEC1-4E16-972E-8EEA5D52245F}"/>
-                </a:ext>
-                <a:ext uri="{C183D7F6-B498-43B3-948B-1728B52AA6E4}">
-                  <adec:decorative xmlns:adec="http://schemas.microsoft.com/office/drawing/2017/decorative" xmlns="" val="1"/>
-                </a:ext>
-              </a:extLst>
-            </p:cNvPr>
+            <p:cNvPr id="28" name="Freeform 28"/>
             <p:cNvSpPr/>
-            <p:nvPr>
-              <p:extLst>
-                <p:ext uri="{386F3935-93C4-4BCD-93E2-E3B085C9AB24}">
-                  <p16:designElem xmlns:p16="http://schemas.microsoft.com/office/powerpoint/2015/main" xmlns="" val="1"/>
-                </p:ext>
-              </p:extLst>
-            </p:nvPr>
+            <p:nvPr/>
           </p:nvSpPr>
           <p:spPr bwMode="auto">
             <a:xfrm>
@@ -12425,24 +11624,9 @@
         </p:sp>
         <p:sp>
           <p:nvSpPr>
-            <p:cNvPr id="29" name="Freeform 29">
-              <a:extLst>
-                <a:ext uri="{FF2B5EF4-FFF2-40B4-BE49-F238E27FC236}">
-                  <a16:creationId xmlns:a16="http://schemas.microsoft.com/office/drawing/2014/main" xmlns="" id="{2036A28D-EF09-41F7-906F-CF4053615AE0}"/>
-                </a:ext>
-                <a:ext uri="{C183D7F6-B498-43B3-948B-1728B52AA6E4}">
-                  <adec:decorative xmlns:adec="http://schemas.microsoft.com/office/drawing/2017/decorative" xmlns="" val="1"/>
-                </a:ext>
-              </a:extLst>
-            </p:cNvPr>
+            <p:cNvPr id="29" name="Freeform 29"/>
             <p:cNvSpPr/>
-            <p:nvPr>
-              <p:extLst>
-                <p:ext uri="{386F3935-93C4-4BCD-93E2-E3B085C9AB24}">
-                  <p16:designElem xmlns:p16="http://schemas.microsoft.com/office/powerpoint/2015/main" xmlns="" val="1"/>
-                </p:ext>
-              </p:extLst>
-            </p:nvPr>
+            <p:nvPr/>
           </p:nvSpPr>
           <p:spPr bwMode="auto">
             <a:xfrm>
@@ -12507,24 +11691,9 @@
         </p:sp>
         <p:sp>
           <p:nvSpPr>
-            <p:cNvPr id="30" name="Freeform 30">
-              <a:extLst>
-                <a:ext uri="{FF2B5EF4-FFF2-40B4-BE49-F238E27FC236}">
-                  <a16:creationId xmlns:a16="http://schemas.microsoft.com/office/drawing/2014/main" xmlns="" id="{EE8D92C7-C907-4120-95E3-80E3DC85BBA4}"/>
-                </a:ext>
-                <a:ext uri="{C183D7F6-B498-43B3-948B-1728B52AA6E4}">
-                  <adec:decorative xmlns:adec="http://schemas.microsoft.com/office/drawing/2017/decorative" xmlns="" val="1"/>
-                </a:ext>
-              </a:extLst>
-            </p:cNvPr>
+            <p:cNvPr id="30" name="Freeform 30"/>
             <p:cNvSpPr/>
-            <p:nvPr>
-              <p:extLst>
-                <p:ext uri="{386F3935-93C4-4BCD-93E2-E3B085C9AB24}">
-                  <p16:designElem xmlns:p16="http://schemas.microsoft.com/office/powerpoint/2015/main" xmlns="" val="1"/>
-                </p:ext>
-              </p:extLst>
-            </p:nvPr>
+            <p:nvPr/>
           </p:nvSpPr>
           <p:spPr bwMode="auto">
             <a:xfrm>
@@ -12604,24 +11773,9 @@
         </p:sp>
         <p:sp>
           <p:nvSpPr>
-            <p:cNvPr id="31" name="Freeform 31">
-              <a:extLst>
-                <a:ext uri="{FF2B5EF4-FFF2-40B4-BE49-F238E27FC236}">
-                  <a16:creationId xmlns:a16="http://schemas.microsoft.com/office/drawing/2014/main" xmlns="" id="{BBCEAAB8-CD22-41D7-B330-702682A27CEE}"/>
-                </a:ext>
-                <a:ext uri="{C183D7F6-B498-43B3-948B-1728B52AA6E4}">
-                  <adec:decorative xmlns:adec="http://schemas.microsoft.com/office/drawing/2017/decorative" xmlns="" val="1"/>
-                </a:ext>
-              </a:extLst>
-            </p:cNvPr>
+            <p:cNvPr id="31" name="Freeform 31"/>
             <p:cNvSpPr/>
-            <p:nvPr>
-              <p:extLst>
-                <p:ext uri="{386F3935-93C4-4BCD-93E2-E3B085C9AB24}">
-                  <p16:designElem xmlns:p16="http://schemas.microsoft.com/office/powerpoint/2015/main" xmlns="" val="1"/>
-                </p:ext>
-              </p:extLst>
-            </p:nvPr>
+            <p:nvPr/>
           </p:nvSpPr>
           <p:spPr bwMode="auto">
             <a:xfrm>
@@ -12711,24 +11865,9 @@
         </p:sp>
         <p:sp>
           <p:nvSpPr>
-            <p:cNvPr id="32" name="Freeform 32">
-              <a:extLst>
-                <a:ext uri="{FF2B5EF4-FFF2-40B4-BE49-F238E27FC236}">
-                  <a16:creationId xmlns:a16="http://schemas.microsoft.com/office/drawing/2014/main" xmlns="" id="{6BBC1FEE-3D72-492B-8D8A-BE1A55076F9D}"/>
-                </a:ext>
-                <a:ext uri="{C183D7F6-B498-43B3-948B-1728B52AA6E4}">
-                  <adec:decorative xmlns:adec="http://schemas.microsoft.com/office/drawing/2017/decorative" xmlns="" val="1"/>
-                </a:ext>
-              </a:extLst>
-            </p:cNvPr>
+            <p:cNvPr id="32" name="Freeform 32"/>
             <p:cNvSpPr/>
-            <p:nvPr>
-              <p:extLst>
-                <p:ext uri="{386F3935-93C4-4BCD-93E2-E3B085C9AB24}">
-                  <p16:designElem xmlns:p16="http://schemas.microsoft.com/office/powerpoint/2015/main" xmlns="" val="1"/>
-                </p:ext>
-              </p:extLst>
-            </p:nvPr>
+            <p:nvPr/>
           </p:nvSpPr>
           <p:spPr bwMode="auto">
             <a:xfrm>
@@ -12773,24 +11912,9 @@
         </p:sp>
         <p:sp>
           <p:nvSpPr>
-            <p:cNvPr id="33" name="Freeform 33">
-              <a:extLst>
-                <a:ext uri="{FF2B5EF4-FFF2-40B4-BE49-F238E27FC236}">
-                  <a16:creationId xmlns:a16="http://schemas.microsoft.com/office/drawing/2014/main" xmlns="" id="{C28C6E5C-C393-435C-96A1-AA2859BDCB82}"/>
-                </a:ext>
-                <a:ext uri="{C183D7F6-B498-43B3-948B-1728B52AA6E4}">
-                  <adec:decorative xmlns:adec="http://schemas.microsoft.com/office/drawing/2017/decorative" xmlns="" val="1"/>
-                </a:ext>
-              </a:extLst>
-            </p:cNvPr>
+            <p:cNvPr id="33" name="Freeform 33"/>
             <p:cNvSpPr/>
-            <p:nvPr>
-              <p:extLst>
-                <p:ext uri="{386F3935-93C4-4BCD-93E2-E3B085C9AB24}">
-                  <p16:designElem xmlns:p16="http://schemas.microsoft.com/office/powerpoint/2015/main" xmlns="" val="1"/>
-                </p:ext>
-              </p:extLst>
-            </p:nvPr>
+            <p:nvPr/>
           </p:nvSpPr>
           <p:spPr bwMode="auto">
             <a:xfrm>
@@ -12850,24 +11974,9 @@
         </p:sp>
         <p:sp>
           <p:nvSpPr>
-            <p:cNvPr id="34" name="Freeform 34">
-              <a:extLst>
-                <a:ext uri="{FF2B5EF4-FFF2-40B4-BE49-F238E27FC236}">
-                  <a16:creationId xmlns:a16="http://schemas.microsoft.com/office/drawing/2014/main" xmlns="" id="{2C2C991F-AC51-4DF5-B8DD-19B08C1CBF42}"/>
-                </a:ext>
-                <a:ext uri="{C183D7F6-B498-43B3-948B-1728B52AA6E4}">
-                  <adec:decorative xmlns:adec="http://schemas.microsoft.com/office/drawing/2017/decorative" xmlns="" val="1"/>
-                </a:ext>
-              </a:extLst>
-            </p:cNvPr>
+            <p:cNvPr id="34" name="Freeform 34"/>
             <p:cNvSpPr/>
-            <p:nvPr>
-              <p:extLst>
-                <p:ext uri="{386F3935-93C4-4BCD-93E2-E3B085C9AB24}">
-                  <p16:designElem xmlns:p16="http://schemas.microsoft.com/office/powerpoint/2015/main" xmlns="" val="1"/>
-                </p:ext>
-              </p:extLst>
-            </p:nvPr>
+            <p:nvPr/>
           </p:nvSpPr>
           <p:spPr bwMode="auto">
             <a:xfrm>
@@ -12972,24 +12081,9 @@
         </p:sp>
         <p:sp>
           <p:nvSpPr>
-            <p:cNvPr id="35" name="Freeform 35">
-              <a:extLst>
-                <a:ext uri="{FF2B5EF4-FFF2-40B4-BE49-F238E27FC236}">
-                  <a16:creationId xmlns:a16="http://schemas.microsoft.com/office/drawing/2014/main" xmlns="" id="{9C916B5F-285D-4F5A-9085-6781753AFB3E}"/>
-                </a:ext>
-                <a:ext uri="{C183D7F6-B498-43B3-948B-1728B52AA6E4}">
-                  <adec:decorative xmlns:adec="http://schemas.microsoft.com/office/drawing/2017/decorative" xmlns="" val="1"/>
-                </a:ext>
-              </a:extLst>
-            </p:cNvPr>
+            <p:cNvPr id="35" name="Freeform 35"/>
             <p:cNvSpPr/>
-            <p:nvPr>
-              <p:extLst>
-                <p:ext uri="{386F3935-93C4-4BCD-93E2-E3B085C9AB24}">
-                  <p16:designElem xmlns:p16="http://schemas.microsoft.com/office/powerpoint/2015/main" xmlns="" val="1"/>
-                </p:ext>
-              </p:extLst>
-            </p:nvPr>
+            <p:nvPr/>
           </p:nvSpPr>
           <p:spPr bwMode="auto">
             <a:xfrm>
@@ -13034,24 +12128,9 @@
         </p:sp>
         <p:sp>
           <p:nvSpPr>
-            <p:cNvPr id="36" name="Freeform 36">
-              <a:extLst>
-                <a:ext uri="{FF2B5EF4-FFF2-40B4-BE49-F238E27FC236}">
-                  <a16:creationId xmlns:a16="http://schemas.microsoft.com/office/drawing/2014/main" xmlns="" id="{0375DD5F-9D17-4873-B697-3D44A5EBEC75}"/>
-                </a:ext>
-                <a:ext uri="{C183D7F6-B498-43B3-948B-1728B52AA6E4}">
-                  <adec:decorative xmlns:adec="http://schemas.microsoft.com/office/drawing/2017/decorative" xmlns="" val="1"/>
-                </a:ext>
-              </a:extLst>
-            </p:cNvPr>
+            <p:cNvPr id="36" name="Freeform 36"/>
             <p:cNvSpPr/>
-            <p:nvPr>
-              <p:extLst>
-                <p:ext uri="{386F3935-93C4-4BCD-93E2-E3B085C9AB24}">
-                  <p16:designElem xmlns:p16="http://schemas.microsoft.com/office/powerpoint/2015/main" xmlns="" val="1"/>
-                </p:ext>
-              </p:extLst>
-            </p:nvPr>
+            <p:nvPr/>
           </p:nvSpPr>
           <p:spPr bwMode="auto">
             <a:xfrm>
@@ -13116,24 +12195,9 @@
         </p:sp>
         <p:sp>
           <p:nvSpPr>
-            <p:cNvPr id="37" name="Freeform 37">
-              <a:extLst>
-                <a:ext uri="{FF2B5EF4-FFF2-40B4-BE49-F238E27FC236}">
-                  <a16:creationId xmlns:a16="http://schemas.microsoft.com/office/drawing/2014/main" xmlns="" id="{A159BBC7-6A8B-4612-94A8-56323452C7B5}"/>
-                </a:ext>
-                <a:ext uri="{C183D7F6-B498-43B3-948B-1728B52AA6E4}">
-                  <adec:decorative xmlns:adec="http://schemas.microsoft.com/office/drawing/2017/decorative" xmlns="" val="1"/>
-                </a:ext>
-              </a:extLst>
-            </p:cNvPr>
+            <p:cNvPr id="37" name="Freeform 37"/>
             <p:cNvSpPr/>
-            <p:nvPr>
-              <p:extLst>
-                <p:ext uri="{386F3935-93C4-4BCD-93E2-E3B085C9AB24}">
-                  <p16:designElem xmlns:p16="http://schemas.microsoft.com/office/powerpoint/2015/main" xmlns="" val="1"/>
-                </p:ext>
-              </p:extLst>
-            </p:nvPr>
+            <p:nvPr/>
           </p:nvSpPr>
           <p:spPr bwMode="auto">
             <a:xfrm>
@@ -13193,24 +12257,9 @@
         </p:sp>
         <p:sp>
           <p:nvSpPr>
-            <p:cNvPr id="38" name="Freeform 38">
-              <a:extLst>
-                <a:ext uri="{FF2B5EF4-FFF2-40B4-BE49-F238E27FC236}">
-                  <a16:creationId xmlns:a16="http://schemas.microsoft.com/office/drawing/2014/main" xmlns="" id="{177C901C-F8DE-4C99-95C8-F8CA1B84F76F}"/>
-                </a:ext>
-                <a:ext uri="{C183D7F6-B498-43B3-948B-1728B52AA6E4}">
-                  <adec:decorative xmlns:adec="http://schemas.microsoft.com/office/drawing/2017/decorative" xmlns="" val="1"/>
-                </a:ext>
-              </a:extLst>
-            </p:cNvPr>
+            <p:cNvPr id="38" name="Freeform 38"/>
             <p:cNvSpPr/>
-            <p:nvPr>
-              <p:extLst>
-                <p:ext uri="{386F3935-93C4-4BCD-93E2-E3B085C9AB24}">
-                  <p16:designElem xmlns:p16="http://schemas.microsoft.com/office/powerpoint/2015/main" xmlns="" val="1"/>
-                </p:ext>
-              </p:extLst>
-            </p:nvPr>
+            <p:nvPr/>
           </p:nvSpPr>
           <p:spPr bwMode="auto">
             <a:xfrm>
@@ -13276,26 +12325,11 @@
       </p:grpSp>
       <p:sp>
         <p:nvSpPr>
-          <p:cNvPr id="40" name="Rectangle 39">
-            <a:extLst>
-              <a:ext uri="{FF2B5EF4-FFF2-40B4-BE49-F238E27FC236}">
-                <a16:creationId xmlns:a16="http://schemas.microsoft.com/office/drawing/2014/main" xmlns="" id="{D1D655F2-6D15-4265-ADEE-EF0075C13944}"/>
-              </a:ext>
-              <a:ext uri="{C183D7F6-B498-43B3-948B-1728B52AA6E4}">
-                <adec:decorative xmlns:adec="http://schemas.microsoft.com/office/drawing/2017/decorative" xmlns="" val="1"/>
-              </a:ext>
-            </a:extLst>
-          </p:cNvPr>
+          <p:cNvPr id="40" name="Rectangle 39"/>
           <p:cNvSpPr>
             <a:spLocks noGrp="1" noRot="1" noChangeAspect="1" noMove="1" noResize="1" noEditPoints="1" noAdjustHandles="1" noChangeArrowheads="1" noChangeShapeType="1" noTextEdit="1"/>
           </p:cNvSpPr>
-          <p:nvPr>
-            <p:extLst>
-              <p:ext uri="{386F3935-93C4-4BCD-93E2-E3B085C9AB24}">
-                <p16:designElem xmlns:p16="http://schemas.microsoft.com/office/powerpoint/2015/main" xmlns="" val="1"/>
-              </p:ext>
-            </p:extLst>
-          </p:nvPr>
+          <p:nvPr/>
         </p:nvSpPr>
         <p:spPr>
           <a:xfrm>
@@ -13330,26 +12364,11 @@
       </p:sp>
       <p:sp>
         <p:nvSpPr>
-          <p:cNvPr id="42" name="Freeform 69">
-            <a:extLst>
-              <a:ext uri="{FF2B5EF4-FFF2-40B4-BE49-F238E27FC236}">
-                <a16:creationId xmlns:a16="http://schemas.microsoft.com/office/drawing/2014/main" xmlns="" id="{3248A930-1A6E-4EFB-8213-D1AC735BE061}"/>
-              </a:ext>
-              <a:ext uri="{C183D7F6-B498-43B3-948B-1728B52AA6E4}">
-                <adec:decorative xmlns:adec="http://schemas.microsoft.com/office/drawing/2017/decorative" xmlns="" val="1"/>
-              </a:ext>
-            </a:extLst>
-          </p:cNvPr>
+          <p:cNvPr id="42" name="Freeform 69"/>
           <p:cNvSpPr>
             <a:spLocks noGrp="1" noRot="1" noChangeAspect="1" noMove="1" noResize="1" noEditPoints="1" noAdjustHandles="1" noChangeArrowheads="1" noChangeShapeType="1" noTextEdit="1"/>
           </p:cNvSpPr>
-          <p:nvPr>
-            <p:extLst>
-              <p:ext uri="{386F3935-93C4-4BCD-93E2-E3B085C9AB24}">
-                <p16:designElem xmlns:p16="http://schemas.microsoft.com/office/powerpoint/2015/main" xmlns="" val="1"/>
-              </p:ext>
-            </p:extLst>
-          </p:nvPr>
+          <p:nvPr/>
         </p:nvSpPr>
         <p:spPr bwMode="auto">
           <a:xfrm>
@@ -13428,11 +12447,6 @@
         </p:spPr>
       </p:sp>
     </p:spTree>
-    <p:extLst>
-      <p:ext uri="{BB962C8B-B14F-4D97-AF65-F5344CB8AC3E}">
-        <p14:creationId xmlns:p14="http://schemas.microsoft.com/office/powerpoint/2010/main" val="4063739934"/>
-      </p:ext>
-    </p:extLst>
   </p:cSld>
   <p:clrMapOvr>
     <a:masterClrMapping/>
@@ -13511,11 +12525,6 @@
         </p:txBody>
       </p:sp>
     </p:spTree>
-    <p:extLst>
-      <p:ext uri="{BB962C8B-B14F-4D97-AF65-F5344CB8AC3E}">
-        <p14:creationId xmlns:p14="http://schemas.microsoft.com/office/powerpoint/2010/main" val="266126077"/>
-      </p:ext>
-    </p:extLst>
   </p:cSld>
   <p:clrMapOvr>
     <a:masterClrMapping/>
@@ -13608,6 +12617,10 @@
               </a:rPr>
               <a:t>Overview</a:t>
             </a:r>
+            <a:endParaRPr lang="en-US" sz="2000" dirty="0" smtClean="0">
+              <a:latin typeface="Times New Roman" panose="02020603050405020304" pitchFamily="18" charset="0"/>
+              <a:cs typeface="Times New Roman" panose="02020603050405020304" pitchFamily="18" charset="0"/>
+            </a:endParaRPr>
           </a:p>
           <a:p>
             <a:pPr marL="342900" indent="-342900">
@@ -13638,6 +12651,10 @@
               </a:rPr>
               <a:t>Preprocessing</a:t>
             </a:r>
+            <a:endParaRPr lang="en-US" sz="2000" dirty="0" smtClean="0">
+              <a:latin typeface="Times New Roman" panose="02020603050405020304" pitchFamily="18" charset="0"/>
+              <a:cs typeface="Times New Roman" panose="02020603050405020304" pitchFamily="18" charset="0"/>
+            </a:endParaRPr>
           </a:p>
           <a:p>
             <a:pPr marL="342900" indent="-342900">
@@ -13668,6 +12685,10 @@
               </a:rPr>
               <a:t>Development</a:t>
             </a:r>
+            <a:endParaRPr lang="en-US" sz="2000" dirty="0" smtClean="0">
+              <a:latin typeface="Times New Roman" panose="02020603050405020304" pitchFamily="18" charset="0"/>
+              <a:cs typeface="Times New Roman" panose="02020603050405020304" pitchFamily="18" charset="0"/>
+            </a:endParaRPr>
           </a:p>
           <a:p>
             <a:pPr marL="342900" indent="-342900">
@@ -13698,6 +12719,10 @@
               </a:rPr>
               <a:t>Training</a:t>
             </a:r>
+            <a:endParaRPr lang="en-US" sz="2000" dirty="0" smtClean="0">
+              <a:latin typeface="Times New Roman" panose="02020603050405020304" pitchFamily="18" charset="0"/>
+              <a:cs typeface="Times New Roman" panose="02020603050405020304" pitchFamily="18" charset="0"/>
+            </a:endParaRPr>
           </a:p>
           <a:p>
             <a:pPr marL="342900" indent="-342900">
@@ -13728,6 +12753,10 @@
               </a:rPr>
               <a:t>Evaluation</a:t>
             </a:r>
+            <a:endParaRPr lang="en-US" sz="2000" dirty="0" smtClean="0">
+              <a:latin typeface="Times New Roman" panose="02020603050405020304" pitchFamily="18" charset="0"/>
+              <a:cs typeface="Times New Roman" panose="02020603050405020304" pitchFamily="18" charset="0"/>
+            </a:endParaRPr>
           </a:p>
           <a:p>
             <a:pPr marL="342900" indent="-342900">
@@ -13758,6 +12787,10 @@
               </a:rPr>
               <a:t>Discussion</a:t>
             </a:r>
+            <a:endParaRPr lang="en-US" sz="2000" dirty="0" smtClean="0">
+              <a:latin typeface="Times New Roman" panose="02020603050405020304" pitchFamily="18" charset="0"/>
+              <a:cs typeface="Times New Roman" panose="02020603050405020304" pitchFamily="18" charset="0"/>
+            </a:endParaRPr>
           </a:p>
           <a:p>
             <a:pPr marL="342900" indent="-342900">
@@ -13781,15 +12814,14 @@
               </a:rPr>
               <a:t>Future Directions</a:t>
             </a:r>
+            <a:endParaRPr lang="en-US" sz="2000" dirty="0">
+              <a:latin typeface="Times New Roman" panose="02020603050405020304" pitchFamily="18" charset="0"/>
+              <a:cs typeface="Times New Roman" panose="02020603050405020304" pitchFamily="18" charset="0"/>
+            </a:endParaRPr>
           </a:p>
         </p:txBody>
       </p:sp>
     </p:spTree>
-    <p:extLst>
-      <p:ext uri="{BB962C8B-B14F-4D97-AF65-F5344CB8AC3E}">
-        <p14:creationId xmlns:p14="http://schemas.microsoft.com/office/powerpoint/2010/main" val="1843303762"/>
-      </p:ext>
-    </p:extLst>
   </p:cSld>
   <p:clrMapOvr>
     <a:masterClrMapping/>
@@ -13885,11 +12917,6 @@
         </p:txBody>
       </p:sp>
     </p:spTree>
-    <p:extLst>
-      <p:ext uri="{BB962C8B-B14F-4D97-AF65-F5344CB8AC3E}">
-        <p14:creationId xmlns:p14="http://schemas.microsoft.com/office/powerpoint/2010/main" val="1468325202"/>
-      </p:ext>
-    </p:extLst>
   </p:cSld>
   <p:clrMapOvr>
     <a:masterClrMapping/>
@@ -13981,6 +13008,10 @@
               </a:rPr>
               <a:t>The project aims to develop a name generation system using Recurrent Neural Networks (RNNs). It involves preprocessing a dataset of names, training an RNN model, and generating new names based on the learned patterns. The system leverages natural language processing techniques to create diverse and novel names, catering to various applications such as character naming and brand development. The project encompasses data analysis, model building, training optimization, and evaluation to achieve accurate and creative name generation.</a:t>
             </a:r>
+            <a:endParaRPr lang="en-US" sz="2000" dirty="0">
+              <a:latin typeface="Times New Roman" panose="02020603050405020304" pitchFamily="18" charset="0"/>
+              <a:cs typeface="Times New Roman" panose="02020603050405020304" pitchFamily="18" charset="0"/>
+            </a:endParaRPr>
           </a:p>
           <a:p>
             <a:endParaRPr lang="en-IN" dirty="0"/>
@@ -13988,11 +13019,6 @@
         </p:txBody>
       </p:sp>
     </p:spTree>
-    <p:extLst>
-      <p:ext uri="{BB962C8B-B14F-4D97-AF65-F5344CB8AC3E}">
-        <p14:creationId xmlns:p14="http://schemas.microsoft.com/office/powerpoint/2010/main" val="50536200"/>
-      </p:ext>
-    </p:extLst>
   </p:cSld>
   <p:clrMapOvr>
     <a:masterClrMapping/>
@@ -14074,13 +13100,6 @@
           </a:bodyPr>
           <a:lstStyle/>
           <a:p>
-            <a:r>
-              <a:rPr lang="en-US" sz="2000" dirty="0">
-                <a:latin typeface="Times New Roman" panose="02020603050405020304" pitchFamily="18" charset="0"/>
-                <a:cs typeface="Times New Roman" panose="02020603050405020304" pitchFamily="18" charset="0"/>
-              </a:rPr>
-              <a:t/>
-            </a:r>
             <a:br>
               <a:rPr lang="en-US" sz="2000" dirty="0">
                 <a:latin typeface="Times New Roman" panose="02020603050405020304" pitchFamily="18" charset="0"/>
@@ -14102,11 +13121,6 @@
         </p:txBody>
       </p:sp>
     </p:spTree>
-    <p:extLst>
-      <p:ext uri="{BB962C8B-B14F-4D97-AF65-F5344CB8AC3E}">
-        <p14:creationId xmlns:p14="http://schemas.microsoft.com/office/powerpoint/2010/main" val="1458405993"/>
-      </p:ext>
-    </p:extLst>
   </p:cSld>
   <p:clrMapOvr>
     <a:masterClrMapping/>
@@ -14203,11 +13217,6 @@
         </p:txBody>
       </p:sp>
     </p:spTree>
-    <p:extLst>
-      <p:ext uri="{BB962C8B-B14F-4D97-AF65-F5344CB8AC3E}">
-        <p14:creationId xmlns:p14="http://schemas.microsoft.com/office/powerpoint/2010/main" val="1337171716"/>
-      </p:ext>
-    </p:extLst>
   </p:cSld>
   <p:clrMapOvr>
     <a:masterClrMapping/>
@@ -14304,11 +13313,6 @@
         </p:txBody>
       </p:sp>
     </p:spTree>
-    <p:extLst>
-      <p:ext uri="{BB962C8B-B14F-4D97-AF65-F5344CB8AC3E}">
-        <p14:creationId xmlns:p14="http://schemas.microsoft.com/office/powerpoint/2010/main" val="1354260740"/>
-      </p:ext>
-    </p:extLst>
   </p:cSld>
   <p:clrMapOvr>
     <a:masterClrMapping/>
@@ -14414,7 +13418,7 @@
           <p:nvPr/>
         </p:nvPicPr>
         <p:blipFill>
-          <a:blip r:embed="rId2"/>
+          <a:blip r:embed="rId1"/>
           <a:stretch>
             <a:fillRect/>
           </a:stretch>
@@ -14430,11 +13434,6 @@
         </p:spPr>
       </p:pic>
     </p:spTree>
-    <p:extLst>
-      <p:ext uri="{BB962C8B-B14F-4D97-AF65-F5344CB8AC3E}">
-        <p14:creationId xmlns:p14="http://schemas.microsoft.com/office/powerpoint/2010/main" val="2679552598"/>
-      </p:ext>
-    </p:extLst>
   </p:cSld>
   <p:clrMapOvr>
     <a:masterClrMapping/>
@@ -14492,7 +13491,7 @@
     </a:clrScheme>
     <a:fontScheme name="Wisp">
       <a:majorFont>
-        <a:latin typeface="Century Gothic" panose="020B0502020202020204"/>
+        <a:latin typeface="Century Gothic"/>
         <a:ea typeface=""/>
         <a:cs typeface=""/>
         <a:font script="Jpan" typeface="メイリオ"/>
@@ -14527,7 +13526,7 @@
         <a:font script="Geor" typeface="Sylfaen"/>
       </a:majorFont>
       <a:minorFont>
-        <a:latin typeface="Century Gothic" panose="020B0502020202020204"/>
+        <a:latin typeface="Century Gothic"/>
         <a:ea typeface=""/>
         <a:cs typeface=""/>
         <a:font script="Jpan" typeface="メイリオ"/>
@@ -14682,11 +13681,9 @@
       </a:bgFillStyleLst>
     </a:fmtScheme>
   </a:themeElements>
-  <a:objectDefaults/>
-  <a:extraClrSchemeLst/>
   <a:extLst>
     <a:ext uri="{05A4C25C-085E-4340-85A3-A5531E510DB2}">
-      <thm15:themeFamily xmlns:thm15="http://schemas.microsoft.com/office/thememl/2012/main" name="Wisp" id="{7CB32D59-10C0-40DD-B7BD-2E94284A981C}" vid="{24B1A44C-C006-48B2-A4D7-E5549B3D8CD4}"/>
+      <thm15:themeFamily xmlns:thm15="http://schemas.microsoft.com/office/thememl/2012/main" name="Office Theme" id="{62F939B6-93AF-4DB8-9C6B-D6C7DFDC589F}" vid="{4A3C46E8-61CC-4603-A589-7422A47A8E4A}"/>
     </a:ext>
   </a:extLst>
 </a:theme>
@@ -14735,7 +13732,7 @@
     </a:clrScheme>
     <a:fontScheme name="Office">
       <a:majorFont>
-        <a:latin typeface="Calibri Light" panose="020F0302020204030204"/>
+        <a:latin typeface="Calibri Light"/>
         <a:ea typeface=""/>
         <a:cs typeface=""/>
         <a:font script="Jpan" typeface="游ゴシック Light"/>
@@ -14768,26 +13765,9 @@
         <a:font script="Viet" typeface="Times New Roman"/>
         <a:font script="Uigh" typeface="Microsoft Uighur"/>
         <a:font script="Geor" typeface="Sylfaen"/>
-        <a:font script="Armn" typeface="Arial"/>
-        <a:font script="Bugi" typeface="Leelawadee UI"/>
-        <a:font script="Bopo" typeface="Microsoft JhengHei"/>
-        <a:font script="Java" typeface="Javanese Text"/>
-        <a:font script="Lisu" typeface="Segoe UI"/>
-        <a:font script="Mymr" typeface="Myanmar Text"/>
-        <a:font script="Nkoo" typeface="Ebrima"/>
-        <a:font script="Olck" typeface="Nirmala UI"/>
-        <a:font script="Osma" typeface="Ebrima"/>
-        <a:font script="Phag" typeface="Phagspa"/>
-        <a:font script="Syrn" typeface="Estrangelo Edessa"/>
-        <a:font script="Syrj" typeface="Estrangelo Edessa"/>
-        <a:font script="Syre" typeface="Estrangelo Edessa"/>
-        <a:font script="Sora" typeface="Nirmala UI"/>
-        <a:font script="Tale" typeface="Microsoft Tai Le"/>
-        <a:font script="Talu" typeface="Microsoft New Tai Lue"/>
-        <a:font script="Tfng" typeface="Ebrima"/>
       </a:majorFont>
       <a:minorFont>
-        <a:latin typeface="Calibri" panose="020F0502020204030204"/>
+        <a:latin typeface="Calibri"/>
         <a:ea typeface=""/>
         <a:cs typeface=""/>
         <a:font script="Jpan" typeface="游ゴシック"/>
@@ -14820,23 +13800,6 @@
         <a:font script="Viet" typeface="Arial"/>
         <a:font script="Uigh" typeface="Microsoft Uighur"/>
         <a:font script="Geor" typeface="Sylfaen"/>
-        <a:font script="Armn" typeface="Arial"/>
-        <a:font script="Bugi" typeface="Leelawadee UI"/>
-        <a:font script="Bopo" typeface="Microsoft JhengHei"/>
-        <a:font script="Java" typeface="Javanese Text"/>
-        <a:font script="Lisu" typeface="Segoe UI"/>
-        <a:font script="Mymr" typeface="Myanmar Text"/>
-        <a:font script="Nkoo" typeface="Ebrima"/>
-        <a:font script="Olck" typeface="Nirmala UI"/>
-        <a:font script="Osma" typeface="Ebrima"/>
-        <a:font script="Phag" typeface="Phagspa"/>
-        <a:font script="Syrn" typeface="Estrangelo Edessa"/>
-        <a:font script="Syrj" typeface="Estrangelo Edessa"/>
-        <a:font script="Syre" typeface="Estrangelo Edessa"/>
-        <a:font script="Sora" typeface="Nirmala UI"/>
-        <a:font script="Tale" typeface="Microsoft Tai Le"/>
-        <a:font script="Talu" typeface="Microsoft New Tai Lue"/>
-        <a:font script="Tfng" typeface="Ebrima"/>
       </a:minorFont>
     </a:fontScheme>
     <a:fmtScheme name="Office">
@@ -14977,8 +13940,6 @@
       </a:bgFillStyleLst>
     </a:fmtScheme>
   </a:themeElements>
-  <a:objectDefaults/>
-  <a:extraClrSchemeLst/>
   <a:extLst>
     <a:ext uri="{05A4C25C-085E-4340-85A3-A5531E510DB2}">
       <thm15:themeFamily xmlns:thm15="http://schemas.microsoft.com/office/thememl/2012/main" name="Office Theme" id="{62F939B6-93AF-4DB8-9C6B-D6C7DFDC589F}" vid="{4A3C46E8-61CC-4603-A589-7422A47A8E4A}"/>
@@ -15030,7 +13991,7 @@
     </a:clrScheme>
     <a:fontScheme name="Office">
       <a:majorFont>
-        <a:latin typeface="Calibri Light" panose="020F0302020204030204"/>
+        <a:latin typeface="Calibri Light"/>
         <a:ea typeface=""/>
         <a:cs typeface=""/>
         <a:font script="Jpan" typeface="游ゴシック Light"/>
@@ -15063,26 +14024,9 @@
         <a:font script="Viet" typeface="Times New Roman"/>
         <a:font script="Uigh" typeface="Microsoft Uighur"/>
         <a:font script="Geor" typeface="Sylfaen"/>
-        <a:font script="Armn" typeface="Arial"/>
-        <a:font script="Bugi" typeface="Leelawadee UI"/>
-        <a:font script="Bopo" typeface="Microsoft JhengHei"/>
-        <a:font script="Java" typeface="Javanese Text"/>
-        <a:font script="Lisu" typeface="Segoe UI"/>
-        <a:font script="Mymr" typeface="Myanmar Text"/>
-        <a:font script="Nkoo" typeface="Ebrima"/>
-        <a:font script="Olck" typeface="Nirmala UI"/>
-        <a:font script="Osma" typeface="Ebrima"/>
-        <a:font script="Phag" typeface="Phagspa"/>
-        <a:font script="Syrn" typeface="Estrangelo Edessa"/>
-        <a:font script="Syrj" typeface="Estrangelo Edessa"/>
-        <a:font script="Syre" typeface="Estrangelo Edessa"/>
-        <a:font script="Sora" typeface="Nirmala UI"/>
-        <a:font script="Tale" typeface="Microsoft Tai Le"/>
-        <a:font script="Talu" typeface="Microsoft New Tai Lue"/>
-        <a:font script="Tfng" typeface="Ebrima"/>
       </a:majorFont>
       <a:minorFont>
-        <a:latin typeface="Calibri" panose="020F0502020204030204"/>
+        <a:latin typeface="Calibri"/>
         <a:ea typeface=""/>
         <a:cs typeface=""/>
         <a:font script="Jpan" typeface="游ゴシック"/>
@@ -15115,23 +14059,6 @@
         <a:font script="Viet" typeface="Arial"/>
         <a:font script="Uigh" typeface="Microsoft Uighur"/>
         <a:font script="Geor" typeface="Sylfaen"/>
-        <a:font script="Armn" typeface="Arial"/>
-        <a:font script="Bugi" typeface="Leelawadee UI"/>
-        <a:font script="Bopo" typeface="Microsoft JhengHei"/>
-        <a:font script="Java" typeface="Javanese Text"/>
-        <a:font script="Lisu" typeface="Segoe UI"/>
-        <a:font script="Mymr" typeface="Myanmar Text"/>
-        <a:font script="Nkoo" typeface="Ebrima"/>
-        <a:font script="Olck" typeface="Nirmala UI"/>
-        <a:font script="Osma" typeface="Ebrima"/>
-        <a:font script="Phag" typeface="Phagspa"/>
-        <a:font script="Syrn" typeface="Estrangelo Edessa"/>
-        <a:font script="Syrj" typeface="Estrangelo Edessa"/>
-        <a:font script="Syre" typeface="Estrangelo Edessa"/>
-        <a:font script="Sora" typeface="Nirmala UI"/>
-        <a:font script="Tale" typeface="Microsoft Tai Le"/>
-        <a:font script="Talu" typeface="Microsoft New Tai Lue"/>
-        <a:font script="Tfng" typeface="Ebrima"/>
       </a:minorFont>
     </a:fontScheme>
     <a:fmtScheme name="Office">
@@ -15272,8 +14199,6 @@
       </a:bgFillStyleLst>
     </a:fmtScheme>
   </a:themeElements>
-  <a:objectDefaults/>
-  <a:extraClrSchemeLst/>
   <a:extLst>
     <a:ext uri="{05A4C25C-085E-4340-85A3-A5531E510DB2}">
       <thm15:themeFamily xmlns:thm15="http://schemas.microsoft.com/office/thememl/2012/main" name="Office Theme" id="{62F939B6-93AF-4DB8-9C6B-D6C7DFDC589F}" vid="{4A3C46E8-61CC-4603-A589-7422A47A8E4A}"/>
@@ -15282,285 +14207,463 @@
 </a:theme>
 </file>
 
-<file path=customXml/item1.xml><?xml version="1.0" encoding="utf-8"?>
-<ct:contentTypeSchema xmlns:ct="http://schemas.microsoft.com/office/2006/metadata/contentType" xmlns:ma="http://schemas.microsoft.com/office/2006/metadata/properties/metaAttributes" ct:_="" ma:_="" ma:contentTypeName="Document" ma:contentTypeID="0x01010079F111ED35F8CC479449609E8A0923A6" ma:contentTypeVersion="12" ma:contentTypeDescription="Create a new document." ma:contentTypeScope="" ma:versionID="b385d60f68dd989dca1fdc827799d853">
-  <xsd:schema xmlns:xsd="http://www.w3.org/2001/XMLSchema" xmlns:xs="http://www.w3.org/2001/XMLSchema" xmlns:p="http://schemas.microsoft.com/office/2006/metadata/properties" xmlns:ns2="71af3243-3dd4-4a8d-8c0d-dd76da1f02a5" xmlns:ns3="16c05727-aa75-4e4a-9b5f-8a80a1165891" targetNamespace="http://schemas.microsoft.com/office/2006/metadata/properties" ma:root="true" ma:fieldsID="1911b479caf7b199da365455750e4572" ns2:_="" ns3:_="">
-    <xsd:import namespace="71af3243-3dd4-4a8d-8c0d-dd76da1f02a5"/>
-    <xsd:import namespace="16c05727-aa75-4e4a-9b5f-8a80a1165891"/>
-    <xsd:element name="properties">
-      <xsd:complexType>
-        <xsd:sequence>
-          <xsd:element name="documentManagement">
-            <xsd:complexType>
-              <xsd:all>
-                <xsd:element ref="ns2:MediaServiceMetadata" minOccurs="0"/>
-                <xsd:element ref="ns2:MediaServiceFastMetadata" minOccurs="0"/>
-                <xsd:element ref="ns2:MediaServiceOCR" minOccurs="0"/>
-                <xsd:element ref="ns2:MediaServiceAutoTags" minOccurs="0"/>
-                <xsd:element ref="ns2:MediaServiceEventHashCode" minOccurs="0"/>
-                <xsd:element ref="ns2:MediaServiceGenerationTime" minOccurs="0"/>
-                <xsd:element ref="ns3:SharedWithUsers" minOccurs="0"/>
-                <xsd:element ref="ns3:SharedWithDetails" minOccurs="0"/>
-                <xsd:element ref="ns2:MediaServiceAutoKeyPoints" minOccurs="0"/>
-                <xsd:element ref="ns2:MediaServiceKeyPoints" minOccurs="0"/>
-                <xsd:element ref="ns2:MediaServiceDateTaken" minOccurs="0"/>
-                <xsd:element ref="ns2:Status" minOccurs="0"/>
-              </xsd:all>
-            </xsd:complexType>
-          </xsd:element>
-        </xsd:sequence>
-      </xsd:complexType>
-    </xsd:element>
-  </xsd:schema>
-  <xsd:schema xmlns:xsd="http://www.w3.org/2001/XMLSchema" xmlns:xs="http://www.w3.org/2001/XMLSchema" xmlns:dms="http://schemas.microsoft.com/office/2006/documentManagement/types" xmlns:pc="http://schemas.microsoft.com/office/infopath/2007/PartnerControls" targetNamespace="71af3243-3dd4-4a8d-8c0d-dd76da1f02a5" elementFormDefault="qualified">
-    <xsd:import namespace="http://schemas.microsoft.com/office/2006/documentManagement/types"/>
-    <xsd:import namespace="http://schemas.microsoft.com/office/infopath/2007/PartnerControls"/>
-    <xsd:element name="MediaServiceMetadata" ma:index="8" nillable="true" ma:displayName="MediaServiceMetadata" ma:hidden="true" ma:internalName="MediaServiceMetadata" ma:readOnly="true">
-      <xsd:simpleType>
-        <xsd:restriction base="dms:Note"/>
-      </xsd:simpleType>
-    </xsd:element>
-    <xsd:element name="MediaServiceFastMetadata" ma:index="9" nillable="true" ma:displayName="MediaServiceFastMetadata" ma:hidden="true" ma:internalName="MediaServiceFastMetadata" ma:readOnly="true">
-      <xsd:simpleType>
-        <xsd:restriction base="dms:Note"/>
-      </xsd:simpleType>
-    </xsd:element>
-    <xsd:element name="MediaServiceOCR" ma:index="10" nillable="true" ma:displayName="MediaServiceOCR" ma:internalName="MediaServiceOCR" ma:readOnly="true">
-      <xsd:simpleType>
-        <xsd:restriction base="dms:Note">
-          <xsd:maxLength value="255"/>
-        </xsd:restriction>
-      </xsd:simpleType>
-    </xsd:element>
-    <xsd:element name="MediaServiceAutoTags" ma:index="11" nillable="true" ma:displayName="MediaServiceAutoTags" ma:internalName="MediaServiceAutoTags" ma:readOnly="true">
-      <xsd:simpleType>
-        <xsd:restriction base="dms:Text"/>
-      </xsd:simpleType>
-    </xsd:element>
-    <xsd:element name="MediaServiceEventHashCode" ma:index="12" nillable="true" ma:displayName="MediaServiceEventHashCode" ma:hidden="true" ma:internalName="MediaServiceEventHashCode" ma:readOnly="true">
-      <xsd:simpleType>
-        <xsd:restriction base="dms:Text"/>
-      </xsd:simpleType>
-    </xsd:element>
-    <xsd:element name="MediaServiceGenerationTime" ma:index="13" nillable="true" ma:displayName="MediaServiceGenerationTime" ma:hidden="true" ma:internalName="MediaServiceGenerationTime" ma:readOnly="true">
-      <xsd:simpleType>
-        <xsd:restriction base="dms:Text"/>
-      </xsd:simpleType>
-    </xsd:element>
-    <xsd:element name="MediaServiceAutoKeyPoints" ma:index="16" nillable="true" ma:displayName="MediaServiceAutoKeyPoints" ma:hidden="true" ma:internalName="MediaServiceAutoKeyPoints" ma:readOnly="true">
-      <xsd:simpleType>
-        <xsd:restriction base="dms:Note"/>
-      </xsd:simpleType>
-    </xsd:element>
-    <xsd:element name="MediaServiceKeyPoints" ma:index="17" nillable="true" ma:displayName="KeyPoints" ma:internalName="MediaServiceKeyPoints" ma:readOnly="false">
-      <xsd:simpleType>
-        <xsd:restriction base="dms:Note">
-          <xsd:maxLength value="255"/>
-        </xsd:restriction>
-      </xsd:simpleType>
-    </xsd:element>
-    <xsd:element name="MediaServiceDateTaken" ma:index="18" nillable="true" ma:displayName="MediaServiceDateTaken" ma:hidden="true" ma:internalName="MediaServiceDateTaken" ma:readOnly="true">
-      <xsd:simpleType>
-        <xsd:restriction base="dms:Text"/>
-      </xsd:simpleType>
-    </xsd:element>
-    <xsd:element name="Status" ma:index="19" nillable="true" ma:displayName="Status" ma:default="Not started" ma:format="Dropdown" ma:internalName="Status">
-      <xsd:simpleType>
-        <xsd:restriction base="dms:Choice">
-          <xsd:enumeration value="Not started"/>
-          <xsd:enumeration value="In Progress"/>
-          <xsd:enumeration value="Completed"/>
-        </xsd:restriction>
-      </xsd:simpleType>
-    </xsd:element>
-  </xsd:schema>
-  <xsd:schema xmlns:xsd="http://www.w3.org/2001/XMLSchema" xmlns:xs="http://www.w3.org/2001/XMLSchema" xmlns:dms="http://schemas.microsoft.com/office/2006/documentManagement/types" xmlns:pc="http://schemas.microsoft.com/office/infopath/2007/PartnerControls" targetNamespace="16c05727-aa75-4e4a-9b5f-8a80a1165891" elementFormDefault="qualified">
-    <xsd:import namespace="http://schemas.microsoft.com/office/2006/documentManagement/types"/>
-    <xsd:import namespace="http://schemas.microsoft.com/office/infopath/2007/PartnerControls"/>
-    <xsd:element name="SharedWithUsers" ma:index="14" nillable="true" ma:displayName="Shared With" ma:internalName="SharedWithUsers" ma:readOnly="true">
-      <xsd:complexType>
-        <xsd:complexContent>
-          <xsd:extension base="dms:UserMulti">
-            <xsd:sequence>
-              <xsd:element name="UserInfo" minOccurs="0" maxOccurs="unbounded">
-                <xsd:complexType>
-                  <xsd:sequence>
-                    <xsd:element name="DisplayName" type="xsd:string" minOccurs="0"/>
-                    <xsd:element name="AccountId" type="dms:UserId" minOccurs="0" nillable="true"/>
-                    <xsd:element name="AccountType" type="xsd:string" minOccurs="0"/>
-                  </xsd:sequence>
-                </xsd:complexType>
-              </xsd:element>
-            </xsd:sequence>
-          </xsd:extension>
-        </xsd:complexContent>
-      </xsd:complexType>
-    </xsd:element>
-    <xsd:element name="SharedWithDetails" ma:index="15" nillable="true" ma:displayName="Shared With Details" ma:internalName="SharedWithDetails" ma:readOnly="true">
-      <xsd:simpleType>
-        <xsd:restriction base="dms:Note">
-          <xsd:maxLength value="255"/>
-        </xsd:restriction>
-      </xsd:simpleType>
-    </xsd:element>
-  </xsd:schema>
-  <xsd:schema xmlns="http://schemas.openxmlformats.org/package/2006/metadata/core-properties" xmlns:xsd="http://www.w3.org/2001/XMLSchema" xmlns:xsi="http://www.w3.org/2001/XMLSchema-instance" xmlns:dc="http://purl.org/dc/elements/1.1/" xmlns:dcterms="http://purl.org/dc/terms/" xmlns:odoc="http://schemas.microsoft.com/internal/obd" targetNamespace="http://schemas.openxmlformats.org/package/2006/metadata/core-properties" elementFormDefault="qualified" attributeFormDefault="unqualified" blockDefault="#all">
-    <xsd:import namespace="http://purl.org/dc/elements/1.1/" schemaLocation="http://dublincore.org/schemas/xmls/qdc/2003/04/02/dc.xsd"/>
-    <xsd:import namespace="http://purl.org/dc/terms/" schemaLocation="http://dublincore.org/schemas/xmls/qdc/2003/04/02/dcterms.xsd"/>
-    <xsd:element name="coreProperties" type="CT_coreProperties"/>
-    <xsd:complexType name="CT_coreProperties">
-      <xsd:all>
-        <xsd:element ref="dc:creator" minOccurs="0" maxOccurs="1"/>
-        <xsd:element ref="dcterms:created" minOccurs="0" maxOccurs="1"/>
-        <xsd:element ref="dc:identifier" minOccurs="0" maxOccurs="1"/>
-        <xsd:element name="contentType" minOccurs="0" maxOccurs="1" type="xsd:string" ma:index="0" ma:displayName="Content Type"/>
-        <xsd:element ref="dc:title" minOccurs="0" maxOccurs="1" ma:index="4" ma:displayName="Title"/>
-        <xsd:element ref="dc:subject" minOccurs="0" maxOccurs="1"/>
-        <xsd:element ref="dc:description" minOccurs="0" maxOccurs="1"/>
-        <xsd:element name="keywords" minOccurs="0" maxOccurs="1" type="xsd:string"/>
-        <xsd:element ref="dc:language" minOccurs="0" maxOccurs="1"/>
-        <xsd:element name="category" minOccurs="0" maxOccurs="1" type="xsd:string"/>
-        <xsd:element name="version" minOccurs="0" maxOccurs="1" type="xsd:string"/>
-        <xsd:element name="revision" minOccurs="0" maxOccurs="1" type="xsd:string">
-          <xsd:annotation>
-            <xsd:documentation>
-                        This value indicates the number of saves or revisions. The application is responsible for updating this value after each revision.
-                    </xsd:documentation>
-          </xsd:annotation>
-        </xsd:element>
-        <xsd:element name="lastModifiedBy" minOccurs="0" maxOccurs="1" type="xsd:string"/>
-        <xsd:element ref="dcterms:modified" minOccurs="0" maxOccurs="1"/>
-        <xsd:element name="contentStatus" minOccurs="0" maxOccurs="1" type="xsd:string"/>
-      </xsd:all>
-    </xsd:complexType>
-  </xsd:schema>
-  <xs:schema xmlns:pc="http://schemas.microsoft.com/office/infopath/2007/PartnerControls" xmlns:xs="http://www.w3.org/2001/XMLSchema" targetNamespace="http://schemas.microsoft.com/office/infopath/2007/PartnerControls" elementFormDefault="qualified" attributeFormDefault="unqualified">
-    <xs:element name="Person">
-      <xs:complexType>
-        <xs:sequence>
-          <xs:element ref="pc:DisplayName" minOccurs="0"/>
-          <xs:element ref="pc:AccountId" minOccurs="0"/>
-          <xs:element ref="pc:AccountType" minOccurs="0"/>
-        </xs:sequence>
-      </xs:complexType>
-    </xs:element>
-    <xs:element name="DisplayName" type="xs:string"/>
-    <xs:element name="AccountId" type="xs:string"/>
-    <xs:element name="AccountType" type="xs:string"/>
-    <xs:element name="BDCAssociatedEntity">
-      <xs:complexType>
-        <xs:sequence>
-          <xs:element ref="pc:BDCEntity" minOccurs="0" maxOccurs="unbounded"/>
-        </xs:sequence>
-        <xs:attribute ref="pc:EntityNamespace"/>
-        <xs:attribute ref="pc:EntityName"/>
-        <xs:attribute ref="pc:SystemInstanceName"/>
-        <xs:attribute ref="pc:AssociationName"/>
-      </xs:complexType>
-    </xs:element>
-    <xs:attribute name="EntityNamespace" type="xs:string"/>
-    <xs:attribute name="EntityName" type="xs:string"/>
-    <xs:attribute name="SystemInstanceName" type="xs:string"/>
-    <xs:attribute name="AssociationName" type="xs:string"/>
-    <xs:element name="BDCEntity">
-      <xs:complexType>
-        <xs:sequence>
-          <xs:element ref="pc:EntityDisplayName" minOccurs="0"/>
-          <xs:element ref="pc:EntityInstanceReference" minOccurs="0"/>
-          <xs:element ref="pc:EntityId1" minOccurs="0"/>
-          <xs:element ref="pc:EntityId2" minOccurs="0"/>
-          <xs:element ref="pc:EntityId3" minOccurs="0"/>
-          <xs:element ref="pc:EntityId4" minOccurs="0"/>
-          <xs:element ref="pc:EntityId5" minOccurs="0"/>
-        </xs:sequence>
-      </xs:complexType>
-    </xs:element>
-    <xs:element name="EntityDisplayName" type="xs:string"/>
-    <xs:element name="EntityInstanceReference" type="xs:string"/>
-    <xs:element name="EntityId1" type="xs:string"/>
-    <xs:element name="EntityId2" type="xs:string"/>
-    <xs:element name="EntityId3" type="xs:string"/>
-    <xs:element name="EntityId4" type="xs:string"/>
-    <xs:element name="EntityId5" type="xs:string"/>
-    <xs:element name="Terms">
-      <xs:complexType>
-        <xs:sequence>
-          <xs:element ref="pc:TermInfo" minOccurs="0" maxOccurs="unbounded"/>
-        </xs:sequence>
-      </xs:complexType>
-    </xs:element>
-    <xs:element name="TermInfo">
-      <xs:complexType>
-        <xs:sequence>
-          <xs:element ref="pc:TermName" minOccurs="0"/>
-          <xs:element ref="pc:TermId" minOccurs="0"/>
-        </xs:sequence>
-      </xs:complexType>
-    </xs:element>
-    <xs:element name="TermName" type="xs:string"/>
-    <xs:element name="TermId" type="xs:string"/>
-  </xs:schema>
-</ct:contentTypeSchema>
+<file path=customXml/item1.xml>��< ? x m l   v e r s i o n = " 1 . 0 " ? > < c t : c o n t e n t T y p e S c h e m a   c t : _ = " "   m a : _ = " "   m a : c o n t e n t T y p e N a m e = " D o c u m e n t "   m a : c o n t e n t T y p e I D = " 0 x 0 1 0 1 0 0 7 9 F 1 1 1 E D 3 5 F 8 C C 4 7 9 4 4 9 6 0 9 E 8 A 0 9 2 3 A 6 "   m a : c o n t e n t T y p e V e r s i o n = " 1 2 "   m a : c o n t e n t T y p e D e s c r i p t i o n = " C r e a t e   a   n e w   d o c u m e n t . "   m a : c o n t e n t T y p e S c o p e = " "   m a : v e r s i o n I D = " b 3 8 5 d 6 0 f 6 8 d d 9 8 9 d c a 1 f d c 8 2 7 7 9 9 d 8 5 3 "   x m l n s : c t = " h t t p : / / s c h e m a s . m i c r o s o f t . c o m / o f f i c e / 2 0 0 6 / m e t a d a t a / c o n t e n t T y p e "   x m l n s : m a = " h t t p : / / s c h e m a s . m i c r o s o f t . c o m / o f f i c e / 2 0 0 6 / m e t a d a t a / p r o p e r t i e s / m e t a A t t r i b u t e s " > + 
+ < x s d : s c h e m a   t a r g e t N a m e s p a c e = " h t t p : / / s c h e m a s . m i c r o s o f t . c o m / o f f i c e / 2 0 0 6 / m e t a d a t a / p r o p e r t i e s "   m a : r o o t = " t r u e "   m a : f i e l d s I D = " 1 9 1 1 b 4 7 9 c a f 7 b 1 9 9 d a 3 6 5 4 5 5 7 5 0 e 4 5 7 2 "   n s 2 : _ = " "   n s 3 : _ = " "   x m l n s : x s d = " h t t p : / / w w w . w 3 . o r g / 2 0 0 1 / X M L S c h e m a "   x m l n s : x s = " h t t p : / / w w w . w 3 . o r g / 2 0 0 1 / X M L S c h e m a "   x m l n s : p = " h t t p : / / s c h e m a s . m i c r o s o f t . c o m / o f f i c e / 2 0 0 6 / m e t a d a t a / p r o p e r t i e s "   x m l n s : n s 2 = " 7 1 a f 3 2 4 3 - 3 d d 4 - 4 a 8 d - 8 c 0 d - d d 7 6 d a 1 f 0 2 a 5 "   x m l n s : n s 3 = " 1 6 c 0 5 7 2 7 - a a 7 5 - 4 e 4 a - 9 b 5 f - 8 a 8 0 a 1 1 6 5 8 9 1 " > + 
+ < x s d : i m p o r t   n a m e s p a c e = " 7 1 a f 3 2 4 3 - 3 d d 4 - 4 a 8 d - 8 c 0 d - d d 7 6 d a 1 f 0 2 a 5 " / > + 
+ < x s d : i m p o r t   n a m e s p a c e = " 1 6 c 0 5 7 2 7 - a a 7 5 - 4 e 4 a - 9 b 5 f - 8 a 8 0 a 1 1 6 5 8 9 1 " / > + 
+ < x s d : e l e m e n t   n a m e = " p r o p e r t i e s " > + 
+ < x s d : c o m p l e x T y p e > + 
+ < x s d : s e q u e n c e > + 
+ < x s d : e l e m e n t   n a m e = " d o c u m e n t M a n a g e m e n t " > + 
+ < x s d : c o m p l e x T y p e > + 
+ < x s d : a l l > + 
+ < x s d : e l e m e n t   r e f = " n s 2 : M e d i a S e r v i c e M e t a d a t a "   m i n O c c u r s = " 0 " / > + 
+ < x s d : e l e m e n t   r e f = " n s 2 : M e d i a S e r v i c e F a s t M e t a d a t a "   m i n O c c u r s = " 0 " / > + 
+ < x s d : e l e m e n t   r e f = " n s 2 : M e d i a S e r v i c e O C R "   m i n O c c u r s = " 0 " / > + 
+ < x s d : e l e m e n t   r e f = " n s 2 : M e d i a S e r v i c e A u t o T a g s "   m i n O c c u r s = " 0 " / > + 
+ < x s d : e l e m e n t   r e f = " n s 2 : M e d i a S e r v i c e E v e n t H a s h C o d e "   m i n O c c u r s = " 0 " / > + 
+ < x s d : e l e m e n t   r e f = " n s 2 : M e d i a S e r v i c e G e n e r a t i o n T i m e "   m i n O c c u r s = " 0 " / > + 
+ < x s d : e l e m e n t   r e f = " n s 3 : S h a r e d W i t h U s e r s "   m i n O c c u r s = " 0 " / > + 
+ < x s d : e l e m e n t   r e f = " n s 3 : S h a r e d W i t h D e t a i l s "   m i n O c c u r s = " 0 " / > + 
+ < x s d : e l e m e n t   r e f = " n s 2 : M e d i a S e r v i c e A u t o K e y P o i n t s "   m i n O c c u r s = " 0 " / > + 
+ < x s d : e l e m e n t   r e f = " n s 2 : M e d i a S e r v i c e K e y P o i n t s "   m i n O c c u r s = " 0 " / > + 
+ < x s d : e l e m e n t   r e f = " n s 2 : M e d i a S e r v i c e D a t e T a k e n "   m i n O c c u r s = " 0 " / > + 
+ < x s d : e l e m e n t   r e f = " n s 2 : S t a t u s "   m i n O c c u r s = " 0 " / > + 
+ < / x s d : a l l > + 
+ < / x s d : c o m p l e x T y p e > + 
+ < / x s d : e l e m e n t > + 
+ < / x s d : s e q u e n c e > + 
+ < / x s d : c o m p l e x T y p e > + 
+ < / x s d : e l e m e n t > + 
+ < / x s d : s c h e m a > + 
+ < x s d : s c h e m a   t a r g e t N a m e s p a c e = " 7 1 a f 3 2 4 3 - 3 d d 4 - 4 a 8 d - 8 c 0 d - d d 7 6 d a 1 f 0 2 a 5 "   e l e m e n t F o r m D e f a u l t = " q u a l i f i e d "   x m l n s : x s d = " h t t p : / / w w w . w 3 . o r g / 2 0 0 1 / X M L S c h e m a "   x m l n s : x s = " h t t p : / / w w w . w 3 . o r g / 2 0 0 1 / X M L S c h e m a "   x m l n s : d m s = " h t t p : / / s c h e m a s . m i c r o s o f t . c o m / o f f i c e / 2 0 0 6 / d o c u m e n t M a n a g e m e n t / t y p e s "   x m l n s : p c = " h t t p : / / s c h e m a s . m i c r o s o f t . c o m / o f f i c e / i n f o p a t h / 2 0 0 7 / P a r t n e r C o n t r o l s " > + 
+ < x s d : i m p o r t   n a m e s p a c e = " h t t p : / / s c h e m a s . m i c r o s o f t . c o m / o f f i c e / 2 0 0 6 / d o c u m e n t M a n a g e m e n t / t y p e s " / > + 
+ < x s d : i m p o r t   n a m e s p a c e = " h t t p : / / s c h e m a s . m i c r o s o f t . c o m / o f f i c e / i n f o p a t h / 2 0 0 7 / P a r t n e r C o n t r o l s " / > + 
+ < x s d : e l e m e n t   n a m e = " M e d i a S e r v i c e M e t a d a t a "   m a : i n d e x = " 8 "   n i l l a b l e = " t r u e "   m a : d i s p l a y N a m e = " M e d i a S e r v i c e M e t a d a t a "   m a : h i d d e n = " t r u e "   m a : i n t e r n a l N a m e = " M e d i a S e r v i c e M e t a d a t a "   m a : r e a d O n l y = " t r u e " > + 
+ < x s d : s i m p l e T y p e > + 
+ < x s d : r e s t r i c t i o n   b a s e = " d m s : N o t e " / > + 
+ < / x s d : s i m p l e T y p e > + 
+ < / x s d : e l e m e n t > + 
+ < x s d : e l e m e n t   n a m e = " M e d i a S e r v i c e F a s t M e t a d a t a "   m a : i n d e x = " 9 "   n i l l a b l e = " t r u e "   m a : d i s p l a y N a m e = " M e d i a S e r v i c e F a s t M e t a d a t a "   m a : h i d d e n = " t r u e "   m a : i n t e r n a l N a m e = " M e d i a S e r v i c e F a s t M e t a d a t a "   m a : r e a d O n l y = " t r u e " > + 
+ < x s d : s i m p l e T y p e > + 
+ < x s d : r e s t r i c t i o n   b a s e = " d m s : N o t e " / > + 
+ < / x s d : s i m p l e T y p e > + 
+ < / x s d : e l e m e n t > + 
+ < x s d : e l e m e n t   n a m e = " M e d i a S e r v i c e O C R "   m a : i n d e x = " 1 0 "   n i l l a b l e = " t r u e "   m a : d i s p l a y N a m e = " M e d i a S e r v i c e O C R "   m a : i n t e r n a l N a m e = " M e d i a S e r v i c e O C R "   m a : r e a d O n l y = " t r u e " > + 
+ < x s d : s i m p l e T y p e > + 
+ < x s d : r e s t r i c t i o n   b a s e = " d m s : N o t e " > + 
+ < x s d : m a x L e n g t h   v a l u e = " 2 5 5 " / > + 
+ < / x s d : r e s t r i c t i o n > + 
+ < / x s d : s i m p l e T y p e > + 
+ < / x s d : e l e m e n t > + 
+ < x s d : e l e m e n t   n a m e = " M e d i a S e r v i c e A u t o T a g s "   m a : i n d e x = " 1 1 "   n i l l a b l e = " t r u e "   m a : d i s p l a y N a m e = " M e d i a S e r v i c e A u t o T a g s "   m a : i n t e r n a l N a m e = " M e d i a S e r v i c e A u t o T a g s "   m a : r e a d O n l y = " t r u e " > + 
+ < x s d : s i m p l e T y p e > + 
+ < x s d : r e s t r i c t i o n   b a s e = " d m s : T e x t " / > + 
+ < / x s d : s i m p l e T y p e > + 
+ < / x s d : e l e m e n t > + 
+ < x s d : e l e m e n t   n a m e = " M e d i a S e r v i c e E v e n t H a s h C o d e "   m a : i n d e x = " 1 2 "   n i l l a b l e = " t r u e "   m a : d i s p l a y N a m e = " M e d i a S e r v i c e E v e n t H a s h C o d e "   m a : h i d d e n = " t r u e "   m a : i n t e r n a l N a m e = " M e d i a S e r v i c e E v e n t H a s h C o d e "   m a : r e a d O n l y = " t r u e " > + 
+ < x s d : s i m p l e T y p e > + 
+ < x s d : r e s t r i c t i o n   b a s e = " d m s : T e x t " / > + 
+ < / x s d : s i m p l e T y p e > + 
+ < / x s d : e l e m e n t > + 
+ < x s d : e l e m e n t   n a m e = " M e d i a S e r v i c e G e n e r a t i o n T i m e "   m a : i n d e x = " 1 3 "   n i l l a b l e = " t r u e "   m a : d i s p l a y N a m e = " M e d i a S e r v i c e G e n e r a t i o n T i m e "   m a : h i d d e n = " t r u e "   m a : i n t e r n a l N a m e = " M e d i a S e r v i c e G e n e r a t i o n T i m e "   m a : r e a d O n l y = " t r u e " > + 
+ < x s d : s i m p l e T y p e > + 
+ < x s d : r e s t r i c t i o n   b a s e = " d m s : T e x t " / > + 
+ < / x s d : s i m p l e T y p e > + 
+ < / x s d : e l e m e n t > + 
+ < x s d : e l e m e n t   n a m e = " M e d i a S e r v i c e A u t o K e y P o i n t s "   m a : i n d e x = " 1 6 "   n i l l a b l e = " t r u e "   m a : d i s p l a y N a m e = " M e d i a S e r v i c e A u t o K e y P o i n t s "   m a : h i d d e n = " t r u e "   m a : i n t e r n a l N a m e = " M e d i a S e r v i c e A u t o K e y P o i n t s "   m a : r e a d O n l y = " t r u e " > + 
+ < x s d : s i m p l e T y p e > + 
+ < x s d : r e s t r i c t i o n   b a s e = " d m s : N o t e " / > + 
+ < / x s d : s i m p l e T y p e > + 
+ < / x s d : e l e m e n t > + 
+ < x s d : e l e m e n t   n a m e = " M e d i a S e r v i c e K e y P o i n t s "   m a : i n d e x = " 1 7 "   n i l l a b l e = " t r u e "   m a : d i s p l a y N a m e = " K e y P o i n t s "   m a : i n t e r n a l N a m e = " M e d i a S e r v i c e K e y P o i n t s "   m a : r e a d O n l y = " f a l s e " > + 
+ < x s d : s i m p l e T y p e > + 
+ < x s d : r e s t r i c t i o n   b a s e = " d m s : N o t e " > + 
+ < x s d : m a x L e n g t h   v a l u e = " 2 5 5 " / > + 
+ < / x s d : r e s t r i c t i o n > + 
+ < / x s d : s i m p l e T y p e > + 
+ < / x s d : e l e m e n t > + 
+ < x s d : e l e m e n t   n a m e = " M e d i a S e r v i c e D a t e T a k e n "   m a : i n d e x = " 1 8 "   n i l l a b l e = " t r u e "   m a : d i s p l a y N a m e = " M e d i a S e r v i c e D a t e T a k e n "   m a : h i d d e n = " t r u e "   m a : i n t e r n a l N a m e = " M e d i a S e r v i c e D a t e T a k e n "   m a : r e a d O n l y = " t r u e " > + 
+ < x s d : s i m p l e T y p e > + 
+ < x s d : r e s t r i c t i o n   b a s e = " d m s : T e x t " / > + 
+ < / x s d : s i m p l e T y p e > + 
+ < / x s d : e l e m e n t > + 
+ < x s d : e l e m e n t   n a m e = " S t a t u s "   m a : i n d e x = " 1 9 "   n i l l a b l e = " t r u e "   m a : d i s p l a y N a m e = " S t a t u s "   m a : d e f a u l t = " N o t   s t a r t e d "   m a : f o r m a t = " D r o p d o w n "   m a : i n t e r n a l N a m e = " S t a t u s " > + 
+ < x s d : s i m p l e T y p e > + 
+ < x s d : r e s t r i c t i o n   b a s e = " d m s : C h o i c e " > + 
+ < x s d : e n u m e r a t i o n   v a l u e = " N o t   s t a r t e d " / > + 
+ < x s d : e n u m e r a t i o n   v a l u e = " I n   P r o g r e s s " / > + 
+ < x s d : e n u m e r a t i o n   v a l u e = " C o m p l e t e d " / > + 
+ < / x s d : r e s t r i c t i o n > + 
+ < / x s d : s i m p l e T y p e > + 
+ < / x s d : e l e m e n t > + 
+ < / x s d : s c h e m a > + 
+ < x s d : s c h e m a   t a r g e t N a m e s p a c e = " 1 6 c 0 5 7 2 7 - a a 7 5 - 4 e 4 a - 9 b 5 f - 8 a 8 0 a 1 1 6 5 8 9 1 "   e l e m e n t F o r m D e f a u l t = " q u a l i f i e d "   x m l n s : x s d = " h t t p : / / w w w . w 3 . o r g / 2 0 0 1 / X M L S c h e m a "   x m l n s : x s = " h t t p : / / w w w . w 3 . o r g / 2 0 0 1 / X M L S c h e m a "   x m l n s : d m s = " h t t p : / / s c h e m a s . m i c r o s o f t . c o m / o f f i c e / 2 0 0 6 / d o c u m e n t M a n a g e m e n t / t y p e s "   x m l n s : p c = " h t t p : / / s c h e m a s . m i c r o s o f t . c o m / o f f i c e / i n f o p a t h / 2 0 0 7 / P a r t n e r C o n t r o l s " > + 
+ < x s d : i m p o r t   n a m e s p a c e = " h t t p : / / s c h e m a s . m i c r o s o f t . c o m / o f f i c e / 2 0 0 6 / d o c u m e n t M a n a g e m e n t / t y p e s " / > + 
+ < x s d : i m p o r t   n a m e s p a c e = " h t t p : / / s c h e m a s . m i c r o s o f t . c o m / o f f i c e / i n f o p a t h / 2 0 0 7 / P a r t n e r C o n t r o l s " / > + 
+ < x s d : e l e m e n t   n a m e = " S h a r e d W i t h U s e r s "   m a : i n d e x = " 1 4 "   n i l l a b l e = " t r u e "   m a : d i s p l a y N a m e = " S h a r e d   W i t h "   m a : i n t e r n a l N a m e = " S h a r e d W i t h U s e r s "   m a : r e a d O n l y = " t r u e " > + 
+ < x s d : c o m p l e x T y p e > + 
+ < x s d : c o m p l e x C o n t e n t > + 
+ < x s d : e x t e n s i o n   b a s e = " d m s : U s e r M u l t i " > + 
+ < x s d : s e q u e n c e > + 
+ < x s d : e l e m e n t   n a m e = " U s e r I n f o "   m i n O c c u r s = " 0 "   m a x O c c u r s = " u n b o u n d e d " > + 
+ < x s d : c o m p l e x T y p e > + 
+ < x s d : s e q u e n c e > + 
+ < x s d : e l e m e n t   n a m e = " D i s p l a y N a m e "   t y p e = " x s d : s t r i n g "   m i n O c c u r s = " 0 " / > + 
+ < x s d : e l e m e n t   n a m e = " A c c o u n t I d "   t y p e = " d m s : U s e r I d "   m i n O c c u r s = " 0 "   n i l l a b l e = " t r u e " / > + 
+ < x s d : e l e m e n t   n a m e = " A c c o u n t T y p e "   t y p e = " x s d : s t r i n g "   m i n O c c u r s = " 0 " / > + 
+ < / x s d : s e q u e n c e > + 
+ < / x s d : c o m p l e x T y p e > + 
+ < / x s d : e l e m e n t > + 
+ < / x s d : s e q u e n c e > + 
+ < / x s d : e x t e n s i o n > + 
+ < / x s d : c o m p l e x C o n t e n t > + 
+ < / x s d : c o m p l e x T y p e > + 
+ < / x s d : e l e m e n t > + 
+ < x s d : e l e m e n t   n a m e = " S h a r e d W i t h D e t a i l s "   m a : i n d e x = " 1 5 "   n i l l a b l e = " t r u e "   m a : d i s p l a y N a m e = " S h a r e d   W i t h   D e t a i l s "   m a : i n t e r n a l N a m e = " S h a r e d W i t h D e t a i l s "   m a : r e a d O n l y = " t r u e " > + 
+ < x s d : s i m p l e T y p e > + 
+ < x s d : r e s t r i c t i o n   b a s e = " d m s : N o t e " > + 
+ < x s d : m a x L e n g t h   v a l u e = " 2 5 5 " / > + 
+ < / x s d : r e s t r i c t i o n > + 
+ < / x s d : s i m p l e T y p e > + 
+ < / x s d : e l e m e n t > + 
+ < / x s d : s c h e m a > + 
+ < x s d : s c h e m a   t a r g e t N a m e s p a c e = " h t t p : / / s c h e m a s . o p e n x m l f o r m a t s . o r g / p a c k a g e / 2 0 0 6 / m e t a d a t a / c o r e - p r o p e r t i e s "   e l e m e n t F o r m D e f a u l t = " q u a l i f i e d "   a t t r i b u t e F o r m D e f a u l t = " u n q u a l i f i e d "   b l o c k D e f a u l t = " # a l l "   x m l n s = " h t t p : / / s c h e m a s . o p e n x m l f o r m a t s . o r g / p a c k a g e / 2 0 0 6 / m e t a d a t a / c o r e - p r o p e r t i e s "   x m l n s : x s d = " h t t p : / / w w w . w 3 . o r g / 2 0 0 1 / X M L S c h e m a "   x m l n s : x s i = " h t t p : / / w w w . w 3 . o r g / 2 0 0 1 / X M L S c h e m a - i n s t a n c e "   x m l n s : d c = " h t t p : / / p u r l . o r g / d c / e l e m e n t s / 1 . 1 / "   x m l n s : d c t e r m s = " h t t p : / / p u r l . o r g / d c / t e r m s / "   x m l n s : o d o c = " h t t p : / / s c h e m a s . m i c r o s o f t . c o m / i n t e r n a l / o b d " > + 
+ < x s d : i m p o r t   n a m e s p a c e = " h t t p : / / p u r l . o r g / d c / e l e m e n t s / 1 . 1 / "   s c h e m a L o c a t i o n = " h t t p : / / d u b l i n c o r e . o r g / s c h e m a s / x m l s / q d c / 2 0 0 3 / 0 4 / 0 2 / d c . x s d " / > + 
+ < x s d : i m p o r t   n a m e s p a c e = " h t t p : / / p u r l . o r g / d c / t e r m s / "   s c h e m a L o c a t i o n = " h t t p : / / d u b l i n c o r e . o r g / s c h e m a s / x m l s / q d c / 2 0 0 3 / 0 4 / 0 2 / d c t e r m s . x s d " / > + 
+ < x s d : e l e m e n t   n a m e = " c o r e P r o p e r t i e s "   t y p e = " C T _ c o r e P r o p e r t i e s " / > + 
+ < x s d : c o m p l e x T y p e   n a m e = " C T _ c o r e P r o p e r t i e s " > + 
+ < x s d : a l l > + 
+ < x s d : e l e m e n t   r e f = " d c : c r e a t o r "   m i n O c c u r s = " 0 "   m a x O c c u r s = " 1 " / > + 
+ < x s d : e l e m e n t   r e f = " d c t e r m s : c r e a t e d "   m i n O c c u r s = " 0 "   m a x O c c u r s = " 1 " / > + 
+ < x s d : e l e m e n t   r e f = " d c : i d e n t i f i e r "   m i n O c c u r s = " 0 "   m a x O c c u r s = " 1 " / > + 
+ < x s d : e l e m e n t   n a m e = " c o n t e n t T y p e "   m i n O c c u r s = " 0 "   m a x O c c u r s = " 1 "   t y p e = " x s d : s t r i n g "   m a : i n d e x = " 0 "   m a : d i s p l a y N a m e = " C o n t e n t   T y p e " / > + 
+ < x s d : e l e m e n t   r e f = " d c : t i t l e "   m i n O c c u r s = " 0 "   m a x O c c u r s = " 1 "   m a : i n d e x = " 4 "   m a : d i s p l a y N a m e = " T i t l e " / > + 
+ < x s d : e l e m e n t   r e f = " d c : s u b j e c t "   m i n O c c u r s = " 0 "   m a x O c c u r s = " 1 " / > + 
+ < x s d : e l e m e n t   r e f = " d c : d e s c r i p t i o n "   m i n O c c u r s = " 0 "   m a x O c c u r s = " 1 " / > + 
+ < x s d : e l e m e n t   n a m e = " k e y w o r d s "   m i n O c c u r s = " 0 "   m a x O c c u r s = " 1 "   t y p e = " x s d : s t r i n g " / > + 
+ < x s d : e l e m e n t   r e f = " d c : l a n g u a g e "   m i n O c c u r s = " 0 "   m a x O c c u r s = " 1 " / > + 
+ < x s d : e l e m e n t   n a m e = " c a t e g o r y "   m i n O c c u r s = " 0 "   m a x O c c u r s = " 1 "   t y p e = " x s d : s t r i n g " / > + 
+ < x s d : e l e m e n t   n a m e = " v e r s i o n "   m i n O c c u r s = " 0 "   m a x O c c u r s = " 1 "   t y p e = " x s d : s t r i n g " / > + 
+ < x s d : e l e m e n t   n a m e = " r e v i s i o n "   m i n O c c u r s = " 0 "   m a x O c c u r s = " 1 "   t y p e = " x s d : s t r i n g " > + 
+ < x s d : a n n o t a t i o n > + 
+ < x s d : d o c u m e n t a t i o n > + 
+                                                 T h i s   v a l u e   i n d i c a t e s   t h e   n u m b e r   o f   s a v e s   o r   r e v i s i o n s .   T h e   a p p l i c a t i o n   i s   r e s p o n s i b l e   f o r   u p d a t i n g   t h i s   v a l u e   a f t e r   e a c h   r e v i s i o n . + 
+                                         < / x s d : d o c u m e n t a t i o n > + 
+ < / x s d : a n n o t a t i o n > + 
+ < / x s d : e l e m e n t > + 
+ < x s d : e l e m e n t   n a m e = " l a s t M o d i f i e d B y "   m i n O c c u r s = " 0 "   m a x O c c u r s = " 1 "   t y p e = " x s d : s t r i n g " / > + 
+ < x s d : e l e m e n t   r e f = " d c t e r m s : m o d i f i e d "   m i n O c c u r s = " 0 "   m a x O c c u r s = " 1 " / > + 
+ < x s d : e l e m e n t   n a m e = " c o n t e n t S t a t u s "   m i n O c c u r s = " 0 "   m a x O c c u r s = " 1 "   t y p e = " x s d : s t r i n g " / > + 
+ < / x s d : a l l > + 
+ < / x s d : c o m p l e x T y p e > + 
+ < / x s d : s c h e m a > + 
+ < x s : s c h e m a   t a r g e t N a m e s p a c e = " h t t p : / / s c h e m a s . m i c r o s o f t . c o m / o f f i c e / i n f o p a t h / 2 0 0 7 / P a r t n e r C o n t r o l s "   e l e m e n t F o r m D e f a u l t = " q u a l i f i e d "   a t t r i b u t e F o r m D e f a u l t = " u n q u a l i f i e d "   x m l n s : p c = " h t t p : / / s c h e m a s . m i c r o s o f t . c o m / o f f i c e / i n f o p a t h / 2 0 0 7 / P a r t n e r C o n t r o l s "   x m l n s : x s = " h t t p : / / w w w . w 3 . o r g / 2 0 0 1 / X M L S c h e m a " > + 
+ < x s : e l e m e n t   n a m e = " P e r s o n " > + 
+ < x s : c o m p l e x T y p e > + 
+ < x s : s e q u e n c e > + 
+ < x s : e l e m e n t   r e f = " p c : D i s p l a y N a m e "   m i n O c c u r s = " 0 " > < / x s : e l e m e n t > + 
+ < x s : e l e m e n t   r e f = " p c : A c c o u n t I d "   m i n O c c u r s = " 0 " > < / x s : e l e m e n t > + 
+ < x s : e l e m e n t   r e f = " p c : A c c o u n t T y p e "   m i n O c c u r s = " 0 " > < / x s : e l e m e n t > + 
+ < / x s : s e q u e n c e > + 
+ < / x s : c o m p l e x T y p e > + 
+ < / x s : e l e m e n t > + 
+ < x s : e l e m e n t   n a m e = " D i s p l a y N a m e "   t y p e = " x s : s t r i n g " > < / x s : e l e m e n t > + 
+ < x s : e l e m e n t   n a m e = " A c c o u n t I d "   t y p e = " x s : s t r i n g " > < / x s : e l e m e n t > + 
+ < x s : e l e m e n t   n a m e = " A c c o u n t T y p e "   t y p e = " x s : s t r i n g " > < / x s : e l e m e n t > + 
+ < x s : e l e m e n t   n a m e = " B D C A s s o c i a t e d E n t i t y " > + 
+ < x s : c o m p l e x T y p e > + 
+ < x s : s e q u e n c e > + 
+ < x s : e l e m e n t   r e f = " p c : B D C E n t i t y "   m i n O c c u r s = " 0 "   m a x O c c u r s = " u n b o u n d e d " > < / x s : e l e m e n t > + 
+ < / x s : s e q u e n c e > + 
+ < x s : a t t r i b u t e   r e f = " p c : E n t i t y N a m e s p a c e " > < / x s : a t t r i b u t e > + 
+ < x s : a t t r i b u t e   r e f = " p c : E n t i t y N a m e " > < / x s : a t t r i b u t e > + 
+ < x s : a t t r i b u t e   r e f = " p c : S y s t e m I n s t a n c e N a m e " > < / x s : a t t r i b u t e > + 
+ < x s : a t t r i b u t e   r e f = " p c : A s s o c i a t i o n N a m e " > < / x s : a t t r i b u t e > + 
+ < / x s : c o m p l e x T y p e > + 
+ < / x s : e l e m e n t > + 
+ < x s : a t t r i b u t e   n a m e = " E n t i t y N a m e s p a c e "   t y p e = " x s : s t r i n g " > < / x s : a t t r i b u t e > + 
+ < x s : a t t r i b u t e   n a m e = " E n t i t y N a m e "   t y p e = " x s : s t r i n g " > < / x s : a t t r i b u t e > + 
+ < x s : a t t r i b u t e   n a m e = " S y s t e m I n s t a n c e N a m e "   t y p e = " x s : s t r i n g " > < / x s : a t t r i b u t e > + 
+ < x s : a t t r i b u t e   n a m e = " A s s o c i a t i o n N a m e "   t y p e = " x s : s t r i n g " > < / x s : a t t r i b u t e > + 
+ < x s : e l e m e n t   n a m e = " B D C E n t i t y " > + 
+ < x s : c o m p l e x T y p e > + 
+ < x s : s e q u e n c e > + 
+ < x s : e l e m e n t   r e f = " p c : E n t i t y D i s p l a y N a m e "   m i n O c c u r s = " 0 " > < / x s : e l e m e n t > + 
+ < x s : e l e m e n t   r e f = " p c : E n t i t y I n s t a n c e R e f e r e n c e "   m i n O c c u r s = " 0 " > < / x s : e l e m e n t > + 
+ < x s : e l e m e n t   r e f = " p c : E n t i t y I d 1 "   m i n O c c u r s = " 0 " > < / x s : e l e m e n t > + 
+ < x s : e l e m e n t   r e f = " p c : E n t i t y I d 2 "   m i n O c c u r s = " 0 " > < / x s : e l e m e n t > + 
+ < x s : e l e m e n t   r e f = " p c : E n t i t y I d 3 "   m i n O c c u r s = " 0 " > < / x s : e l e m e n t > + 
+ < x s : e l e m e n t   r e f = " p c : E n t i t y I d 4 "   m i n O c c u r s = " 0 " > < / x s : e l e m e n t > + 
+ < x s : e l e m e n t   r e f = " p c : E n t i t y I d 5 "   m i n O c c u r s = " 0 " > < / x s : e l e m e n t > + 
+ < / x s : s e q u e n c e > + 
+ < / x s : c o m p l e x T y p e > + 
+ < / x s : e l e m e n t > + 
+ < x s : e l e m e n t   n a m e = " E n t i t y D i s p l a y N a m e "   t y p e = " x s : s t r i n g " > < / x s : e l e m e n t > + 
+ < x s : e l e m e n t   n a m e = " E n t i t y I n s t a n c e R e f e r e n c e "   t y p e = " x s : s t r i n g " > < / x s : e l e m e n t > + 
+ < x s : e l e m e n t   n a m e = " E n t i t y I d 1 "   t y p e = " x s : s t r i n g " > < / x s : e l e m e n t > + 
+ < x s : e l e m e n t   n a m e = " E n t i t y I d 2 "   t y p e = " x s : s t r i n g " > < / x s : e l e m e n t > + 
+ < x s : e l e m e n t   n a m e = " E n t i t y I d 3 "   t y p e = " x s : s t r i n g " > < / x s : e l e m e n t > + 
+ < x s : e l e m e n t   n a m e = " E n t i t y I d 4 "   t y p e = " x s : s t r i n g " > < / x s : e l e m e n t > + 
+ < x s : e l e m e n t   n a m e = " E n t i t y I d 5 "   t y p e = " x s : s t r i n g " > < / x s : e l e m e n t > + 
+ < x s : e l e m e n t   n a m e = " T e r m s " > + 
+ < x s : c o m p l e x T y p e > + 
+ < x s : s e q u e n c e > + 
+ < x s : e l e m e n t   r e f = " p c : T e r m I n f o "   m i n O c c u r s = " 0 "   m a x O c c u r s = " u n b o u n d e d " > < / x s : e l e m e n t > + 
+ < / x s : s e q u e n c e > + 
+ < / x s : c o m p l e x T y p e > + 
+ < / x s : e l e m e n t > + 
+ < x s : e l e m e n t   n a m e = " T e r m I n f o " > + 
+ < x s : c o m p l e x T y p e > + 
+ < x s : s e q u e n c e > + 
+ < x s : e l e m e n t   r e f = " p c : T e r m N a m e "   m i n O c c u r s = " 0 " > < / x s : e l e m e n t > + 
+ < x s : e l e m e n t   r e f = " p c : T e r m I d "   m i n O c c u r s = " 0 " > < / x s : e l e m e n t > + 
+ < / x s : s e q u e n c e > + 
+ < / x s : c o m p l e x T y p e > + 
+ < / x s : e l e m e n t > + 
+ < x s : e l e m e n t   n a m e = " T e r m N a m e "   t y p e = " x s : s t r i n g " > < / x s : e l e m e n t > + 
+ < x s : e l e m e n t   n a m e = " T e r m I d "   t y p e = " x s : s t r i n g " > < / x s : e l e m e n t > + 
+ < / x s : s c h e m a > + 
+ < / c t : c o n t e n t T y p e S c h e m a > 
 </file>
 
-<file path=customXml/item2.xml><?xml version="1.0" encoding="utf-8"?>
-<p:properties xmlns:p="http://schemas.microsoft.com/office/2006/metadata/properties" xmlns:xsi="http://www.w3.org/2001/XMLSchema-instance" xmlns:pc="http://schemas.microsoft.com/office/infopath/2007/PartnerControls">
-  <documentManagement>
-    <MediaServiceKeyPoints xmlns="71af3243-3dd4-4a8d-8c0d-dd76da1f02a5" xsi:nil="true"/>
-    <Status xmlns="71af3243-3dd4-4a8d-8c0d-dd76da1f02a5">Not started</Status>
-  </documentManagement>
-</p:properties>
+<file path=customXml/item2.xml>��< ? x m l   v e r s i o n = " 1 . 0 " ? > < p : p r o p e r t i e s   x m l n s : p = " h t t p : / / s c h e m a s . m i c r o s o f t . c o m / o f f i c e / 2 0 0 6 / m e t a d a t a / p r o p e r t i e s "   x m l n s : x s i = " h t t p : / / w w w . w 3 . o r g / 2 0 0 1 / X M L S c h e m a - i n s t a n c e "   x m l n s : p c = " h t t p : / / s c h e m a s . m i c r o s o f t . c o m / o f f i c e / i n f o p a t h / 2 0 0 7 / P a r t n e r C o n t r o l s " > < d o c u m e n t M a n a g e m e n t > < M e d i a S e r v i c e K e y P o i n t s   x m l n s = " 7 1 a f 3 2 4 3 - 3 d d 4 - 4 a 8 d - 8 c 0 d - d d 7 6 d a 1 f 0 2 a 5 "   x s i : n i l = " t r u e " / > < S t a t u s   x m l n s = " 7 1 a f 3 2 4 3 - 3 d d 4 - 4 a 8 d - 8 c 0 d - d d 7 6 d a 1 f 0 2 a 5 " > N o t   s t a r t e d < / S t a t u s > < / d o c u m e n t M a n a g e m e n t > < / p : p r o p e r t i e s > 
 </file>
 
-<file path=customXml/item3.xml><?xml version="1.0" encoding="utf-8"?>
-<?mso-contentType ?>
-<FormTemplates xmlns="http://schemas.microsoft.com/sharepoint/v3/contenttype/forms">
-  <Display>DocumentLibraryForm</Display>
-  <Edit>DocumentLibraryForm</Edit>
-  <New>DocumentLibraryForm</New>
-</FormTemplates>
+<file path=customXml/item3.xml>��< ? m s o - c o n t e n t T y p e ? > < F o r m T e m p l a t e s   x m l n s = " h t t p : / / s c h e m a s . m i c r o s o f t . c o m / s h a r e p o i n t / v 3 / c o n t e n t t y p e / f o r m s " > < D i s p l a y > D o c u m e n t L i b r a r y F o r m < / D i s p l a y > < E d i t > D o c u m e n t L i b r a r y F o r m < / E d i t > < N e w > D o c u m e n t L i b r a r y F o r m < / N e w > < / F o r m T e m p l a t e s > 
 </file>
 
 <file path=customXml/itemProps1.xml><?xml version="1.0" encoding="utf-8"?>
 <ds:datastoreItem xmlns:ds="http://schemas.openxmlformats.org/officeDocument/2006/customXml" ds:itemID="{FE7010E9-D0D4-4763-90A3-DBAE37445A5D}">
-  <ds:schemaRefs>
-    <ds:schemaRef ds:uri="http://schemas.microsoft.com/office/2006/metadata/contentType"/>
-    <ds:schemaRef ds:uri="http://schemas.microsoft.com/office/2006/metadata/properties/metaAttributes"/>
-    <ds:schemaRef ds:uri="http://www.w3.org/2001/XMLSchema"/>
-    <ds:schemaRef ds:uri="http://schemas.microsoft.com/office/2006/metadata/properties"/>
-    <ds:schemaRef ds:uri="71af3243-3dd4-4a8d-8c0d-dd76da1f02a5"/>
-    <ds:schemaRef ds:uri="16c05727-aa75-4e4a-9b5f-8a80a1165891"/>
-    <ds:schemaRef ds:uri="http://schemas.microsoft.com/office/2006/documentManagement/types"/>
-    <ds:schemaRef ds:uri="http://schemas.microsoft.com/office/infopath/2007/PartnerControls"/>
-    <ds:schemaRef ds:uri="http://schemas.openxmlformats.org/package/2006/metadata/core-properties"/>
-    <ds:schemaRef ds:uri="http://purl.org/dc/elements/1.1/"/>
-    <ds:schemaRef ds:uri="http://purl.org/dc/terms/"/>
-    <ds:schemaRef ds:uri="http://schemas.microsoft.com/internal/obd"/>
-  </ds:schemaRefs>
+  <ds:schemaRefs/>
 </ds:datastoreItem>
 </file>
 
 <file path=customXml/itemProps2.xml><?xml version="1.0" encoding="utf-8"?>
 <ds:datastoreItem xmlns:ds="http://schemas.openxmlformats.org/officeDocument/2006/customXml" ds:itemID="{19791FE0-E525-44F5-B24B-E8E5757CF5F2}">
-  <ds:schemaRefs>
-    <ds:schemaRef ds:uri="71af3243-3dd4-4a8d-8c0d-dd76da1f02a5"/>
-    <ds:schemaRef ds:uri="http://purl.org/dc/elements/1.1/"/>
-    <ds:schemaRef ds:uri="http://purl.org/dc/dcmitype/"/>
-    <ds:schemaRef ds:uri="16c05727-aa75-4e4a-9b5f-8a80a1165891"/>
-    <ds:schemaRef ds:uri="http://schemas.microsoft.com/office/2006/documentManagement/types"/>
-    <ds:schemaRef ds:uri="http://schemas.microsoft.com/office/infopath/2007/PartnerControls"/>
-    <ds:schemaRef ds:uri="http://schemas.openxmlformats.org/package/2006/metadata/core-properties"/>
-    <ds:schemaRef ds:uri="http://schemas.microsoft.com/office/2006/metadata/properties"/>
-    <ds:schemaRef ds:uri="http://www.w3.org/XML/1998/namespace"/>
-    <ds:schemaRef ds:uri="http://purl.org/dc/terms/"/>
-  </ds:schemaRefs>
+  <ds:schemaRefs/>
 </ds:datastoreItem>
 </file>
 
 <file path=customXml/itemProps3.xml><?xml version="1.0" encoding="utf-8"?>
 <ds:datastoreItem xmlns:ds="http://schemas.openxmlformats.org/officeDocument/2006/customXml" ds:itemID="{76428C60-BADF-461E-ACB1-6AC412BA55B1}">
-  <ds:schemaRefs>
-    <ds:schemaRef ds:uri="http://schemas.microsoft.com/sharepoint/v3/contenttype/forms"/>
-  </ds:schemaRefs>
+  <ds:schemaRefs/>
 </ds:datastoreItem>
 </file>